--- a/kinect-mssdk-openni-bridge.pptx
+++ b/kinect-mssdk-openni-bridge.pptx
@@ -4373,6 +4373,16 @@
           <a:p>
             <a:pPr algn="r"/>
             <a:r>
+              <a:rPr lang="en-US" altLang="ja-JP" sz="2400" dirty="0" smtClean="0">
+                <a:hlinkClick r:id="rId2"/>
+              </a:rPr>
+              <a:t>http://code.google.com/p/kinect-mssdk-openni-bridge/</a:t>
+            </a:r>
+            <a:endParaRPr lang="en-US" altLang="ja-JP" sz="2400" dirty="0" smtClean="0"/>
+          </a:p>
+          <a:p>
+            <a:pPr algn="r"/>
+            <a:r>
               <a:rPr kumimoji="1" lang="en-US" altLang="ja-JP" sz="2400" dirty="0" err="1" smtClean="0"/>
               <a:t>Tomoto</a:t>
             </a:r>
@@ -4389,34 +4399,16 @@
           <a:p>
             <a:pPr algn="r"/>
             <a:r>
-              <a:rPr lang="en-US" altLang="ja-JP" sz="2400" dirty="0" smtClean="0"/>
-              <a:t>tomoto@gmail.com</a:t>
-            </a:r>
-          </a:p>
-          <a:p>
-            <a:pPr algn="r"/>
-            <a:r>
-              <a:rPr lang="en-US" altLang="ja-JP" sz="2400" dirty="0" smtClean="0"/>
-              <a:t>Twitter: @tomoto335e (en) / @tomoto335 (</a:t>
-            </a:r>
-            <a:r>
-              <a:rPr lang="en-US" altLang="ja-JP" sz="2400" dirty="0" err="1" smtClean="0"/>
-              <a:t>ja</a:t>
-            </a:r>
-            <a:r>
-              <a:rPr lang="en-US" altLang="ja-JP" sz="2400" dirty="0" smtClean="0"/>
-              <a:t>)</a:t>
-            </a:r>
-          </a:p>
-          <a:p>
-            <a:pPr algn="r"/>
-            <a:endParaRPr lang="en-US" altLang="ja-JP" sz="1800" dirty="0" smtClean="0"/>
-          </a:p>
-          <a:p>
-            <a:pPr algn="r"/>
-            <a:r>
               <a:rPr lang="en-US" altLang="ja-JP" sz="1800" dirty="0" smtClean="0"/>
-              <a:t>Rev 1: 9/15/2012</a:t>
+              <a:t>Rev </a:t>
+            </a:r>
+            <a:r>
+              <a:rPr lang="en-US" altLang="ja-JP" sz="1800" dirty="0" smtClean="0"/>
+              <a:t>1: </a:t>
+            </a:r>
+            <a:r>
+              <a:rPr lang="en-US" altLang="ja-JP" sz="1800" dirty="0" smtClean="0"/>
+              <a:t>9/5/2012</a:t>
             </a:r>
             <a:endParaRPr kumimoji="1" lang="en-US" altLang="ja-JP" sz="2400" dirty="0" smtClean="0"/>
           </a:p>
@@ -4456,6 +4448,51 @@
       </p:grpSpPr>
       <p:sp>
         <p:nvSpPr>
+          <p:cNvPr id="137" name="Rectangle 136"/>
+          <p:cNvSpPr/>
+          <p:nvPr/>
+        </p:nvSpPr>
+        <p:spPr>
+          <a:xfrm>
+            <a:off x="5257800" y="4343400"/>
+            <a:ext cx="3352800" cy="1600200"/>
+          </a:xfrm>
+          <a:prstGeom prst="rect">
+            <a:avLst/>
+          </a:prstGeom>
+          <a:ln w="28575">
+            <a:prstDash val="sysDash"/>
+          </a:ln>
+        </p:spPr>
+        <p:style>
+          <a:lnRef idx="1">
+            <a:schemeClr val="accent6"/>
+          </a:lnRef>
+          <a:fillRef idx="2">
+            <a:schemeClr val="accent6"/>
+          </a:fillRef>
+          <a:effectRef idx="1">
+            <a:schemeClr val="accent6"/>
+          </a:effectRef>
+          <a:fontRef idx="minor">
+            <a:schemeClr val="dk1"/>
+          </a:fontRef>
+        </p:style>
+        <p:txBody>
+          <a:bodyPr rtlCol="0" anchor="t" anchorCtr="0"/>
+          <a:lstStyle/>
+          <a:p>
+            <a:pPr algn="ctr"/>
+            <a:r>
+              <a:rPr kumimoji="1" lang="en-US" altLang="ja-JP" sz="1200" dirty="0" smtClean="0"/>
+              <a:t>Kinect SDK</a:t>
+            </a:r>
+            <a:endParaRPr kumimoji="1" lang="ja-JP" altLang="en-US" sz="1200"/>
+          </a:p>
+        </p:txBody>
+      </p:sp>
+      <p:sp>
+        <p:nvSpPr>
           <p:cNvPr id="3" name="Content Placeholder 2"/>
           <p:cNvSpPr>
             <a:spLocks noGrp="1"/>
@@ -4483,6 +4520,158 @@
       </p:sp>
       <p:sp>
         <p:nvSpPr>
+          <p:cNvPr id="165" name="Rectangle 164"/>
+          <p:cNvSpPr/>
+          <p:nvPr/>
+        </p:nvSpPr>
+        <p:spPr>
+          <a:xfrm>
+            <a:off x="1219200" y="3048000"/>
+            <a:ext cx="3276600" cy="2971800"/>
+          </a:xfrm>
+          <a:prstGeom prst="rect">
+            <a:avLst/>
+          </a:prstGeom>
+          <a:solidFill>
+            <a:schemeClr val="accent4">
+              <a:lumMod val="20000"/>
+              <a:lumOff val="80000"/>
+            </a:schemeClr>
+          </a:solidFill>
+          <a:ln>
+            <a:prstDash val="sysDash"/>
+          </a:ln>
+        </p:spPr>
+        <p:style>
+          <a:lnRef idx="2">
+            <a:schemeClr val="accent4"/>
+          </a:lnRef>
+          <a:fillRef idx="1">
+            <a:schemeClr val="lt1"/>
+          </a:fillRef>
+          <a:effectRef idx="0">
+            <a:schemeClr val="accent4"/>
+          </a:effectRef>
+          <a:fontRef idx="minor">
+            <a:schemeClr val="dk1"/>
+          </a:fontRef>
+        </p:style>
+        <p:txBody>
+          <a:bodyPr rtlCol="0" anchor="t" anchorCtr="0"/>
+          <a:lstStyle/>
+          <a:p>
+            <a:r>
+              <a:rPr kumimoji="1" lang="en-US" altLang="ja-JP" sz="1200" dirty="0" err="1" smtClean="0"/>
+              <a:t>OpenNI</a:t>
+            </a:r>
+            <a:r>
+              <a:rPr kumimoji="1" lang="en-US" altLang="ja-JP" sz="1200" dirty="0" smtClean="0"/>
+              <a:t> </a:t>
+            </a:r>
+            <a:r>
+              <a:rPr kumimoji="1" lang="en-US" altLang="ja-JP" sz="1200" dirty="0" smtClean="0"/>
+              <a:t>FW</a:t>
+            </a:r>
+            <a:endParaRPr kumimoji="1" lang="ja-JP" altLang="en-US" sz="1200"/>
+          </a:p>
+        </p:txBody>
+      </p:sp>
+      <p:sp>
+        <p:nvSpPr>
+          <p:cNvPr id="132" name="Rectangle 131"/>
+          <p:cNvSpPr/>
+          <p:nvPr/>
+        </p:nvSpPr>
+        <p:spPr>
+          <a:xfrm>
+            <a:off x="2895600" y="3200400"/>
+            <a:ext cx="914400" cy="838200"/>
+          </a:xfrm>
+          <a:prstGeom prst="rect">
+            <a:avLst/>
+          </a:prstGeom>
+          <a:ln w="28575">
+            <a:prstDash val="sysDash"/>
+          </a:ln>
+        </p:spPr>
+        <p:style>
+          <a:lnRef idx="1">
+            <a:schemeClr val="accent4"/>
+          </a:lnRef>
+          <a:fillRef idx="2">
+            <a:schemeClr val="accent4"/>
+          </a:fillRef>
+          <a:effectRef idx="1">
+            <a:schemeClr val="accent4"/>
+          </a:effectRef>
+          <a:fontRef idx="minor">
+            <a:schemeClr val="dk1"/>
+          </a:fontRef>
+        </p:style>
+        <p:txBody>
+          <a:bodyPr rtlCol="0" anchor="t" anchorCtr="0"/>
+          <a:lstStyle/>
+          <a:p>
+            <a:pPr algn="ctr"/>
+            <a:r>
+              <a:rPr kumimoji="1" lang="en-US" altLang="ja-JP" sz="1200" dirty="0" smtClean="0"/>
+              <a:t>NITE</a:t>
+            </a:r>
+            <a:endParaRPr kumimoji="1" lang="ja-JP" altLang="en-US" sz="1200"/>
+          </a:p>
+        </p:txBody>
+      </p:sp>
+      <p:sp>
+        <p:nvSpPr>
+          <p:cNvPr id="124" name="Rectangle 123"/>
+          <p:cNvSpPr/>
+          <p:nvPr/>
+        </p:nvSpPr>
+        <p:spPr>
+          <a:xfrm>
+            <a:off x="1371600" y="4267200"/>
+            <a:ext cx="1828800" cy="1600200"/>
+          </a:xfrm>
+          <a:prstGeom prst="rect">
+            <a:avLst/>
+          </a:prstGeom>
+          <a:ln w="28575">
+            <a:prstDash val="sysDash"/>
+          </a:ln>
+        </p:spPr>
+        <p:style>
+          <a:lnRef idx="1">
+            <a:schemeClr val="accent4"/>
+          </a:lnRef>
+          <a:fillRef idx="2">
+            <a:schemeClr val="accent4"/>
+          </a:fillRef>
+          <a:effectRef idx="1">
+            <a:schemeClr val="accent4"/>
+          </a:effectRef>
+          <a:fontRef idx="minor">
+            <a:schemeClr val="dk1"/>
+          </a:fontRef>
+        </p:style>
+        <p:txBody>
+          <a:bodyPr rtlCol="0" anchor="t" anchorCtr="0"/>
+          <a:lstStyle/>
+          <a:p>
+            <a:pPr algn="ctr"/>
+            <a:r>
+              <a:rPr kumimoji="1" lang="en-US" altLang="ja-JP" sz="1200" dirty="0" smtClean="0"/>
+              <a:t>Avin2’s </a:t>
+            </a:r>
+            <a:r>
+              <a:rPr kumimoji="1" lang="en-US" altLang="ja-JP" sz="1200" dirty="0" err="1" smtClean="0"/>
+              <a:t>SensorKinect</a:t>
+            </a:r>
+            <a:endParaRPr kumimoji="1" lang="ja-JP" altLang="en-US" sz="1200"/>
+          </a:p>
+        </p:txBody>
+      </p:sp>
+      <p:sp>
+        <p:nvSpPr>
           <p:cNvPr id="2" name="Title 1"/>
           <p:cNvSpPr>
             <a:spLocks noGrp="1"/>
@@ -4668,7 +4857,7 @@
         </p:nvSpPr>
         <p:spPr>
           <a:xfrm>
-            <a:off x="1371600" y="1676400"/>
+            <a:off x="1371600" y="1905000"/>
             <a:ext cx="2895600" cy="457200"/>
           </a:xfrm>
           <a:prstGeom prst="rect">
@@ -4718,8 +4907,8 @@
         </p:nvCxnSpPr>
         <p:spPr>
           <a:xfrm flipV="1">
-            <a:off x="1828800" y="2133600"/>
-            <a:ext cx="0" cy="2514600"/>
+            <a:off x="1828800" y="2362200"/>
+            <a:ext cx="0" cy="2286000"/>
           </a:xfrm>
           <a:prstGeom prst="straightConnector1">
             <a:avLst/>
@@ -4753,8 +4942,8 @@
         </p:nvCxnSpPr>
         <p:spPr>
           <a:xfrm flipV="1">
-            <a:off x="2743200" y="2133600"/>
-            <a:ext cx="0" cy="2514600"/>
+            <a:off x="2743200" y="2362200"/>
+            <a:ext cx="0" cy="2286000"/>
           </a:xfrm>
           <a:prstGeom prst="straightConnector1">
             <a:avLst/>
@@ -4868,7 +5057,7 @@
         </p:nvSpPr>
         <p:spPr>
           <a:xfrm>
-            <a:off x="5486400" y="1676400"/>
+            <a:off x="5486400" y="1905000"/>
             <a:ext cx="2895600" cy="457200"/>
           </a:xfrm>
           <a:prstGeom prst="rect">
@@ -5021,8 +5210,8 @@
         </p:nvCxnSpPr>
         <p:spPr>
           <a:xfrm flipV="1">
-            <a:off x="3352800" y="2133600"/>
-            <a:ext cx="0" cy="1371600"/>
+            <a:off x="3352800" y="2362200"/>
+            <a:ext cx="0" cy="1143000"/>
           </a:xfrm>
           <a:prstGeom prst="straightConnector1">
             <a:avLst/>
@@ -5083,52 +5272,6 @@
             <a:r>
               <a:rPr kumimoji="1" lang="en-US" altLang="ja-JP" sz="1100" dirty="0" smtClean="0"/>
               <a:t>Image</a:t>
-            </a:r>
-            <a:endParaRPr kumimoji="1" lang="ja-JP" altLang="en-US" sz="1100"/>
-          </a:p>
-        </p:txBody>
-      </p:sp>
-      <p:sp>
-        <p:nvSpPr>
-          <p:cNvPr id="143" name="Rounded Rectangle 142"/>
-          <p:cNvSpPr/>
-          <p:nvPr/>
-        </p:nvSpPr>
-        <p:spPr>
-          <a:xfrm>
-            <a:off x="2971800" y="2286000"/>
-            <a:ext cx="838200" cy="304800"/>
-          </a:xfrm>
-          <a:prstGeom prst="roundRect">
-            <a:avLst/>
-          </a:prstGeom>
-        </p:spPr>
-        <p:style>
-          <a:lnRef idx="1">
-            <a:schemeClr val="accent4"/>
-          </a:lnRef>
-          <a:fillRef idx="2">
-            <a:schemeClr val="accent4"/>
-          </a:fillRef>
-          <a:effectRef idx="1">
-            <a:schemeClr val="accent4"/>
-          </a:effectRef>
-          <a:fontRef idx="minor">
-            <a:schemeClr val="dk1"/>
-          </a:fontRef>
-        </p:style>
-        <p:txBody>
-          <a:bodyPr rtlCol="0" anchor="ctr"/>
-          <a:lstStyle/>
-          <a:p>
-            <a:pPr algn="ctr"/>
-            <a:r>
-              <a:rPr kumimoji="1" lang="en-US" altLang="ja-JP" sz="1100" dirty="0" err="1" smtClean="0"/>
-              <a:t>UserID</a:t>
-            </a:r>
-            <a:r>
-              <a:rPr kumimoji="1" lang="en-US" altLang="ja-JP" sz="1100" dirty="0" smtClean="0"/>
-              <a:t>+ Skeleton</a:t>
             </a:r>
             <a:endParaRPr kumimoji="1" lang="ja-JP" altLang="en-US" sz="1100"/>
           </a:p>
@@ -5387,151 +5530,6 @@
       </p:grpSp>
       <p:sp>
         <p:nvSpPr>
-          <p:cNvPr id="124" name="Rectangle 123"/>
-          <p:cNvSpPr/>
-          <p:nvPr/>
-        </p:nvSpPr>
-        <p:spPr>
-          <a:xfrm>
-            <a:off x="1371600" y="4267200"/>
-            <a:ext cx="1828800" cy="1600200"/>
-          </a:xfrm>
-          <a:prstGeom prst="rect">
-            <a:avLst/>
-          </a:prstGeom>
-          <a:noFill/>
-          <a:ln>
-            <a:prstDash val="sysDash"/>
-          </a:ln>
-        </p:spPr>
-        <p:style>
-          <a:lnRef idx="2">
-            <a:schemeClr val="accent4"/>
-          </a:lnRef>
-          <a:fillRef idx="1">
-            <a:schemeClr val="lt1"/>
-          </a:fillRef>
-          <a:effectRef idx="0">
-            <a:schemeClr val="accent4"/>
-          </a:effectRef>
-          <a:fontRef idx="minor">
-            <a:schemeClr val="dk1"/>
-          </a:fontRef>
-        </p:style>
-        <p:txBody>
-          <a:bodyPr rtlCol="0" anchor="t" anchorCtr="0"/>
-          <a:lstStyle/>
-          <a:p>
-            <a:pPr algn="ctr"/>
-            <a:r>
-              <a:rPr kumimoji="1" lang="en-US" altLang="ja-JP" sz="1200" dirty="0" smtClean="0"/>
-              <a:t>Avin2’s </a:t>
-            </a:r>
-            <a:r>
-              <a:rPr kumimoji="1" lang="en-US" altLang="ja-JP" sz="1200" dirty="0" err="1" smtClean="0"/>
-              <a:t>SensorKinect</a:t>
-            </a:r>
-            <a:endParaRPr kumimoji="1" lang="ja-JP" altLang="en-US" sz="1200"/>
-          </a:p>
-        </p:txBody>
-      </p:sp>
-      <p:sp>
-        <p:nvSpPr>
-          <p:cNvPr id="132" name="Rectangle 131"/>
-          <p:cNvSpPr/>
-          <p:nvPr/>
-        </p:nvSpPr>
-        <p:spPr>
-          <a:xfrm>
-            <a:off x="2895600" y="3200400"/>
-            <a:ext cx="914400" cy="838200"/>
-          </a:xfrm>
-          <a:prstGeom prst="rect">
-            <a:avLst/>
-          </a:prstGeom>
-          <a:noFill/>
-          <a:ln>
-            <a:prstDash val="sysDash"/>
-          </a:ln>
-        </p:spPr>
-        <p:style>
-          <a:lnRef idx="2">
-            <a:schemeClr val="accent4"/>
-          </a:lnRef>
-          <a:fillRef idx="1">
-            <a:schemeClr val="lt1"/>
-          </a:fillRef>
-          <a:effectRef idx="0">
-            <a:schemeClr val="accent4"/>
-          </a:effectRef>
-          <a:fontRef idx="minor">
-            <a:schemeClr val="dk1"/>
-          </a:fontRef>
-        </p:style>
-        <p:txBody>
-          <a:bodyPr rtlCol="0" anchor="t" anchorCtr="0"/>
-          <a:lstStyle/>
-          <a:p>
-            <a:pPr algn="ctr"/>
-            <a:r>
-              <a:rPr kumimoji="1" lang="en-US" altLang="ja-JP" sz="1200" dirty="0" smtClean="0"/>
-              <a:t>NITE</a:t>
-            </a:r>
-            <a:endParaRPr kumimoji="1" lang="ja-JP" altLang="en-US" sz="1200"/>
-          </a:p>
-        </p:txBody>
-      </p:sp>
-      <p:sp>
-        <p:nvSpPr>
-          <p:cNvPr id="165" name="Rectangle 164"/>
-          <p:cNvSpPr/>
-          <p:nvPr/>
-        </p:nvSpPr>
-        <p:spPr>
-          <a:xfrm>
-            <a:off x="1219200" y="3048000"/>
-            <a:ext cx="3276600" cy="2971800"/>
-          </a:xfrm>
-          <a:prstGeom prst="rect">
-            <a:avLst/>
-          </a:prstGeom>
-          <a:noFill/>
-          <a:ln>
-            <a:prstDash val="sysDash"/>
-          </a:ln>
-        </p:spPr>
-        <p:style>
-          <a:lnRef idx="2">
-            <a:schemeClr val="accent4"/>
-          </a:lnRef>
-          <a:fillRef idx="1">
-            <a:schemeClr val="lt1"/>
-          </a:fillRef>
-          <a:effectRef idx="0">
-            <a:schemeClr val="accent4"/>
-          </a:effectRef>
-          <a:fontRef idx="minor">
-            <a:schemeClr val="dk1"/>
-          </a:fontRef>
-        </p:style>
-        <p:txBody>
-          <a:bodyPr rtlCol="0" anchor="t" anchorCtr="0"/>
-          <a:lstStyle/>
-          <a:p>
-            <a:r>
-              <a:rPr kumimoji="1" lang="en-US" altLang="ja-JP" sz="1200" dirty="0" err="1" smtClean="0"/>
-              <a:t>OpenNI</a:t>
-            </a:r>
-            <a:r>
-              <a:rPr kumimoji="1" lang="en-US" altLang="ja-JP" sz="1200" dirty="0" smtClean="0"/>
-              <a:t> FW</a:t>
-            </a:r>
-            <a:endParaRPr kumimoji="1" lang="ja-JP" altLang="en-US" sz="1200"/>
-          </a:p>
-        </p:txBody>
-      </p:sp>
-      <p:sp>
-        <p:nvSpPr>
           <p:cNvPr id="139" name="Rectangle 138"/>
           <p:cNvSpPr/>
           <p:nvPr/>
@@ -5700,7 +5698,11 @@
             <a:pPr algn="ctr"/>
             <a:r>
               <a:rPr kumimoji="1" lang="en-US" altLang="ja-JP" sz="1200" dirty="0" smtClean="0"/>
-              <a:t>Skeleton Stream</a:t>
+              <a:t>Skeleton </a:t>
+            </a:r>
+            <a:r>
+              <a:rPr kumimoji="1" lang="en-US" altLang="ja-JP" sz="1200" dirty="0" smtClean="0"/>
+              <a:t>Tracker</a:t>
             </a:r>
             <a:endParaRPr kumimoji="1" lang="ja-JP" altLang="en-US" sz="1200"/>
           </a:p>
@@ -5714,8 +5716,8 @@
         </p:nvCxnSpPr>
         <p:spPr>
           <a:xfrm flipV="1">
-            <a:off x="6705600" y="2133600"/>
-            <a:ext cx="0" cy="2514600"/>
+            <a:off x="6705600" y="2362200"/>
+            <a:ext cx="0" cy="2286000"/>
           </a:xfrm>
           <a:prstGeom prst="straightConnector1">
             <a:avLst/>
@@ -5749,8 +5751,8 @@
         </p:nvCxnSpPr>
         <p:spPr>
           <a:xfrm flipV="1">
-            <a:off x="8001000" y="2133600"/>
-            <a:ext cx="0" cy="2514600"/>
+            <a:off x="8001000" y="2362200"/>
+            <a:ext cx="0" cy="2286000"/>
           </a:xfrm>
           <a:prstGeom prst="straightConnector1">
             <a:avLst/>
@@ -5782,8 +5784,8 @@
         </p:nvCxnSpPr>
         <p:spPr>
           <a:xfrm flipV="1">
-            <a:off x="7086600" y="2133600"/>
-            <a:ext cx="0" cy="2514600"/>
+            <a:off x="7086600" y="2362200"/>
+            <a:ext cx="0" cy="2286000"/>
           </a:xfrm>
           <a:prstGeom prst="straightConnector1">
             <a:avLst/>
@@ -5817,8 +5819,8 @@
         </p:nvCxnSpPr>
         <p:spPr>
           <a:xfrm flipV="1">
-            <a:off x="5867400" y="2133600"/>
-            <a:ext cx="0" cy="2514600"/>
+            <a:off x="5867400" y="2362200"/>
+            <a:ext cx="0" cy="2286000"/>
           </a:xfrm>
           <a:prstGeom prst="straightConnector1">
             <a:avLst/>
@@ -5850,7 +5852,7 @@
         </p:nvSpPr>
         <p:spPr>
           <a:xfrm>
-            <a:off x="5257800" y="2743200"/>
+            <a:off x="5257800" y="2971800"/>
             <a:ext cx="685800" cy="228600"/>
           </a:xfrm>
           <a:prstGeom prst="roundRect">
@@ -5892,7 +5894,7 @@
         </p:nvSpPr>
         <p:spPr>
           <a:xfrm>
-            <a:off x="6172200" y="2743200"/>
+            <a:off x="6172200" y="2971800"/>
             <a:ext cx="685800" cy="228600"/>
           </a:xfrm>
           <a:prstGeom prst="roundRect">
@@ -5934,7 +5936,7 @@
         </p:nvSpPr>
         <p:spPr>
           <a:xfrm>
-            <a:off x="7315200" y="2743200"/>
+            <a:off x="7315200" y="2971800"/>
             <a:ext cx="838200" cy="228600"/>
           </a:xfrm>
           <a:prstGeom prst="roundRect">
@@ -5976,7 +5978,7 @@
         </p:nvSpPr>
         <p:spPr>
           <a:xfrm>
-            <a:off x="6934200" y="2362200"/>
+            <a:off x="6934200" y="2590800"/>
             <a:ext cx="762000" cy="228600"/>
           </a:xfrm>
           <a:prstGeom prst="roundRect">
@@ -6012,52 +6014,6 @@
       </p:sp>
       <p:sp>
         <p:nvSpPr>
-          <p:cNvPr id="137" name="Rectangle 136"/>
-          <p:cNvSpPr/>
-          <p:nvPr/>
-        </p:nvSpPr>
-        <p:spPr>
-          <a:xfrm>
-            <a:off x="5257800" y="4343400"/>
-            <a:ext cx="3352800" cy="1600200"/>
-          </a:xfrm>
-          <a:prstGeom prst="rect">
-            <a:avLst/>
-          </a:prstGeom>
-          <a:noFill/>
-          <a:ln>
-            <a:prstDash val="sysDash"/>
-          </a:ln>
-        </p:spPr>
-        <p:style>
-          <a:lnRef idx="2">
-            <a:schemeClr val="accent6"/>
-          </a:lnRef>
-          <a:fillRef idx="1">
-            <a:schemeClr val="lt1"/>
-          </a:fillRef>
-          <a:effectRef idx="0">
-            <a:schemeClr val="accent6"/>
-          </a:effectRef>
-          <a:fontRef idx="minor">
-            <a:schemeClr val="dk1"/>
-          </a:fontRef>
-        </p:style>
-        <p:txBody>
-          <a:bodyPr rtlCol="0" anchor="t" anchorCtr="0"/>
-          <a:lstStyle/>
-          <a:p>
-            <a:pPr algn="ctr"/>
-            <a:r>
-              <a:rPr kumimoji="1" lang="en-US" altLang="ja-JP" sz="1200" dirty="0" smtClean="0"/>
-              <a:t>Kinect SDK</a:t>
-            </a:r>
-            <a:endParaRPr kumimoji="1" lang="ja-JP" altLang="en-US" sz="1200"/>
-          </a:p>
-        </p:txBody>
-      </p:sp>
-      <p:sp>
-        <p:nvSpPr>
           <p:cNvPr id="109" name="Explosion 1 108"/>
           <p:cNvSpPr/>
           <p:nvPr/>
@@ -6091,6 +6047,52 @@
           <a:p>
             <a:pPr algn="ctr"/>
             <a:endParaRPr kumimoji="1" lang="ja-JP" altLang="en-US"/>
+          </a:p>
+        </p:txBody>
+      </p:sp>
+      <p:sp>
+        <p:nvSpPr>
+          <p:cNvPr id="57" name="Rounded Rectangle 56"/>
+          <p:cNvSpPr/>
+          <p:nvPr/>
+        </p:nvSpPr>
+        <p:spPr>
+          <a:xfrm>
+            <a:off x="3124200" y="2667000"/>
+            <a:ext cx="990600" cy="304800"/>
+          </a:xfrm>
+          <a:prstGeom prst="roundRect">
+            <a:avLst/>
+          </a:prstGeom>
+        </p:spPr>
+        <p:style>
+          <a:lnRef idx="1">
+            <a:schemeClr val="accent4"/>
+          </a:lnRef>
+          <a:fillRef idx="2">
+            <a:schemeClr val="accent4"/>
+          </a:fillRef>
+          <a:effectRef idx="1">
+            <a:schemeClr val="accent4"/>
+          </a:effectRef>
+          <a:fontRef idx="minor">
+            <a:schemeClr val="dk1"/>
+          </a:fontRef>
+        </p:style>
+        <p:txBody>
+          <a:bodyPr rtlCol="0" anchor="ctr"/>
+          <a:lstStyle/>
+          <a:p>
+            <a:pPr algn="ctr"/>
+            <a:r>
+              <a:rPr kumimoji="1" lang="en-US" altLang="ja-JP" sz="1100" dirty="0" smtClean="0"/>
+              <a:t>User ID</a:t>
+            </a:r>
+            <a:r>
+              <a:rPr kumimoji="1" lang="en-US" altLang="ja-JP" sz="1100" dirty="0" smtClean="0"/>
+              <a:t>+ Skeleton</a:t>
+            </a:r>
+            <a:endParaRPr kumimoji="1" lang="ja-JP" altLang="en-US" sz="1100"/>
           </a:p>
         </p:txBody>
       </p:sp>
@@ -6121,6 +6123,195 @@
       </p:grpSpPr>
       <p:sp>
         <p:nvSpPr>
+          <p:cNvPr id="162" name="Rectangle 161"/>
+          <p:cNvSpPr/>
+          <p:nvPr/>
+        </p:nvSpPr>
+        <p:spPr>
+          <a:xfrm>
+            <a:off x="5257800" y="4343400"/>
+            <a:ext cx="3352800" cy="1600200"/>
+          </a:xfrm>
+          <a:prstGeom prst="rect">
+            <a:avLst/>
+          </a:prstGeom>
+          <a:ln w="28575">
+            <a:prstDash val="sysDash"/>
+          </a:ln>
+        </p:spPr>
+        <p:style>
+          <a:lnRef idx="1">
+            <a:schemeClr val="accent6"/>
+          </a:lnRef>
+          <a:fillRef idx="2">
+            <a:schemeClr val="accent6"/>
+          </a:fillRef>
+          <a:effectRef idx="1">
+            <a:schemeClr val="accent6"/>
+          </a:effectRef>
+          <a:fontRef idx="minor">
+            <a:schemeClr val="dk1"/>
+          </a:fontRef>
+        </p:style>
+        <p:txBody>
+          <a:bodyPr rtlCol="0" anchor="t" anchorCtr="0"/>
+          <a:lstStyle/>
+          <a:p>
+            <a:pPr algn="ctr"/>
+            <a:r>
+              <a:rPr kumimoji="1" lang="en-US" altLang="ja-JP" sz="1200" dirty="0" smtClean="0"/>
+              <a:t>Kinect SDK</a:t>
+            </a:r>
+            <a:endParaRPr kumimoji="1" lang="ja-JP" altLang="en-US" sz="1200"/>
+          </a:p>
+        </p:txBody>
+      </p:sp>
+      <p:sp>
+        <p:nvSpPr>
+          <p:cNvPr id="149" name="Rectangle 148"/>
+          <p:cNvSpPr/>
+          <p:nvPr/>
+        </p:nvSpPr>
+        <p:spPr>
+          <a:xfrm>
+            <a:off x="1219200" y="3276600"/>
+            <a:ext cx="3276600" cy="2819400"/>
+          </a:xfrm>
+          <a:prstGeom prst="rect">
+            <a:avLst/>
+          </a:prstGeom>
+          <a:solidFill>
+            <a:schemeClr val="accent4">
+              <a:lumMod val="20000"/>
+              <a:lumOff val="80000"/>
+            </a:schemeClr>
+          </a:solidFill>
+          <a:ln>
+            <a:prstDash val="sysDash"/>
+          </a:ln>
+        </p:spPr>
+        <p:style>
+          <a:lnRef idx="2">
+            <a:schemeClr val="accent4"/>
+          </a:lnRef>
+          <a:fillRef idx="1">
+            <a:schemeClr val="lt1"/>
+          </a:fillRef>
+          <a:effectRef idx="0">
+            <a:schemeClr val="accent4"/>
+          </a:effectRef>
+          <a:fontRef idx="minor">
+            <a:schemeClr val="dk1"/>
+          </a:fontRef>
+        </p:style>
+        <p:txBody>
+          <a:bodyPr rtlCol="0" anchor="t" anchorCtr="0"/>
+          <a:lstStyle/>
+          <a:p>
+            <a:r>
+              <a:rPr kumimoji="1" lang="en-US" altLang="ja-JP" sz="1200" dirty="0" err="1" smtClean="0"/>
+              <a:t>OpenNI</a:t>
+            </a:r>
+            <a:r>
+              <a:rPr kumimoji="1" lang="en-US" altLang="ja-JP" sz="1200" dirty="0" smtClean="0"/>
+              <a:t> FW</a:t>
+            </a:r>
+            <a:endParaRPr kumimoji="1" lang="ja-JP" altLang="en-US" sz="1200"/>
+          </a:p>
+        </p:txBody>
+      </p:sp>
+      <p:sp>
+        <p:nvSpPr>
+          <p:cNvPr id="148" name="Rectangle 147"/>
+          <p:cNvSpPr/>
+          <p:nvPr/>
+        </p:nvSpPr>
+        <p:spPr>
+          <a:xfrm>
+            <a:off x="2895600" y="3429000"/>
+            <a:ext cx="914400" cy="838200"/>
+          </a:xfrm>
+          <a:prstGeom prst="rect">
+            <a:avLst/>
+          </a:prstGeom>
+          <a:ln w="28575">
+            <a:prstDash val="sysDash"/>
+          </a:ln>
+        </p:spPr>
+        <p:style>
+          <a:lnRef idx="1">
+            <a:schemeClr val="accent4"/>
+          </a:lnRef>
+          <a:fillRef idx="2">
+            <a:schemeClr val="accent4"/>
+          </a:fillRef>
+          <a:effectRef idx="1">
+            <a:schemeClr val="accent4"/>
+          </a:effectRef>
+          <a:fontRef idx="minor">
+            <a:schemeClr val="dk1"/>
+          </a:fontRef>
+        </p:style>
+        <p:txBody>
+          <a:bodyPr rtlCol="0" anchor="t" anchorCtr="0"/>
+          <a:lstStyle/>
+          <a:p>
+            <a:pPr algn="ctr"/>
+            <a:r>
+              <a:rPr kumimoji="1" lang="en-US" altLang="ja-JP" sz="1200" dirty="0" smtClean="0"/>
+              <a:t>NITE</a:t>
+            </a:r>
+            <a:endParaRPr kumimoji="1" lang="ja-JP" altLang="en-US" sz="1200"/>
+          </a:p>
+        </p:txBody>
+      </p:sp>
+      <p:sp>
+        <p:nvSpPr>
+          <p:cNvPr id="147" name="Rectangle 146"/>
+          <p:cNvSpPr/>
+          <p:nvPr/>
+        </p:nvSpPr>
+        <p:spPr>
+          <a:xfrm>
+            <a:off x="1371600" y="4495800"/>
+            <a:ext cx="2971800" cy="1447800"/>
+          </a:xfrm>
+          <a:prstGeom prst="rect">
+            <a:avLst/>
+          </a:prstGeom>
+          <a:ln w="28575">
+            <a:prstDash val="sysDash"/>
+          </a:ln>
+        </p:spPr>
+        <p:style>
+          <a:lnRef idx="1">
+            <a:schemeClr val="accent1"/>
+          </a:lnRef>
+          <a:fillRef idx="2">
+            <a:schemeClr val="accent1"/>
+          </a:fillRef>
+          <a:effectRef idx="1">
+            <a:schemeClr val="accent1"/>
+          </a:effectRef>
+          <a:fontRef idx="minor">
+            <a:schemeClr val="dk1"/>
+          </a:fontRef>
+        </p:style>
+        <p:txBody>
+          <a:bodyPr rtlCol="0" anchor="t" anchorCtr="0"/>
+          <a:lstStyle/>
+          <a:p>
+            <a:pPr algn="ctr"/>
+            <a:r>
+              <a:rPr kumimoji="1" lang="en-US" altLang="ja-JP" sz="1200" dirty="0" smtClean="0"/>
+              <a:t>Bridge</a:t>
+            </a:r>
+            <a:endParaRPr kumimoji="1" lang="ja-JP" altLang="en-US" sz="1200"/>
+          </a:p>
+        </p:txBody>
+      </p:sp>
+      <p:sp>
+        <p:nvSpPr>
           <p:cNvPr id="3" name="Content Placeholder 2"/>
           <p:cNvSpPr>
             <a:spLocks noGrp="1"/>
@@ -6150,11 +6341,23 @@
             </a:r>
             <a:r>
               <a:rPr lang="en-US" altLang="ja-JP" sz="2000" dirty="0" err="1" smtClean="0"/>
-              <a:t>OpenNI-complient</a:t>
+              <a:t>OpenNI</a:t>
+            </a:r>
+            <a:r>
+              <a:rPr lang="en-US" altLang="ja-JP" sz="2000" dirty="0" err="1" smtClean="0"/>
+              <a:t>’</a:t>
+            </a:r>
+            <a:r>
+              <a:rPr lang="en-US" altLang="ja-JP" sz="2000" dirty="0" err="1" smtClean="0"/>
+              <a:t>compliant</a:t>
             </a:r>
             <a:r>
               <a:rPr lang="en-US" altLang="ja-JP" sz="2000" dirty="0" smtClean="0"/>
-              <a:t> nodes that wrap Kinect SDK, so that </a:t>
+              <a:t> </a:t>
+            </a:r>
+            <a:r>
+              <a:rPr lang="en-US" altLang="ja-JP" sz="2000" dirty="0" smtClean="0"/>
+              <a:t>nodes that wrap Kinect SDK, so </a:t>
             </a:r>
             <a:r>
               <a:rPr lang="en-US" altLang="ja-JP" sz="2000" dirty="0" err="1" smtClean="0"/>
@@ -6170,7 +6373,11 @@
             </a:r>
             <a:r>
               <a:rPr lang="en-US" altLang="ja-JP" sz="2000" dirty="0" smtClean="0"/>
-              <a:t> apps can coexist</a:t>
+              <a:t> </a:t>
+            </a:r>
+            <a:r>
+              <a:rPr lang="en-US" altLang="ja-JP" sz="2000" dirty="0" smtClean="0"/>
+              <a:t>apps can coexist</a:t>
             </a:r>
             <a:endParaRPr kumimoji="1" lang="ja-JP" altLang="en-US" sz="2000"/>
           </a:p>
@@ -6696,136 +6903,6 @@
           </a:fontRef>
         </p:style>
       </p:cxnSp>
-      <p:sp>
-        <p:nvSpPr>
-          <p:cNvPr id="141" name="Rounded Rectangle 140"/>
-          <p:cNvSpPr/>
-          <p:nvPr/>
-        </p:nvSpPr>
-        <p:spPr>
-          <a:xfrm>
-            <a:off x="1295400" y="2895600"/>
-            <a:ext cx="685800" cy="228600"/>
-          </a:xfrm>
-          <a:prstGeom prst="roundRect">
-            <a:avLst/>
-          </a:prstGeom>
-        </p:spPr>
-        <p:style>
-          <a:lnRef idx="1">
-            <a:schemeClr val="accent4"/>
-          </a:lnRef>
-          <a:fillRef idx="2">
-            <a:schemeClr val="accent4"/>
-          </a:fillRef>
-          <a:effectRef idx="1">
-            <a:schemeClr val="accent4"/>
-          </a:effectRef>
-          <a:fontRef idx="minor">
-            <a:schemeClr val="dk1"/>
-          </a:fontRef>
-        </p:style>
-        <p:txBody>
-          <a:bodyPr rtlCol="0" anchor="ctr"/>
-          <a:lstStyle/>
-          <a:p>
-            <a:pPr algn="ctr"/>
-            <a:r>
-              <a:rPr kumimoji="1" lang="en-US" altLang="ja-JP" sz="1100" dirty="0" smtClean="0"/>
-              <a:t>Image</a:t>
-            </a:r>
-            <a:endParaRPr kumimoji="1" lang="ja-JP" altLang="en-US" sz="1100"/>
-          </a:p>
-        </p:txBody>
-      </p:sp>
-      <p:sp>
-        <p:nvSpPr>
-          <p:cNvPr id="142" name="Rounded Rectangle 141"/>
-          <p:cNvSpPr/>
-          <p:nvPr/>
-        </p:nvSpPr>
-        <p:spPr>
-          <a:xfrm>
-            <a:off x="2971800" y="2514600"/>
-            <a:ext cx="838200" cy="304800"/>
-          </a:xfrm>
-          <a:prstGeom prst="roundRect">
-            <a:avLst/>
-          </a:prstGeom>
-        </p:spPr>
-        <p:style>
-          <a:lnRef idx="1">
-            <a:schemeClr val="accent4"/>
-          </a:lnRef>
-          <a:fillRef idx="2">
-            <a:schemeClr val="accent4"/>
-          </a:fillRef>
-          <a:effectRef idx="1">
-            <a:schemeClr val="accent4"/>
-          </a:effectRef>
-          <a:fontRef idx="minor">
-            <a:schemeClr val="dk1"/>
-          </a:fontRef>
-        </p:style>
-        <p:txBody>
-          <a:bodyPr rtlCol="0" anchor="ctr"/>
-          <a:lstStyle/>
-          <a:p>
-            <a:pPr algn="ctr"/>
-            <a:r>
-              <a:rPr kumimoji="1" lang="en-US" altLang="ja-JP" sz="1100" dirty="0" err="1" smtClean="0"/>
-              <a:t>UserID</a:t>
-            </a:r>
-            <a:r>
-              <a:rPr kumimoji="1" lang="en-US" altLang="ja-JP" sz="1100" dirty="0" smtClean="0"/>
-              <a:t>+ Skeleton</a:t>
-            </a:r>
-            <a:endParaRPr kumimoji="1" lang="ja-JP" altLang="en-US" sz="1100"/>
-          </a:p>
-        </p:txBody>
-      </p:sp>
-      <p:sp>
-        <p:nvSpPr>
-          <p:cNvPr id="143" name="Rounded Rectangle 142"/>
-          <p:cNvSpPr/>
-          <p:nvPr/>
-        </p:nvSpPr>
-        <p:spPr>
-          <a:xfrm>
-            <a:off x="2209800" y="2895600"/>
-            <a:ext cx="685800" cy="228600"/>
-          </a:xfrm>
-          <a:prstGeom prst="roundRect">
-            <a:avLst/>
-          </a:prstGeom>
-        </p:spPr>
-        <p:style>
-          <a:lnRef idx="1">
-            <a:schemeClr val="accent4"/>
-          </a:lnRef>
-          <a:fillRef idx="2">
-            <a:schemeClr val="accent4"/>
-          </a:fillRef>
-          <a:effectRef idx="1">
-            <a:schemeClr val="accent4"/>
-          </a:effectRef>
-          <a:fontRef idx="minor">
-            <a:schemeClr val="dk1"/>
-          </a:fontRef>
-        </p:style>
-        <p:txBody>
-          <a:bodyPr rtlCol="0" anchor="ctr"/>
-          <a:lstStyle/>
-          <a:p>
-            <a:pPr algn="ctr"/>
-            <a:r>
-              <a:rPr kumimoji="1" lang="en-US" altLang="ja-JP" sz="1100" dirty="0" smtClean="0"/>
-              <a:t>Depth</a:t>
-            </a:r>
-            <a:endParaRPr kumimoji="1" lang="ja-JP" altLang="en-US" sz="1100"/>
-          </a:p>
-        </p:txBody>
-      </p:sp>
       <p:cxnSp>
         <p:nvCxnSpPr>
           <p:cNvPr id="144" name="Straight Arrow Connector 143"/>
@@ -6898,150 +6975,6 @@
       </p:cxnSp>
       <p:sp>
         <p:nvSpPr>
-          <p:cNvPr id="147" name="Rectangle 146"/>
-          <p:cNvSpPr/>
-          <p:nvPr/>
-        </p:nvSpPr>
-        <p:spPr>
-          <a:xfrm>
-            <a:off x="1371600" y="4495800"/>
-            <a:ext cx="2971800" cy="1447800"/>
-          </a:xfrm>
-          <a:prstGeom prst="rect">
-            <a:avLst/>
-          </a:prstGeom>
-          <a:noFill/>
-          <a:ln>
-            <a:solidFill>
-              <a:schemeClr val="accent1"/>
-            </a:solidFill>
-            <a:prstDash val="sysDash"/>
-          </a:ln>
-        </p:spPr>
-        <p:style>
-          <a:lnRef idx="2">
-            <a:schemeClr val="accent4"/>
-          </a:lnRef>
-          <a:fillRef idx="1">
-            <a:schemeClr val="lt1"/>
-          </a:fillRef>
-          <a:effectRef idx="0">
-            <a:schemeClr val="accent4"/>
-          </a:effectRef>
-          <a:fontRef idx="minor">
-            <a:schemeClr val="dk1"/>
-          </a:fontRef>
-        </p:style>
-        <p:txBody>
-          <a:bodyPr rtlCol="0" anchor="t" anchorCtr="0"/>
-          <a:lstStyle/>
-          <a:p>
-            <a:pPr algn="ctr"/>
-            <a:r>
-              <a:rPr kumimoji="1" lang="en-US" altLang="ja-JP" sz="1200" dirty="0" smtClean="0"/>
-              <a:t>Bridge</a:t>
-            </a:r>
-            <a:endParaRPr kumimoji="1" lang="ja-JP" altLang="en-US" sz="1200"/>
-          </a:p>
-        </p:txBody>
-      </p:sp>
-      <p:sp>
-        <p:nvSpPr>
-          <p:cNvPr id="148" name="Rectangle 147"/>
-          <p:cNvSpPr/>
-          <p:nvPr/>
-        </p:nvSpPr>
-        <p:spPr>
-          <a:xfrm>
-            <a:off x="2895600" y="3429000"/>
-            <a:ext cx="914400" cy="838200"/>
-          </a:xfrm>
-          <a:prstGeom prst="rect">
-            <a:avLst/>
-          </a:prstGeom>
-          <a:noFill/>
-          <a:ln>
-            <a:prstDash val="sysDash"/>
-          </a:ln>
-        </p:spPr>
-        <p:style>
-          <a:lnRef idx="2">
-            <a:schemeClr val="accent4"/>
-          </a:lnRef>
-          <a:fillRef idx="1">
-            <a:schemeClr val="lt1"/>
-          </a:fillRef>
-          <a:effectRef idx="0">
-            <a:schemeClr val="accent4"/>
-          </a:effectRef>
-          <a:fontRef idx="minor">
-            <a:schemeClr val="dk1"/>
-          </a:fontRef>
-        </p:style>
-        <p:txBody>
-          <a:bodyPr rtlCol="0" anchor="t" anchorCtr="0"/>
-          <a:lstStyle/>
-          <a:p>
-            <a:pPr algn="ctr"/>
-            <a:r>
-              <a:rPr kumimoji="1" lang="en-US" altLang="ja-JP" sz="1200" dirty="0" smtClean="0"/>
-              <a:t>NITE</a:t>
-            </a:r>
-            <a:endParaRPr kumimoji="1" lang="ja-JP" altLang="en-US" sz="1200"/>
-          </a:p>
-        </p:txBody>
-      </p:sp>
-      <p:sp>
-        <p:nvSpPr>
-          <p:cNvPr id="149" name="Rectangle 148"/>
-          <p:cNvSpPr/>
-          <p:nvPr/>
-        </p:nvSpPr>
-        <p:spPr>
-          <a:xfrm>
-            <a:off x="1219200" y="3276600"/>
-            <a:ext cx="3276600" cy="2819400"/>
-          </a:xfrm>
-          <a:prstGeom prst="rect">
-            <a:avLst/>
-          </a:prstGeom>
-          <a:noFill/>
-          <a:ln>
-            <a:prstDash val="sysDash"/>
-          </a:ln>
-        </p:spPr>
-        <p:style>
-          <a:lnRef idx="2">
-            <a:schemeClr val="accent4"/>
-          </a:lnRef>
-          <a:fillRef idx="1">
-            <a:schemeClr val="lt1"/>
-          </a:fillRef>
-          <a:effectRef idx="0">
-            <a:schemeClr val="accent4"/>
-          </a:effectRef>
-          <a:fontRef idx="minor">
-            <a:schemeClr val="dk1"/>
-          </a:fontRef>
-        </p:style>
-        <p:txBody>
-          <a:bodyPr rtlCol="0" anchor="t" anchorCtr="0"/>
-          <a:lstStyle/>
-          <a:p>
-            <a:r>
-              <a:rPr kumimoji="1" lang="en-US" altLang="ja-JP" sz="1200" dirty="0" err="1" smtClean="0"/>
-              <a:t>OpenNI</a:t>
-            </a:r>
-            <a:r>
-              <a:rPr kumimoji="1" lang="en-US" altLang="ja-JP" sz="1200" dirty="0" smtClean="0"/>
-              <a:t> FW</a:t>
-            </a:r>
-            <a:endParaRPr kumimoji="1" lang="ja-JP" altLang="en-US" sz="1200"/>
-          </a:p>
-        </p:txBody>
-      </p:sp>
-      <p:sp>
-        <p:nvSpPr>
           <p:cNvPr id="150" name="Rectangle 149"/>
           <p:cNvSpPr/>
           <p:nvPr/>
@@ -7210,7 +7143,11 @@
             <a:pPr algn="ctr"/>
             <a:r>
               <a:rPr kumimoji="1" lang="en-US" altLang="ja-JP" sz="1200" dirty="0" smtClean="0"/>
-              <a:t>Skeleton Stream</a:t>
+              <a:t>Skeleton </a:t>
+            </a:r>
+            <a:r>
+              <a:rPr kumimoji="1" lang="en-US" altLang="ja-JP" sz="1200" dirty="0" smtClean="0"/>
+              <a:t>Tracker</a:t>
             </a:r>
             <a:endParaRPr kumimoji="1" lang="ja-JP" altLang="en-US" sz="1200"/>
           </a:p>
@@ -7259,8 +7196,8 @@
         </p:nvCxnSpPr>
         <p:spPr>
           <a:xfrm flipV="1">
-            <a:off x="8001000" y="2133600"/>
-            <a:ext cx="0" cy="2514600"/>
+            <a:off x="8001000" y="2362200"/>
+            <a:ext cx="0" cy="2286000"/>
           </a:xfrm>
           <a:prstGeom prst="straightConnector1">
             <a:avLst/>
@@ -7522,52 +7459,6 @@
       </p:sp>
       <p:sp>
         <p:nvSpPr>
-          <p:cNvPr id="162" name="Rectangle 161"/>
-          <p:cNvSpPr/>
-          <p:nvPr/>
-        </p:nvSpPr>
-        <p:spPr>
-          <a:xfrm>
-            <a:off x="5257800" y="4343400"/>
-            <a:ext cx="3352800" cy="1600200"/>
-          </a:xfrm>
-          <a:prstGeom prst="rect">
-            <a:avLst/>
-          </a:prstGeom>
-          <a:noFill/>
-          <a:ln>
-            <a:prstDash val="sysDash"/>
-          </a:ln>
-        </p:spPr>
-        <p:style>
-          <a:lnRef idx="2">
-            <a:schemeClr val="accent6"/>
-          </a:lnRef>
-          <a:fillRef idx="1">
-            <a:schemeClr val="lt1"/>
-          </a:fillRef>
-          <a:effectRef idx="0">
-            <a:schemeClr val="accent6"/>
-          </a:effectRef>
-          <a:fontRef idx="minor">
-            <a:schemeClr val="dk1"/>
-          </a:fontRef>
-        </p:style>
-        <p:txBody>
-          <a:bodyPr rtlCol="0" anchor="t" anchorCtr="0"/>
-          <a:lstStyle/>
-          <a:p>
-            <a:pPr algn="ctr"/>
-            <a:r>
-              <a:rPr kumimoji="1" lang="en-US" altLang="ja-JP" sz="1200" dirty="0" smtClean="0"/>
-              <a:t>Kinect SDK</a:t>
-            </a:r>
-            <a:endParaRPr kumimoji="1" lang="ja-JP" altLang="en-US" sz="1200"/>
-          </a:p>
-        </p:txBody>
-      </p:sp>
-      <p:sp>
-        <p:nvSpPr>
           <p:cNvPr id="164" name="Rectangle 163"/>
           <p:cNvSpPr/>
           <p:nvPr/>
@@ -7643,52 +7534,6 @@
           </a:fontRef>
         </p:style>
       </p:cxnSp>
-      <p:sp>
-        <p:nvSpPr>
-          <p:cNvPr id="166" name="Rounded Rectangle 165"/>
-          <p:cNvSpPr/>
-          <p:nvPr/>
-        </p:nvSpPr>
-        <p:spPr>
-          <a:xfrm>
-            <a:off x="3657600" y="2895600"/>
-            <a:ext cx="838200" cy="304800"/>
-          </a:xfrm>
-          <a:prstGeom prst="roundRect">
-            <a:avLst/>
-          </a:prstGeom>
-        </p:spPr>
-        <p:style>
-          <a:lnRef idx="1">
-            <a:schemeClr val="accent4"/>
-          </a:lnRef>
-          <a:fillRef idx="2">
-            <a:schemeClr val="accent4"/>
-          </a:fillRef>
-          <a:effectRef idx="1">
-            <a:schemeClr val="accent4"/>
-          </a:effectRef>
-          <a:fontRef idx="minor">
-            <a:schemeClr val="dk1"/>
-          </a:fontRef>
-        </p:style>
-        <p:txBody>
-          <a:bodyPr rtlCol="0" anchor="ctr"/>
-          <a:lstStyle/>
-          <a:p>
-            <a:pPr algn="ctr"/>
-            <a:r>
-              <a:rPr kumimoji="1" lang="en-US" altLang="ja-JP" sz="1100" dirty="0" err="1" smtClean="0"/>
-              <a:t>UserID</a:t>
-            </a:r>
-            <a:r>
-              <a:rPr kumimoji="1" lang="en-US" altLang="ja-JP" sz="1100" dirty="0" smtClean="0"/>
-              <a:t>+ Skeleton</a:t>
-            </a:r>
-            <a:endParaRPr kumimoji="1" lang="ja-JP" altLang="en-US" sz="1100"/>
-          </a:p>
-        </p:txBody>
-      </p:sp>
       <p:cxnSp>
         <p:nvCxnSpPr>
           <p:cNvPr id="167" name="Straight Arrow Connector 166"/>
@@ -8114,6 +7959,136 @@
           </a:fontRef>
         </p:style>
       </p:cxnSp>
+      <p:sp>
+        <p:nvSpPr>
+          <p:cNvPr id="54" name="Rounded Rectangle 53"/>
+          <p:cNvSpPr/>
+          <p:nvPr/>
+        </p:nvSpPr>
+        <p:spPr>
+          <a:xfrm>
+            <a:off x="1295400" y="2667000"/>
+            <a:ext cx="685800" cy="228600"/>
+          </a:xfrm>
+          <a:prstGeom prst="roundRect">
+            <a:avLst/>
+          </a:prstGeom>
+        </p:spPr>
+        <p:style>
+          <a:lnRef idx="1">
+            <a:schemeClr val="accent4"/>
+          </a:lnRef>
+          <a:fillRef idx="2">
+            <a:schemeClr val="accent4"/>
+          </a:fillRef>
+          <a:effectRef idx="1">
+            <a:schemeClr val="accent4"/>
+          </a:effectRef>
+          <a:fontRef idx="minor">
+            <a:schemeClr val="dk1"/>
+          </a:fontRef>
+        </p:style>
+        <p:txBody>
+          <a:bodyPr rtlCol="0" anchor="ctr"/>
+          <a:lstStyle/>
+          <a:p>
+            <a:pPr algn="ctr"/>
+            <a:r>
+              <a:rPr kumimoji="1" lang="en-US" altLang="ja-JP" sz="1100" dirty="0" smtClean="0"/>
+              <a:t>Image</a:t>
+            </a:r>
+            <a:endParaRPr kumimoji="1" lang="ja-JP" altLang="en-US" sz="1100"/>
+          </a:p>
+        </p:txBody>
+      </p:sp>
+      <p:sp>
+        <p:nvSpPr>
+          <p:cNvPr id="55" name="Rounded Rectangle 54"/>
+          <p:cNvSpPr/>
+          <p:nvPr/>
+        </p:nvSpPr>
+        <p:spPr>
+          <a:xfrm>
+            <a:off x="3124200" y="2667000"/>
+            <a:ext cx="990600" cy="304800"/>
+          </a:xfrm>
+          <a:prstGeom prst="roundRect">
+            <a:avLst/>
+          </a:prstGeom>
+        </p:spPr>
+        <p:style>
+          <a:lnRef idx="1">
+            <a:schemeClr val="accent4"/>
+          </a:lnRef>
+          <a:fillRef idx="2">
+            <a:schemeClr val="accent4"/>
+          </a:fillRef>
+          <a:effectRef idx="1">
+            <a:schemeClr val="accent4"/>
+          </a:effectRef>
+          <a:fontRef idx="minor">
+            <a:schemeClr val="dk1"/>
+          </a:fontRef>
+        </p:style>
+        <p:txBody>
+          <a:bodyPr rtlCol="0" anchor="ctr"/>
+          <a:lstStyle/>
+          <a:p>
+            <a:pPr algn="ctr"/>
+            <a:r>
+              <a:rPr kumimoji="1" lang="en-US" altLang="ja-JP" sz="1100" dirty="0" smtClean="0"/>
+              <a:t>User ID</a:t>
+            </a:r>
+            <a:r>
+              <a:rPr kumimoji="1" lang="en-US" altLang="ja-JP" sz="1100" dirty="0" smtClean="0"/>
+              <a:t>+ Skeleton</a:t>
+            </a:r>
+            <a:endParaRPr kumimoji="1" lang="ja-JP" altLang="en-US" sz="1100"/>
+          </a:p>
+        </p:txBody>
+      </p:sp>
+      <p:sp>
+        <p:nvSpPr>
+          <p:cNvPr id="56" name="Rounded Rectangle 55"/>
+          <p:cNvSpPr/>
+          <p:nvPr/>
+        </p:nvSpPr>
+        <p:spPr>
+          <a:xfrm>
+            <a:off x="2209800" y="2667000"/>
+            <a:ext cx="685800" cy="228600"/>
+          </a:xfrm>
+          <a:prstGeom prst="roundRect">
+            <a:avLst/>
+          </a:prstGeom>
+        </p:spPr>
+        <p:style>
+          <a:lnRef idx="1">
+            <a:schemeClr val="accent4"/>
+          </a:lnRef>
+          <a:fillRef idx="2">
+            <a:schemeClr val="accent4"/>
+          </a:fillRef>
+          <a:effectRef idx="1">
+            <a:schemeClr val="accent4"/>
+          </a:effectRef>
+          <a:fontRef idx="minor">
+            <a:schemeClr val="dk1"/>
+          </a:fontRef>
+        </p:style>
+        <p:txBody>
+          <a:bodyPr rtlCol="0" anchor="ctr"/>
+          <a:lstStyle/>
+          <a:p>
+            <a:pPr algn="ctr"/>
+            <a:r>
+              <a:rPr kumimoji="1" lang="en-US" altLang="ja-JP" sz="1100" dirty="0" smtClean="0"/>
+              <a:t>Depth</a:t>
+            </a:r>
+            <a:endParaRPr kumimoji="1" lang="ja-JP" altLang="en-US" sz="1100"/>
+          </a:p>
+        </p:txBody>
+      </p:sp>
     </p:spTree>
   </p:cSld>
   <p:clrMapOvr>
@@ -8187,14 +8162,35 @@
           <a:p>
             <a:r>
               <a:rPr lang="en-US" altLang="ja-JP" dirty="0" smtClean="0"/>
-              <a:t>App can choose either User node of NITE’s or bridge’s</a:t>
-            </a:r>
+              <a:t>App </a:t>
+            </a:r>
+            <a:r>
+              <a:rPr lang="en-US" altLang="ja-JP" dirty="0" smtClean="0"/>
+              <a:t>can also use </a:t>
+            </a:r>
+            <a:r>
+              <a:rPr lang="en-US" altLang="ja-JP" dirty="0" smtClean="0"/>
+              <a:t>Kinect SDK’s skeleton tracker through the User node bridge provides</a:t>
+            </a:r>
+            <a:endParaRPr lang="en-US" altLang="ja-JP" dirty="0" smtClean="0"/>
           </a:p>
           <a:p>
             <a:pPr lvl="1"/>
             <a:r>
               <a:rPr lang="en-US" altLang="ja-JP" dirty="0" smtClean="0"/>
-              <a:t>User “query” on node creation</a:t>
+              <a:t>Use </a:t>
+            </a:r>
+            <a:r>
+              <a:rPr lang="en-US" altLang="ja-JP" dirty="0" smtClean="0"/>
+              <a:t>“query” on </a:t>
+            </a:r>
+            <a:r>
+              <a:rPr lang="en-US" altLang="ja-JP" dirty="0" smtClean="0"/>
+              <a:t>User node </a:t>
+            </a:r>
+            <a:r>
+              <a:rPr lang="en-US" altLang="ja-JP" dirty="0" smtClean="0"/>
+              <a:t>creation</a:t>
             </a:r>
           </a:p>
           <a:p>
@@ -8208,7 +8204,15 @@
             <a:pPr lvl="1"/>
             <a:r>
               <a:rPr lang="en-US" altLang="ja-JP" dirty="0" smtClean="0"/>
-              <a:t>App can even use both at the same time if needed</a:t>
+              <a:t>App can </a:t>
+            </a:r>
+            <a:r>
+              <a:rPr lang="en-US" altLang="ja-JP" dirty="0" smtClean="0"/>
+              <a:t>use both User nodes at </a:t>
+            </a:r>
+            <a:r>
+              <a:rPr lang="en-US" altLang="ja-JP" dirty="0" smtClean="0"/>
+              <a:t>the same time if needed</a:t>
             </a:r>
             <a:endParaRPr kumimoji="1" lang="en-US" altLang="ja-JP" dirty="0" smtClean="0"/>
           </a:p>
@@ -8222,7 +8226,19 @@
             <a:pPr lvl="1"/>
             <a:r>
               <a:rPr kumimoji="1" lang="en-US" altLang="ja-JP" dirty="0" smtClean="0"/>
-              <a:t>Because it is totally transparent under Kinect SDK</a:t>
+              <a:t>Kinect Studio is </a:t>
+            </a:r>
+            <a:r>
+              <a:rPr kumimoji="1" lang="en-US" altLang="ja-JP" dirty="0" smtClean="0"/>
+              <a:t>totally </a:t>
+            </a:r>
+            <a:r>
+              <a:rPr kumimoji="1" lang="en-US" altLang="ja-JP" dirty="0" smtClean="0"/>
+              <a:t>transparent within Kinect </a:t>
+            </a:r>
+            <a:r>
+              <a:rPr kumimoji="1" lang="en-US" altLang="ja-JP" dirty="0" smtClean="0"/>
+              <a:t>SDK</a:t>
             </a:r>
             <a:endParaRPr kumimoji="1" lang="ja-JP" altLang="en-US"/>
           </a:p>
@@ -8255,6 +8271,195 @@
       </p:grpSpPr>
       <p:sp>
         <p:nvSpPr>
+          <p:cNvPr id="114" name="Rectangle 113"/>
+          <p:cNvSpPr/>
+          <p:nvPr/>
+        </p:nvSpPr>
+        <p:spPr>
+          <a:xfrm>
+            <a:off x="914400" y="3276600"/>
+            <a:ext cx="3886200" cy="2819400"/>
+          </a:xfrm>
+          <a:prstGeom prst="rect">
+            <a:avLst/>
+          </a:prstGeom>
+          <a:solidFill>
+            <a:schemeClr val="accent4">
+              <a:lumMod val="20000"/>
+              <a:lumOff val="80000"/>
+            </a:schemeClr>
+          </a:solidFill>
+          <a:ln>
+            <a:prstDash val="sysDash"/>
+          </a:ln>
+        </p:spPr>
+        <p:style>
+          <a:lnRef idx="2">
+            <a:schemeClr val="accent4"/>
+          </a:lnRef>
+          <a:fillRef idx="1">
+            <a:schemeClr val="lt1"/>
+          </a:fillRef>
+          <a:effectRef idx="0">
+            <a:schemeClr val="accent4"/>
+          </a:effectRef>
+          <a:fontRef idx="minor">
+            <a:schemeClr val="dk1"/>
+          </a:fontRef>
+        </p:style>
+        <p:txBody>
+          <a:bodyPr rtlCol="0" anchor="t" anchorCtr="0"/>
+          <a:lstStyle/>
+          <a:p>
+            <a:r>
+              <a:rPr kumimoji="1" lang="en-US" altLang="ja-JP" sz="1200" dirty="0" err="1" smtClean="0"/>
+              <a:t>OpenNI</a:t>
+            </a:r>
+            <a:r>
+              <a:rPr kumimoji="1" lang="en-US" altLang="ja-JP" sz="1200" dirty="0" smtClean="0"/>
+              <a:t> FW</a:t>
+            </a:r>
+            <a:endParaRPr kumimoji="1" lang="ja-JP" altLang="en-US" sz="1200"/>
+          </a:p>
+        </p:txBody>
+      </p:sp>
+      <p:sp>
+        <p:nvSpPr>
+          <p:cNvPr id="113" name="Rectangle 112"/>
+          <p:cNvSpPr/>
+          <p:nvPr/>
+        </p:nvSpPr>
+        <p:spPr>
+          <a:xfrm>
+            <a:off x="3200400" y="3429000"/>
+            <a:ext cx="914400" cy="838200"/>
+          </a:xfrm>
+          <a:prstGeom prst="rect">
+            <a:avLst/>
+          </a:prstGeom>
+          <a:ln w="28575">
+            <a:prstDash val="sysDash"/>
+          </a:ln>
+        </p:spPr>
+        <p:style>
+          <a:lnRef idx="1">
+            <a:schemeClr val="accent4"/>
+          </a:lnRef>
+          <a:fillRef idx="2">
+            <a:schemeClr val="accent4"/>
+          </a:fillRef>
+          <a:effectRef idx="1">
+            <a:schemeClr val="accent4"/>
+          </a:effectRef>
+          <a:fontRef idx="minor">
+            <a:schemeClr val="dk1"/>
+          </a:fontRef>
+        </p:style>
+        <p:txBody>
+          <a:bodyPr rtlCol="0" anchor="t" anchorCtr="0"/>
+          <a:lstStyle/>
+          <a:p>
+            <a:pPr algn="ctr"/>
+            <a:r>
+              <a:rPr kumimoji="1" lang="en-US" altLang="ja-JP" sz="1200" dirty="0" smtClean="0"/>
+              <a:t>NITE</a:t>
+            </a:r>
+            <a:endParaRPr kumimoji="1" lang="ja-JP" altLang="en-US" sz="1200"/>
+          </a:p>
+        </p:txBody>
+      </p:sp>
+      <p:sp>
+        <p:nvSpPr>
+          <p:cNvPr id="127" name="Rectangle 126"/>
+          <p:cNvSpPr/>
+          <p:nvPr/>
+        </p:nvSpPr>
+        <p:spPr>
+          <a:xfrm>
+            <a:off x="5562600" y="4343400"/>
+            <a:ext cx="3352800" cy="1600200"/>
+          </a:xfrm>
+          <a:prstGeom prst="rect">
+            <a:avLst/>
+          </a:prstGeom>
+          <a:ln w="28575">
+            <a:prstDash val="sysDash"/>
+          </a:ln>
+        </p:spPr>
+        <p:style>
+          <a:lnRef idx="1">
+            <a:schemeClr val="accent6"/>
+          </a:lnRef>
+          <a:fillRef idx="2">
+            <a:schemeClr val="accent6"/>
+          </a:fillRef>
+          <a:effectRef idx="1">
+            <a:schemeClr val="accent6"/>
+          </a:effectRef>
+          <a:fontRef idx="minor">
+            <a:schemeClr val="dk1"/>
+          </a:fontRef>
+        </p:style>
+        <p:txBody>
+          <a:bodyPr rtlCol="0" anchor="t" anchorCtr="0"/>
+          <a:lstStyle/>
+          <a:p>
+            <a:pPr algn="ctr"/>
+            <a:r>
+              <a:rPr kumimoji="1" lang="en-US" altLang="ja-JP" sz="1200" dirty="0" smtClean="0"/>
+              <a:t>Kinect SDK</a:t>
+            </a:r>
+            <a:endParaRPr kumimoji="1" lang="ja-JP" altLang="en-US" sz="1200"/>
+          </a:p>
+        </p:txBody>
+      </p:sp>
+      <p:sp>
+        <p:nvSpPr>
+          <p:cNvPr id="112" name="Rectangle 111"/>
+          <p:cNvSpPr/>
+          <p:nvPr/>
+        </p:nvSpPr>
+        <p:spPr>
+          <a:xfrm>
+            <a:off x="1676400" y="4495800"/>
+            <a:ext cx="2971800" cy="1447800"/>
+          </a:xfrm>
+          <a:prstGeom prst="rect">
+            <a:avLst/>
+          </a:prstGeom>
+          <a:ln w="28575">
+            <a:prstDash val="sysDash"/>
+          </a:ln>
+        </p:spPr>
+        <p:style>
+          <a:lnRef idx="1">
+            <a:schemeClr val="accent1"/>
+          </a:lnRef>
+          <a:fillRef idx="2">
+            <a:schemeClr val="accent1"/>
+          </a:fillRef>
+          <a:effectRef idx="1">
+            <a:schemeClr val="accent1"/>
+          </a:effectRef>
+          <a:fontRef idx="minor">
+            <a:schemeClr val="dk1"/>
+          </a:fontRef>
+        </p:style>
+        <p:txBody>
+          <a:bodyPr rtlCol="0" anchor="t" anchorCtr="0"/>
+          <a:lstStyle/>
+          <a:p>
+            <a:pPr algn="ctr"/>
+            <a:r>
+              <a:rPr kumimoji="1" lang="en-US" altLang="ja-JP" sz="1200" dirty="0" smtClean="0"/>
+              <a:t>Bridge</a:t>
+            </a:r>
+            <a:endParaRPr kumimoji="1" lang="ja-JP" altLang="en-US" sz="1200"/>
+          </a:p>
+        </p:txBody>
+      </p:sp>
+      <p:sp>
+        <p:nvSpPr>
           <p:cNvPr id="3" name="Content Placeholder 2"/>
           <p:cNvSpPr>
             <a:spLocks noGrp="1"/>
@@ -8272,24 +8477,31 @@
           <a:p>
             <a:r>
               <a:rPr lang="en-US" altLang="ja-JP" sz="2000" dirty="0" smtClean="0"/>
-              <a:t>Recorder node can apply on bridges Depth and Image node</a:t>
+              <a:t>Recorder </a:t>
+            </a:r>
+            <a:r>
+              <a:rPr lang="en-US" altLang="ja-JP" sz="2000" dirty="0" smtClean="0"/>
+              <a:t>can </a:t>
+            </a:r>
+            <a:r>
+              <a:rPr lang="en-US" altLang="ja-JP" sz="2000" dirty="0" smtClean="0"/>
+              <a:t>apply on </a:t>
+            </a:r>
+            <a:r>
+              <a:rPr lang="en-US" altLang="ja-JP" sz="2000" dirty="0" smtClean="0"/>
+              <a:t>bridge’s </a:t>
+            </a:r>
+            <a:r>
+              <a:rPr lang="en-US" altLang="ja-JP" sz="2000" dirty="0" smtClean="0"/>
+              <a:t>Depth and Image node</a:t>
             </a:r>
           </a:p>
           <a:p>
             <a:pPr lvl="1"/>
             <a:r>
               <a:rPr lang="en-US" altLang="ja-JP" sz="1600" dirty="0" smtClean="0"/>
-              <a:t>So XED </a:t>
-            </a:r>
-            <a:r>
-              <a:rPr lang="en-US" altLang="ja-JP" sz="1600" smtClean="0"/>
-              <a:t>-&gt; ONI </a:t>
-            </a:r>
-            <a:r>
-              <a:rPr lang="en-US" altLang="ja-JP" sz="1600" dirty="0" smtClean="0"/>
-              <a:t>conversion is possible</a:t>
-            </a:r>
-            <a:endParaRPr lang="en-US" altLang="ja-JP" sz="1600" dirty="0" smtClean="0"/>
+              <a:t>So XED -&gt; ONI conversion is possible</a:t>
+            </a:r>
           </a:p>
         </p:txBody>
       </p:sp>
@@ -8566,7 +8778,7 @@
           <a:prstGeom prst="straightConnector1">
             <a:avLst/>
           </a:prstGeom>
-          <a:ln>
+          <a:ln w="12700">
             <a:solidFill>
               <a:schemeClr val="bg1">
                 <a:lumMod val="65000"/>
@@ -8606,7 +8818,7 @@
           <a:prstGeom prst="straightConnector1">
             <a:avLst/>
           </a:prstGeom>
-          <a:ln>
+          <a:ln w="12700">
             <a:solidFill>
               <a:schemeClr val="bg1">
                 <a:lumMod val="65000"/>
@@ -8693,7 +8905,7 @@
               <a:gd name="adj1" fmla="val 70420"/>
             </a:avLst>
           </a:prstGeom>
-          <a:ln>
+          <a:ln w="12700">
             <a:solidFill>
               <a:schemeClr val="bg1">
                 <a:lumMod val="65000"/>
@@ -8766,50 +8978,50 @@
           <a:prstGeom prst="straightConnector1">
             <a:avLst/>
           </a:prstGeom>
+          <a:ln w="12700">
+            <a:solidFill>
+              <a:schemeClr val="bg1">
+                <a:lumMod val="65000"/>
+              </a:schemeClr>
+            </a:solidFill>
+            <a:tailEnd type="arrow"/>
+          </a:ln>
+        </p:spPr>
+        <p:style>
+          <a:lnRef idx="2">
+            <a:schemeClr val="accent4"/>
+          </a:lnRef>
+          <a:fillRef idx="0">
+            <a:schemeClr val="accent4"/>
+          </a:fillRef>
+          <a:effectRef idx="1">
+            <a:schemeClr val="accent4"/>
+          </a:effectRef>
+          <a:fontRef idx="minor">
+            <a:schemeClr val="tx1"/>
+          </a:fontRef>
+        </p:style>
+      </p:cxnSp>
+      <p:sp>
+        <p:nvSpPr>
+          <p:cNvPr id="107" name="Rounded Rectangle 106"/>
+          <p:cNvSpPr/>
+          <p:nvPr/>
+        </p:nvSpPr>
+        <p:spPr>
+          <a:xfrm>
+            <a:off x="3276600" y="2514600"/>
+            <a:ext cx="838200" cy="304800"/>
+          </a:xfrm>
+          <a:prstGeom prst="roundRect">
+            <a:avLst/>
+          </a:prstGeom>
           <a:ln>
             <a:solidFill>
               <a:schemeClr val="bg1">
                 <a:lumMod val="65000"/>
               </a:schemeClr>
             </a:solidFill>
-            <a:tailEnd type="arrow"/>
-          </a:ln>
-        </p:spPr>
-        <p:style>
-          <a:lnRef idx="2">
-            <a:schemeClr val="accent4"/>
-          </a:lnRef>
-          <a:fillRef idx="0">
-            <a:schemeClr val="accent4"/>
-          </a:fillRef>
-          <a:effectRef idx="1">
-            <a:schemeClr val="accent4"/>
-          </a:effectRef>
-          <a:fontRef idx="minor">
-            <a:schemeClr val="tx1"/>
-          </a:fontRef>
-        </p:style>
-      </p:cxnSp>
-      <p:sp>
-        <p:nvSpPr>
-          <p:cNvPr id="107" name="Rounded Rectangle 106"/>
-          <p:cNvSpPr/>
-          <p:nvPr/>
-        </p:nvSpPr>
-        <p:spPr>
-          <a:xfrm>
-            <a:off x="3276600" y="2514600"/>
-            <a:ext cx="838200" cy="304800"/>
-          </a:xfrm>
-          <a:prstGeom prst="roundRect">
-            <a:avLst/>
-          </a:prstGeom>
-          <a:ln>
-            <a:solidFill>
-              <a:schemeClr val="bg1">
-                <a:lumMod val="65000"/>
-              </a:schemeClr>
-            </a:solidFill>
           </a:ln>
         </p:spPr>
         <p:style>
@@ -8859,7 +9071,7 @@
           <a:prstGeom prst="straightConnector1">
             <a:avLst/>
           </a:prstGeom>
-          <a:ln>
+          <a:ln w="12700">
             <a:solidFill>
               <a:schemeClr val="bg1">
                 <a:lumMod val="65000"/>
@@ -8920,150 +9132,6 @@
       </p:cxnSp>
       <p:sp>
         <p:nvSpPr>
-          <p:cNvPr id="112" name="Rectangle 111"/>
-          <p:cNvSpPr/>
-          <p:nvPr/>
-        </p:nvSpPr>
-        <p:spPr>
-          <a:xfrm>
-            <a:off x="1676400" y="4495800"/>
-            <a:ext cx="2971800" cy="1447800"/>
-          </a:xfrm>
-          <a:prstGeom prst="rect">
-            <a:avLst/>
-          </a:prstGeom>
-          <a:noFill/>
-          <a:ln>
-            <a:solidFill>
-              <a:schemeClr val="accent1"/>
-            </a:solidFill>
-            <a:prstDash val="sysDash"/>
-          </a:ln>
-        </p:spPr>
-        <p:style>
-          <a:lnRef idx="2">
-            <a:schemeClr val="accent4"/>
-          </a:lnRef>
-          <a:fillRef idx="1">
-            <a:schemeClr val="lt1"/>
-          </a:fillRef>
-          <a:effectRef idx="0">
-            <a:schemeClr val="accent4"/>
-          </a:effectRef>
-          <a:fontRef idx="minor">
-            <a:schemeClr val="dk1"/>
-          </a:fontRef>
-        </p:style>
-        <p:txBody>
-          <a:bodyPr rtlCol="0" anchor="t" anchorCtr="0"/>
-          <a:lstStyle/>
-          <a:p>
-            <a:pPr algn="ctr"/>
-            <a:r>
-              <a:rPr kumimoji="1" lang="en-US" altLang="ja-JP" sz="1200" dirty="0" smtClean="0"/>
-              <a:t>Bridge</a:t>
-            </a:r>
-            <a:endParaRPr kumimoji="1" lang="ja-JP" altLang="en-US" sz="1200"/>
-          </a:p>
-        </p:txBody>
-      </p:sp>
-      <p:sp>
-        <p:nvSpPr>
-          <p:cNvPr id="113" name="Rectangle 112"/>
-          <p:cNvSpPr/>
-          <p:nvPr/>
-        </p:nvSpPr>
-        <p:spPr>
-          <a:xfrm>
-            <a:off x="3200400" y="3429000"/>
-            <a:ext cx="914400" cy="838200"/>
-          </a:xfrm>
-          <a:prstGeom prst="rect">
-            <a:avLst/>
-          </a:prstGeom>
-          <a:noFill/>
-          <a:ln>
-            <a:prstDash val="sysDash"/>
-          </a:ln>
-        </p:spPr>
-        <p:style>
-          <a:lnRef idx="2">
-            <a:schemeClr val="accent4"/>
-          </a:lnRef>
-          <a:fillRef idx="1">
-            <a:schemeClr val="lt1"/>
-          </a:fillRef>
-          <a:effectRef idx="0">
-            <a:schemeClr val="accent4"/>
-          </a:effectRef>
-          <a:fontRef idx="minor">
-            <a:schemeClr val="dk1"/>
-          </a:fontRef>
-        </p:style>
-        <p:txBody>
-          <a:bodyPr rtlCol="0" anchor="t" anchorCtr="0"/>
-          <a:lstStyle/>
-          <a:p>
-            <a:pPr algn="ctr"/>
-            <a:r>
-              <a:rPr kumimoji="1" lang="en-US" altLang="ja-JP" sz="1200" dirty="0" smtClean="0"/>
-              <a:t>NITE</a:t>
-            </a:r>
-            <a:endParaRPr kumimoji="1" lang="ja-JP" altLang="en-US" sz="1200"/>
-          </a:p>
-        </p:txBody>
-      </p:sp>
-      <p:sp>
-        <p:nvSpPr>
-          <p:cNvPr id="114" name="Rectangle 113"/>
-          <p:cNvSpPr/>
-          <p:nvPr/>
-        </p:nvSpPr>
-        <p:spPr>
-          <a:xfrm>
-            <a:off x="1524000" y="3276600"/>
-            <a:ext cx="3276600" cy="2819400"/>
-          </a:xfrm>
-          <a:prstGeom prst="rect">
-            <a:avLst/>
-          </a:prstGeom>
-          <a:noFill/>
-          <a:ln>
-            <a:prstDash val="sysDash"/>
-          </a:ln>
-        </p:spPr>
-        <p:style>
-          <a:lnRef idx="2">
-            <a:schemeClr val="accent4"/>
-          </a:lnRef>
-          <a:fillRef idx="1">
-            <a:schemeClr val="lt1"/>
-          </a:fillRef>
-          <a:effectRef idx="0">
-            <a:schemeClr val="accent4"/>
-          </a:effectRef>
-          <a:fontRef idx="minor">
-            <a:schemeClr val="dk1"/>
-          </a:fontRef>
-        </p:style>
-        <p:txBody>
-          <a:bodyPr rtlCol="0" anchor="t" anchorCtr="0"/>
-          <a:lstStyle/>
-          <a:p>
-            <a:r>
-              <a:rPr kumimoji="1" lang="en-US" altLang="ja-JP" sz="1200" dirty="0" err="1" smtClean="0"/>
-              <a:t>OpenNI</a:t>
-            </a:r>
-            <a:r>
-              <a:rPr kumimoji="1" lang="en-US" altLang="ja-JP" sz="1200" dirty="0" smtClean="0"/>
-              <a:t> FW</a:t>
-            </a:r>
-            <a:endParaRPr kumimoji="1" lang="ja-JP" altLang="en-US" sz="1200"/>
-          </a:p>
-        </p:txBody>
-      </p:sp>
-      <p:sp>
-        <p:nvSpPr>
           <p:cNvPr id="115" name="Rectangle 114"/>
           <p:cNvSpPr/>
           <p:nvPr/>
@@ -9122,7 +9190,7 @@
           <a:prstGeom prst="straightConnector1">
             <a:avLst/>
           </a:prstGeom>
-          <a:ln>
+          <a:ln w="12700">
             <a:solidFill>
               <a:schemeClr val="bg1">
                 <a:lumMod val="65000"/>
@@ -9161,7 +9229,7 @@
           <a:prstGeom prst="straightConnector1">
             <a:avLst/>
           </a:prstGeom>
-          <a:ln>
+          <a:ln w="12700">
             <a:solidFill>
               <a:schemeClr val="bg1">
                 <a:lumMod val="65000"/>
@@ -9286,52 +9354,6 @@
       </p:sp>
       <p:sp>
         <p:nvSpPr>
-          <p:cNvPr id="127" name="Rectangle 126"/>
-          <p:cNvSpPr/>
-          <p:nvPr/>
-        </p:nvSpPr>
-        <p:spPr>
-          <a:xfrm>
-            <a:off x="5562600" y="4343400"/>
-            <a:ext cx="3352800" cy="1600200"/>
-          </a:xfrm>
-          <a:prstGeom prst="rect">
-            <a:avLst/>
-          </a:prstGeom>
-          <a:noFill/>
-          <a:ln>
-            <a:prstDash val="sysDash"/>
-          </a:ln>
-        </p:spPr>
-        <p:style>
-          <a:lnRef idx="2">
-            <a:schemeClr val="accent6"/>
-          </a:lnRef>
-          <a:fillRef idx="1">
-            <a:schemeClr val="lt1"/>
-          </a:fillRef>
-          <a:effectRef idx="0">
-            <a:schemeClr val="accent6"/>
-          </a:effectRef>
-          <a:fontRef idx="minor">
-            <a:schemeClr val="dk1"/>
-          </a:fontRef>
-        </p:style>
-        <p:txBody>
-          <a:bodyPr rtlCol="0" anchor="t" anchorCtr="0"/>
-          <a:lstStyle/>
-          <a:p>
-            <a:pPr algn="ctr"/>
-            <a:r>
-              <a:rPr kumimoji="1" lang="en-US" altLang="ja-JP" sz="1200" dirty="0" smtClean="0"/>
-              <a:t>Kinect SDK</a:t>
-            </a:r>
-            <a:endParaRPr kumimoji="1" lang="ja-JP" altLang="en-US" sz="1200"/>
-          </a:p>
-        </p:txBody>
-      </p:sp>
-      <p:sp>
-        <p:nvSpPr>
           <p:cNvPr id="128" name="Rectangle 127"/>
           <p:cNvSpPr/>
           <p:nvPr/>
@@ -9393,50 +9415,50 @@
           <a:prstGeom prst="straightConnector1">
             <a:avLst/>
           </a:prstGeom>
+          <a:ln w="12700">
+            <a:solidFill>
+              <a:schemeClr val="bg1">
+                <a:lumMod val="65000"/>
+              </a:schemeClr>
+            </a:solidFill>
+            <a:tailEnd type="arrow"/>
+          </a:ln>
+        </p:spPr>
+        <p:style>
+          <a:lnRef idx="2">
+            <a:schemeClr val="accent4"/>
+          </a:lnRef>
+          <a:fillRef idx="0">
+            <a:schemeClr val="accent4"/>
+          </a:fillRef>
+          <a:effectRef idx="1">
+            <a:schemeClr val="accent4"/>
+          </a:effectRef>
+          <a:fontRef idx="minor">
+            <a:schemeClr val="tx1"/>
+          </a:fontRef>
+        </p:style>
+      </p:cxnSp>
+      <p:sp>
+        <p:nvSpPr>
+          <p:cNvPr id="130" name="Rounded Rectangle 129"/>
+          <p:cNvSpPr/>
+          <p:nvPr/>
+        </p:nvSpPr>
+        <p:spPr>
+          <a:xfrm>
+            <a:off x="3962400" y="2895600"/>
+            <a:ext cx="838200" cy="304800"/>
+          </a:xfrm>
+          <a:prstGeom prst="roundRect">
+            <a:avLst/>
+          </a:prstGeom>
           <a:ln>
             <a:solidFill>
               <a:schemeClr val="bg1">
                 <a:lumMod val="65000"/>
               </a:schemeClr>
             </a:solidFill>
-            <a:tailEnd type="arrow"/>
-          </a:ln>
-        </p:spPr>
-        <p:style>
-          <a:lnRef idx="2">
-            <a:schemeClr val="accent4"/>
-          </a:lnRef>
-          <a:fillRef idx="0">
-            <a:schemeClr val="accent4"/>
-          </a:fillRef>
-          <a:effectRef idx="1">
-            <a:schemeClr val="accent4"/>
-          </a:effectRef>
-          <a:fontRef idx="minor">
-            <a:schemeClr val="tx1"/>
-          </a:fontRef>
-        </p:style>
-      </p:cxnSp>
-      <p:sp>
-        <p:nvSpPr>
-          <p:cNvPr id="130" name="Rounded Rectangle 129"/>
-          <p:cNvSpPr/>
-          <p:nvPr/>
-        </p:nvSpPr>
-        <p:spPr>
-          <a:xfrm>
-            <a:off x="3962400" y="2895600"/>
-            <a:ext cx="838200" cy="304800"/>
-          </a:xfrm>
-          <a:prstGeom prst="roundRect">
-            <a:avLst/>
-          </a:prstGeom>
-          <a:ln>
-            <a:solidFill>
-              <a:schemeClr val="bg1">
-                <a:lumMod val="65000"/>
-              </a:schemeClr>
-            </a:solidFill>
           </a:ln>
         </p:spPr>
         <p:style>
@@ -9517,7 +9539,7 @@
           <a:prstGeom prst="straightConnector1">
             <a:avLst/>
           </a:prstGeom>
-          <a:ln>
+          <a:ln w="12700">
             <a:solidFill>
               <a:schemeClr val="bg1">
                 <a:lumMod val="65000"/>
@@ -9557,7 +9579,7 @@
               <a:gd name="adj1" fmla="val 84304"/>
             </a:avLst>
           </a:prstGeom>
-          <a:ln>
+          <a:ln w="12700">
             <a:solidFill>
               <a:schemeClr val="bg1">
                 <a:lumMod val="65000"/>
@@ -9629,130 +9651,463 @@
           <a:prstGeom prst="straightConnector1">
             <a:avLst/>
           </a:prstGeom>
+          <a:ln w="12700">
+            <a:solidFill>
+              <a:schemeClr val="bg1">
+                <a:lumMod val="65000"/>
+              </a:schemeClr>
+            </a:solidFill>
+            <a:tailEnd type="arrow"/>
+          </a:ln>
+        </p:spPr>
+        <p:style>
+          <a:lnRef idx="2">
+            <a:schemeClr val="accent6"/>
+          </a:lnRef>
+          <a:fillRef idx="0">
+            <a:schemeClr val="accent6"/>
+          </a:fillRef>
+          <a:effectRef idx="1">
+            <a:schemeClr val="accent6"/>
+          </a:effectRef>
+          <a:fontRef idx="minor">
+            <a:schemeClr val="tx1"/>
+          </a:fontRef>
+        </p:style>
+      </p:cxnSp>
+      <p:cxnSp>
+        <p:nvCxnSpPr>
+          <p:cNvPr id="137" name="Elbow Connector 136"/>
+          <p:cNvCxnSpPr/>
+          <p:nvPr/>
+        </p:nvCxnSpPr>
+        <p:spPr>
+          <a:xfrm rot="10800000" flipV="1">
+            <a:off x="4038600" y="3733800"/>
+            <a:ext cx="3352800" cy="1828800"/>
+          </a:xfrm>
+          <a:prstGeom prst="bentConnector3">
+            <a:avLst>
+              <a:gd name="adj1" fmla="val 69902"/>
+            </a:avLst>
+          </a:prstGeom>
+          <a:ln w="12700">
+            <a:solidFill>
+              <a:schemeClr val="bg1">
+                <a:lumMod val="65000"/>
+              </a:schemeClr>
+            </a:solidFill>
+          </a:ln>
+        </p:spPr>
+        <p:style>
+          <a:lnRef idx="2">
+            <a:schemeClr val="accent6"/>
+          </a:lnRef>
+          <a:fillRef idx="0">
+            <a:schemeClr val="accent6"/>
+          </a:fillRef>
+          <a:effectRef idx="1">
+            <a:schemeClr val="accent6"/>
+          </a:effectRef>
+          <a:fontRef idx="minor">
+            <a:schemeClr val="tx1"/>
+          </a:fontRef>
+        </p:style>
+      </p:cxnSp>
+      <p:cxnSp>
+        <p:nvCxnSpPr>
+          <p:cNvPr id="139" name="Elbow Connector 138"/>
+          <p:cNvCxnSpPr/>
+          <p:nvPr/>
+        </p:nvCxnSpPr>
+        <p:spPr>
+          <a:xfrm rot="10800000" flipV="1">
+            <a:off x="2133600" y="3962400"/>
+            <a:ext cx="4038600" cy="1828800"/>
+          </a:xfrm>
+          <a:prstGeom prst="bentConnector3">
+            <a:avLst>
+              <a:gd name="adj1" fmla="val 20832"/>
+            </a:avLst>
+          </a:prstGeom>
+        </p:spPr>
+        <p:style>
+          <a:lnRef idx="2">
+            <a:schemeClr val="accent6"/>
+          </a:lnRef>
+          <a:fillRef idx="0">
+            <a:schemeClr val="accent6"/>
+          </a:fillRef>
+          <a:effectRef idx="1">
+            <a:schemeClr val="accent6"/>
+          </a:effectRef>
+          <a:fontRef idx="minor">
+            <a:schemeClr val="tx1"/>
+          </a:fontRef>
+        </p:style>
+      </p:cxnSp>
+      <p:sp>
+        <p:nvSpPr>
+          <p:cNvPr id="140" name="Rectangle 139"/>
+          <p:cNvSpPr/>
+          <p:nvPr/>
+        </p:nvSpPr>
+        <p:spPr>
+          <a:xfrm>
+            <a:off x="7848600" y="5410200"/>
+            <a:ext cx="990600" cy="457200"/>
+          </a:xfrm>
+          <a:prstGeom prst="rect">
+            <a:avLst/>
+          </a:prstGeom>
+        </p:spPr>
+        <p:style>
+          <a:lnRef idx="2">
+            <a:schemeClr val="accent6">
+              <a:shade val="50000"/>
+            </a:schemeClr>
+          </a:lnRef>
+          <a:fillRef idx="1">
+            <a:schemeClr val="accent6"/>
+          </a:fillRef>
+          <a:effectRef idx="0">
+            <a:schemeClr val="accent6"/>
+          </a:effectRef>
+          <a:fontRef idx="minor">
+            <a:schemeClr val="lt1"/>
+          </a:fontRef>
+        </p:style>
+        <p:txBody>
+          <a:bodyPr rtlCol="0" anchor="ctr" anchorCtr="0"/>
+          <a:lstStyle/>
+          <a:p>
+            <a:pPr algn="ctr"/>
+            <a:r>
+              <a:rPr kumimoji="1" lang="en-US" altLang="ja-JP" sz="1200" dirty="0" smtClean="0"/>
+              <a:t>Kinect Studio</a:t>
+            </a:r>
+            <a:endParaRPr kumimoji="1" lang="ja-JP" altLang="en-US" sz="1200"/>
+          </a:p>
+        </p:txBody>
+      </p:sp>
+      <p:sp>
+        <p:nvSpPr>
+          <p:cNvPr id="141" name="Folded Corner 140"/>
+          <p:cNvSpPr/>
+          <p:nvPr/>
+        </p:nvSpPr>
+        <p:spPr>
+          <a:xfrm>
+            <a:off x="8229600" y="6172200"/>
+            <a:ext cx="609600" cy="381000"/>
+          </a:xfrm>
+          <a:prstGeom prst="foldedCorner">
+            <a:avLst/>
+          </a:prstGeom>
+          <a:ln>
+            <a:headEnd type="arrow" w="med" len="med"/>
+            <a:tailEnd type="none" w="med" len="med"/>
+          </a:ln>
+        </p:spPr>
+        <p:style>
+          <a:lnRef idx="1">
+            <a:schemeClr val="accent6"/>
+          </a:lnRef>
+          <a:fillRef idx="2">
+            <a:schemeClr val="accent6"/>
+          </a:fillRef>
+          <a:effectRef idx="1">
+            <a:schemeClr val="accent6"/>
+          </a:effectRef>
+          <a:fontRef idx="minor">
+            <a:schemeClr val="dk1"/>
+          </a:fontRef>
+        </p:style>
+        <p:txBody>
+          <a:bodyPr rtlCol="0" anchor="ctr"/>
+          <a:lstStyle/>
+          <a:p>
+            <a:pPr algn="ctr"/>
+            <a:r>
+              <a:rPr kumimoji="1" lang="en-US" altLang="ja-JP" sz="1200" dirty="0" smtClean="0"/>
+              <a:t>.</a:t>
+            </a:r>
+            <a:r>
+              <a:rPr kumimoji="1" lang="en-US" altLang="ja-JP" sz="1200" dirty="0" err="1" smtClean="0"/>
+              <a:t>xed</a:t>
+            </a:r>
+            <a:endParaRPr kumimoji="1" lang="ja-JP" altLang="en-US" sz="1200"/>
+          </a:p>
+        </p:txBody>
+      </p:sp>
+      <p:cxnSp>
+        <p:nvCxnSpPr>
+          <p:cNvPr id="142" name="Straight Arrow Connector 141"/>
+          <p:cNvCxnSpPr>
+            <a:stCxn id="141" idx="0"/>
+          </p:cNvCxnSpPr>
+          <p:nvPr/>
+        </p:nvCxnSpPr>
+        <p:spPr>
+          <a:xfrm flipV="1">
+            <a:off x="8534400" y="5867400"/>
+            <a:ext cx="0" cy="304800"/>
+          </a:xfrm>
+          <a:prstGeom prst="straightConnector1">
+            <a:avLst/>
+          </a:prstGeom>
+          <a:ln>
+            <a:headEnd type="arrow" w="med" len="med"/>
+            <a:tailEnd type="arrow" w="med" len="med"/>
+          </a:ln>
+        </p:spPr>
+        <p:style>
+          <a:lnRef idx="2">
+            <a:schemeClr val="accent6"/>
+          </a:lnRef>
+          <a:fillRef idx="0">
+            <a:schemeClr val="accent6"/>
+          </a:fillRef>
+          <a:effectRef idx="1">
+            <a:schemeClr val="accent6"/>
+          </a:effectRef>
+          <a:fontRef idx="minor">
+            <a:schemeClr val="tx1"/>
+          </a:fontRef>
+        </p:style>
+      </p:cxnSp>
+      <p:sp>
+        <p:nvSpPr>
+          <p:cNvPr id="144" name="Rectangle 143"/>
+          <p:cNvSpPr/>
+          <p:nvPr/>
+        </p:nvSpPr>
+        <p:spPr>
+          <a:xfrm>
+            <a:off x="1066800" y="3733800"/>
+            <a:ext cx="762000" cy="457200"/>
+          </a:xfrm>
+          <a:prstGeom prst="rect">
+            <a:avLst/>
+          </a:prstGeom>
+        </p:spPr>
+        <p:style>
+          <a:lnRef idx="2">
+            <a:schemeClr val="accent4">
+              <a:shade val="50000"/>
+            </a:schemeClr>
+          </a:lnRef>
+          <a:fillRef idx="1">
+            <a:schemeClr val="accent4"/>
+          </a:fillRef>
+          <a:effectRef idx="0">
+            <a:schemeClr val="accent4"/>
+          </a:effectRef>
+          <a:fontRef idx="minor">
+            <a:schemeClr val="lt1"/>
+          </a:fontRef>
+        </p:style>
+        <p:txBody>
+          <a:bodyPr lIns="0" rIns="0" rtlCol="0" anchor="ctr" anchorCtr="0"/>
+          <a:lstStyle/>
+          <a:p>
+            <a:pPr algn="ctr"/>
+            <a:r>
+              <a:rPr kumimoji="1" lang="en-US" altLang="ja-JP" sz="1200" dirty="0" smtClean="0"/>
+              <a:t>Recorder</a:t>
+            </a:r>
+            <a:endParaRPr kumimoji="1" lang="ja-JP" altLang="en-US" sz="1200"/>
+          </a:p>
+        </p:txBody>
+      </p:sp>
+      <p:cxnSp>
+        <p:nvCxnSpPr>
+          <p:cNvPr id="133" name="Straight Arrow Connector 132"/>
+          <p:cNvCxnSpPr/>
+          <p:nvPr/>
+        </p:nvCxnSpPr>
+        <p:spPr>
+          <a:xfrm flipV="1">
+            <a:off x="3048000" y="5334000"/>
+            <a:ext cx="0" cy="381000"/>
+          </a:xfrm>
+          <a:prstGeom prst="straightConnector1">
+            <a:avLst/>
+          </a:prstGeom>
+          <a:ln>
+            <a:tailEnd type="arrow"/>
+          </a:ln>
+        </p:spPr>
+        <p:style>
+          <a:lnRef idx="2">
+            <a:schemeClr val="accent6"/>
+          </a:lnRef>
+          <a:fillRef idx="0">
+            <a:schemeClr val="accent6"/>
+          </a:fillRef>
+          <a:effectRef idx="1">
+            <a:schemeClr val="accent6"/>
+          </a:effectRef>
+          <a:fontRef idx="minor">
+            <a:schemeClr val="tx1"/>
+          </a:fontRef>
+        </p:style>
+      </p:cxnSp>
+      <p:cxnSp>
+        <p:nvCxnSpPr>
+          <p:cNvPr id="138" name="Elbow Connector 137"/>
+          <p:cNvCxnSpPr/>
+          <p:nvPr/>
+        </p:nvCxnSpPr>
+        <p:spPr>
+          <a:xfrm rot="10800000" flipV="1">
+            <a:off x="3048000" y="3886200"/>
+            <a:ext cx="3962400" cy="1828800"/>
+          </a:xfrm>
+          <a:prstGeom prst="bentConnector3">
+            <a:avLst>
+              <a:gd name="adj1" fmla="val 45010"/>
+            </a:avLst>
+          </a:prstGeom>
+          <a:ln/>
+        </p:spPr>
+        <p:style>
+          <a:lnRef idx="2">
+            <a:schemeClr val="accent6"/>
+          </a:lnRef>
+          <a:fillRef idx="0">
+            <a:schemeClr val="accent6"/>
+          </a:fillRef>
+          <a:effectRef idx="1">
+            <a:schemeClr val="accent6"/>
+          </a:effectRef>
+          <a:fontRef idx="minor">
+            <a:schemeClr val="tx1"/>
+          </a:fontRef>
+        </p:style>
+      </p:cxnSp>
+      <p:sp>
+        <p:nvSpPr>
+          <p:cNvPr id="116" name="Rectangle 115"/>
+          <p:cNvSpPr/>
+          <p:nvPr/>
+        </p:nvSpPr>
+        <p:spPr>
+          <a:xfrm>
+            <a:off x="5715000" y="4648200"/>
+            <a:ext cx="914400" cy="457200"/>
+          </a:xfrm>
+          <a:prstGeom prst="rect">
+            <a:avLst/>
+          </a:prstGeom>
+        </p:spPr>
+        <p:style>
+          <a:lnRef idx="2">
+            <a:schemeClr val="accent6">
+              <a:shade val="50000"/>
+            </a:schemeClr>
+          </a:lnRef>
+          <a:fillRef idx="1">
+            <a:schemeClr val="accent6"/>
+          </a:fillRef>
+          <a:effectRef idx="0">
+            <a:schemeClr val="accent6"/>
+          </a:effectRef>
+          <a:fontRef idx="minor">
+            <a:schemeClr val="lt1"/>
+          </a:fontRef>
+        </p:style>
+        <p:txBody>
+          <a:bodyPr rtlCol="0" anchor="ctr" anchorCtr="0"/>
+          <a:lstStyle/>
+          <a:p>
+            <a:pPr algn="ctr"/>
+            <a:r>
+              <a:rPr kumimoji="1" lang="en-US" altLang="ja-JP" sz="1200" dirty="0" smtClean="0"/>
+              <a:t>Image Stream</a:t>
+            </a:r>
+            <a:endParaRPr kumimoji="1" lang="ja-JP" altLang="en-US" sz="1200"/>
+          </a:p>
+        </p:txBody>
+      </p:sp>
+      <p:sp>
+        <p:nvSpPr>
+          <p:cNvPr id="117" name="Rectangle 116"/>
+          <p:cNvSpPr/>
+          <p:nvPr/>
+        </p:nvSpPr>
+        <p:spPr>
+          <a:xfrm>
+            <a:off x="6781800" y="4648200"/>
+            <a:ext cx="914400" cy="457200"/>
+          </a:xfrm>
+          <a:prstGeom prst="rect">
+            <a:avLst/>
+          </a:prstGeom>
+        </p:spPr>
+        <p:style>
+          <a:lnRef idx="2">
+            <a:schemeClr val="accent6">
+              <a:shade val="50000"/>
+            </a:schemeClr>
+          </a:lnRef>
+          <a:fillRef idx="1">
+            <a:schemeClr val="accent6"/>
+          </a:fillRef>
+          <a:effectRef idx="0">
+            <a:schemeClr val="accent6"/>
+          </a:effectRef>
+          <a:fontRef idx="minor">
+            <a:schemeClr val="lt1"/>
+          </a:fontRef>
+        </p:style>
+        <p:txBody>
+          <a:bodyPr rtlCol="0" anchor="ctr" anchorCtr="0"/>
+          <a:lstStyle/>
+          <a:p>
+            <a:pPr algn="ctr"/>
+            <a:r>
+              <a:rPr kumimoji="1" lang="en-US" altLang="ja-JP" sz="1200" dirty="0" smtClean="0"/>
+              <a:t>Depth Stream</a:t>
+            </a:r>
+            <a:endParaRPr kumimoji="1" lang="ja-JP" altLang="en-US" sz="1200"/>
+          </a:p>
+        </p:txBody>
+      </p:sp>
+      <p:sp>
+        <p:nvSpPr>
+          <p:cNvPr id="118" name="Rectangle 117"/>
+          <p:cNvSpPr/>
+          <p:nvPr/>
+        </p:nvSpPr>
+        <p:spPr>
+          <a:xfrm>
+            <a:off x="7848600" y="4648200"/>
+            <a:ext cx="914400" cy="457200"/>
+          </a:xfrm>
+          <a:prstGeom prst="rect">
+            <a:avLst/>
+          </a:prstGeom>
           <a:ln>
             <a:solidFill>
               <a:schemeClr val="bg1">
                 <a:lumMod val="65000"/>
               </a:schemeClr>
             </a:solidFill>
-            <a:tailEnd type="arrow"/>
-          </a:ln>
-        </p:spPr>
-        <p:style>
-          <a:lnRef idx="2">
-            <a:schemeClr val="accent6"/>
-          </a:lnRef>
-          <a:fillRef idx="0">
-            <a:schemeClr val="accent6"/>
-          </a:fillRef>
-          <a:effectRef idx="1">
-            <a:schemeClr val="accent6"/>
-          </a:effectRef>
-          <a:fontRef idx="minor">
-            <a:schemeClr val="tx1"/>
-          </a:fontRef>
-        </p:style>
-      </p:cxnSp>
-      <p:cxnSp>
-        <p:nvCxnSpPr>
-          <p:cNvPr id="137" name="Elbow Connector 136"/>
-          <p:cNvCxnSpPr/>
-          <p:nvPr/>
-        </p:nvCxnSpPr>
-        <p:spPr>
-          <a:xfrm rot="10800000" flipV="1">
-            <a:off x="4038600" y="3733800"/>
-            <a:ext cx="3352800" cy="1828800"/>
-          </a:xfrm>
-          <a:prstGeom prst="bentConnector3">
-            <a:avLst>
-              <a:gd name="adj1" fmla="val 69902"/>
-            </a:avLst>
-          </a:prstGeom>
-          <a:ln>
-            <a:solidFill>
-              <a:schemeClr val="bg1">
-                <a:lumMod val="65000"/>
-              </a:schemeClr>
-            </a:solidFill>
-          </a:ln>
-        </p:spPr>
-        <p:style>
-          <a:lnRef idx="2">
-            <a:schemeClr val="accent6"/>
-          </a:lnRef>
-          <a:fillRef idx="0">
-            <a:schemeClr val="accent6"/>
-          </a:fillRef>
-          <a:effectRef idx="1">
-            <a:schemeClr val="accent6"/>
-          </a:effectRef>
-          <a:fontRef idx="minor">
-            <a:schemeClr val="tx1"/>
-          </a:fontRef>
-        </p:style>
-      </p:cxnSp>
-      <p:cxnSp>
-        <p:nvCxnSpPr>
-          <p:cNvPr id="139" name="Elbow Connector 138"/>
-          <p:cNvCxnSpPr/>
-          <p:nvPr/>
-        </p:nvCxnSpPr>
-        <p:spPr>
-          <a:xfrm rot="10800000" flipV="1">
-            <a:off x="2133600" y="3962400"/>
-            <a:ext cx="4038600" cy="1828800"/>
-          </a:xfrm>
-          <a:prstGeom prst="bentConnector3">
-            <a:avLst>
-              <a:gd name="adj1" fmla="val 20832"/>
-            </a:avLst>
-          </a:prstGeom>
-        </p:spPr>
-        <p:style>
-          <a:lnRef idx="2">
-            <a:schemeClr val="accent6"/>
-          </a:lnRef>
-          <a:fillRef idx="0">
-            <a:schemeClr val="accent6"/>
-          </a:fillRef>
-          <a:effectRef idx="1">
-            <a:schemeClr val="accent6"/>
-          </a:effectRef>
-          <a:fontRef idx="minor">
-            <a:schemeClr val="tx1"/>
-          </a:fontRef>
-        </p:style>
-      </p:cxnSp>
-      <p:sp>
-        <p:nvSpPr>
-          <p:cNvPr id="140" name="Rectangle 139"/>
-          <p:cNvSpPr/>
-          <p:nvPr/>
-        </p:nvSpPr>
-        <p:spPr>
-          <a:xfrm>
-            <a:off x="7848600" y="5410200"/>
-            <a:ext cx="990600" cy="457200"/>
-          </a:xfrm>
-          <a:prstGeom prst="rect">
-            <a:avLst/>
-          </a:prstGeom>
-        </p:spPr>
-        <p:style>
-          <a:lnRef idx="2">
-            <a:schemeClr val="accent6">
-              <a:shade val="50000"/>
-            </a:schemeClr>
-          </a:lnRef>
-          <a:fillRef idx="1">
-            <a:schemeClr val="accent6"/>
-          </a:fillRef>
-          <a:effectRef idx="0">
-            <a:schemeClr val="accent6"/>
-          </a:effectRef>
-          <a:fontRef idx="minor">
-            <a:schemeClr val="lt1"/>
+          </a:ln>
+        </p:spPr>
+        <p:style>
+          <a:lnRef idx="1">
+            <a:schemeClr val="dk1"/>
+          </a:lnRef>
+          <a:fillRef idx="2">
+            <a:schemeClr val="dk1"/>
+          </a:fillRef>
+          <a:effectRef idx="1">
+            <a:schemeClr val="dk1"/>
+          </a:effectRef>
+          <a:fontRef idx="minor">
+            <a:schemeClr val="dk1"/>
           </a:fontRef>
         </p:style>
         <p:txBody>
@@ -9762,431 +10117,16 @@
             <a:pPr algn="ctr"/>
             <a:r>
               <a:rPr kumimoji="1" lang="en-US" altLang="ja-JP" sz="1200" dirty="0" smtClean="0"/>
-              <a:t>Kinect Studio</a:t>
+              <a:t>Skeleton </a:t>
+            </a:r>
+            <a:r>
+              <a:rPr kumimoji="1" lang="en-US" altLang="ja-JP" sz="1200" dirty="0" smtClean="0"/>
+              <a:t>Tracker</a:t>
             </a:r>
             <a:endParaRPr kumimoji="1" lang="ja-JP" altLang="en-US" sz="1200"/>
           </a:p>
         </p:txBody>
       </p:sp>
-      <p:sp>
-        <p:nvSpPr>
-          <p:cNvPr id="141" name="Folded Corner 140"/>
-          <p:cNvSpPr/>
-          <p:nvPr/>
-        </p:nvSpPr>
-        <p:spPr>
-          <a:xfrm>
-            <a:off x="8229600" y="6172200"/>
-            <a:ext cx="609600" cy="381000"/>
-          </a:xfrm>
-          <a:prstGeom prst="foldedCorner">
-            <a:avLst/>
-          </a:prstGeom>
-          <a:ln>
-            <a:headEnd type="arrow" w="med" len="med"/>
-            <a:tailEnd type="none" w="med" len="med"/>
-          </a:ln>
-        </p:spPr>
-        <p:style>
-          <a:lnRef idx="1">
-            <a:schemeClr val="accent6"/>
-          </a:lnRef>
-          <a:fillRef idx="2">
-            <a:schemeClr val="accent6"/>
-          </a:fillRef>
-          <a:effectRef idx="1">
-            <a:schemeClr val="accent6"/>
-          </a:effectRef>
-          <a:fontRef idx="minor">
-            <a:schemeClr val="dk1"/>
-          </a:fontRef>
-        </p:style>
-        <p:txBody>
-          <a:bodyPr rtlCol="0" anchor="ctr"/>
-          <a:lstStyle/>
-          <a:p>
-            <a:pPr algn="ctr"/>
-            <a:r>
-              <a:rPr kumimoji="1" lang="en-US" altLang="ja-JP" sz="1200" dirty="0" smtClean="0"/>
-              <a:t>.</a:t>
-            </a:r>
-            <a:r>
-              <a:rPr kumimoji="1" lang="en-US" altLang="ja-JP" sz="1200" dirty="0" err="1" smtClean="0"/>
-              <a:t>xed</a:t>
-            </a:r>
-            <a:endParaRPr kumimoji="1" lang="ja-JP" altLang="en-US" sz="1200"/>
-          </a:p>
-        </p:txBody>
-      </p:sp>
-      <p:cxnSp>
-        <p:nvCxnSpPr>
-          <p:cNvPr id="142" name="Straight Arrow Connector 141"/>
-          <p:cNvCxnSpPr>
-            <a:stCxn id="141" idx="0"/>
-          </p:cNvCxnSpPr>
-          <p:nvPr/>
-        </p:nvCxnSpPr>
-        <p:spPr>
-          <a:xfrm flipV="1">
-            <a:off x="8534400" y="5867400"/>
-            <a:ext cx="0" cy="304800"/>
-          </a:xfrm>
-          <a:prstGeom prst="straightConnector1">
-            <a:avLst/>
-          </a:prstGeom>
-          <a:ln>
-            <a:headEnd type="arrow" w="med" len="med"/>
-            <a:tailEnd type="arrow" w="med" len="med"/>
-          </a:ln>
-        </p:spPr>
-        <p:style>
-          <a:lnRef idx="2">
-            <a:schemeClr val="accent6"/>
-          </a:lnRef>
-          <a:fillRef idx="0">
-            <a:schemeClr val="accent6"/>
-          </a:fillRef>
-          <a:effectRef idx="1">
-            <a:schemeClr val="accent6"/>
-          </a:effectRef>
-          <a:fontRef idx="minor">
-            <a:schemeClr val="tx1"/>
-          </a:fontRef>
-        </p:style>
-      </p:cxnSp>
-      <p:sp>
-        <p:nvSpPr>
-          <p:cNvPr id="144" name="Rectangle 143"/>
-          <p:cNvSpPr/>
-          <p:nvPr/>
-        </p:nvSpPr>
-        <p:spPr>
-          <a:xfrm>
-            <a:off x="2209800" y="3581400"/>
-            <a:ext cx="762000" cy="457200"/>
-          </a:xfrm>
-          <a:prstGeom prst="rect">
-            <a:avLst/>
-          </a:prstGeom>
-        </p:spPr>
-        <p:style>
-          <a:lnRef idx="2">
-            <a:schemeClr val="accent4">
-              <a:shade val="50000"/>
-            </a:schemeClr>
-          </a:lnRef>
-          <a:fillRef idx="1">
-            <a:schemeClr val="accent4"/>
-          </a:fillRef>
-          <a:effectRef idx="0">
-            <a:schemeClr val="accent4"/>
-          </a:effectRef>
-          <a:fontRef idx="minor">
-            <a:schemeClr val="lt1"/>
-          </a:fontRef>
-        </p:style>
-        <p:txBody>
-          <a:bodyPr lIns="0" rIns="0" rtlCol="0" anchor="ctr" anchorCtr="0"/>
-          <a:lstStyle/>
-          <a:p>
-            <a:pPr algn="ctr"/>
-            <a:r>
-              <a:rPr kumimoji="1" lang="en-US" altLang="ja-JP" sz="1200" dirty="0" smtClean="0"/>
-              <a:t>Recorder Node</a:t>
-            </a:r>
-            <a:endParaRPr kumimoji="1" lang="ja-JP" altLang="en-US" sz="1200"/>
-          </a:p>
-        </p:txBody>
-      </p:sp>
-      <p:cxnSp>
-        <p:nvCxnSpPr>
-          <p:cNvPr id="133" name="Straight Arrow Connector 132"/>
-          <p:cNvCxnSpPr/>
-          <p:nvPr/>
-        </p:nvCxnSpPr>
-        <p:spPr>
-          <a:xfrm flipV="1">
-            <a:off x="3048000" y="5334000"/>
-            <a:ext cx="0" cy="381000"/>
-          </a:xfrm>
-          <a:prstGeom prst="straightConnector1">
-            <a:avLst/>
-          </a:prstGeom>
-          <a:ln>
-            <a:tailEnd type="arrow"/>
-          </a:ln>
-        </p:spPr>
-        <p:style>
-          <a:lnRef idx="2">
-            <a:schemeClr val="accent6"/>
-          </a:lnRef>
-          <a:fillRef idx="0">
-            <a:schemeClr val="accent6"/>
-          </a:fillRef>
-          <a:effectRef idx="1">
-            <a:schemeClr val="accent6"/>
-          </a:effectRef>
-          <a:fontRef idx="minor">
-            <a:schemeClr val="tx1"/>
-          </a:fontRef>
-        </p:style>
-      </p:cxnSp>
-      <p:cxnSp>
-        <p:nvCxnSpPr>
-          <p:cNvPr id="138" name="Elbow Connector 137"/>
-          <p:cNvCxnSpPr/>
-          <p:nvPr/>
-        </p:nvCxnSpPr>
-        <p:spPr>
-          <a:xfrm rot="10800000" flipV="1">
-            <a:off x="3048000" y="3886200"/>
-            <a:ext cx="3962400" cy="1828800"/>
-          </a:xfrm>
-          <a:prstGeom prst="bentConnector3">
-            <a:avLst>
-              <a:gd name="adj1" fmla="val 45010"/>
-            </a:avLst>
-          </a:prstGeom>
-          <a:ln/>
-        </p:spPr>
-        <p:style>
-          <a:lnRef idx="2">
-            <a:schemeClr val="accent6"/>
-          </a:lnRef>
-          <a:fillRef idx="0">
-            <a:schemeClr val="accent6"/>
-          </a:fillRef>
-          <a:effectRef idx="1">
-            <a:schemeClr val="accent6"/>
-          </a:effectRef>
-          <a:fontRef idx="minor">
-            <a:schemeClr val="tx1"/>
-          </a:fontRef>
-        </p:style>
-      </p:cxnSp>
-      <p:sp>
-        <p:nvSpPr>
-          <p:cNvPr id="116" name="Rectangle 115"/>
-          <p:cNvSpPr/>
-          <p:nvPr/>
-        </p:nvSpPr>
-        <p:spPr>
-          <a:xfrm>
-            <a:off x="5715000" y="4648200"/>
-            <a:ext cx="914400" cy="457200"/>
-          </a:xfrm>
-          <a:prstGeom prst="rect">
-            <a:avLst/>
-          </a:prstGeom>
-        </p:spPr>
-        <p:style>
-          <a:lnRef idx="2">
-            <a:schemeClr val="accent6">
-              <a:shade val="50000"/>
-            </a:schemeClr>
-          </a:lnRef>
-          <a:fillRef idx="1">
-            <a:schemeClr val="accent6"/>
-          </a:fillRef>
-          <a:effectRef idx="0">
-            <a:schemeClr val="accent6"/>
-          </a:effectRef>
-          <a:fontRef idx="minor">
-            <a:schemeClr val="lt1"/>
-          </a:fontRef>
-        </p:style>
-        <p:txBody>
-          <a:bodyPr rtlCol="0" anchor="ctr" anchorCtr="0"/>
-          <a:lstStyle/>
-          <a:p>
-            <a:pPr algn="ctr"/>
-            <a:r>
-              <a:rPr kumimoji="1" lang="en-US" altLang="ja-JP" sz="1200" dirty="0" smtClean="0"/>
-              <a:t>Image Stream</a:t>
-            </a:r>
-            <a:endParaRPr kumimoji="1" lang="ja-JP" altLang="en-US" sz="1200"/>
-          </a:p>
-        </p:txBody>
-      </p:sp>
-      <p:sp>
-        <p:nvSpPr>
-          <p:cNvPr id="117" name="Rectangle 116"/>
-          <p:cNvSpPr/>
-          <p:nvPr/>
-        </p:nvSpPr>
-        <p:spPr>
-          <a:xfrm>
-            <a:off x="6781800" y="4648200"/>
-            <a:ext cx="914400" cy="457200"/>
-          </a:xfrm>
-          <a:prstGeom prst="rect">
-            <a:avLst/>
-          </a:prstGeom>
-        </p:spPr>
-        <p:style>
-          <a:lnRef idx="2">
-            <a:schemeClr val="accent6">
-              <a:shade val="50000"/>
-            </a:schemeClr>
-          </a:lnRef>
-          <a:fillRef idx="1">
-            <a:schemeClr val="accent6"/>
-          </a:fillRef>
-          <a:effectRef idx="0">
-            <a:schemeClr val="accent6"/>
-          </a:effectRef>
-          <a:fontRef idx="minor">
-            <a:schemeClr val="lt1"/>
-          </a:fontRef>
-        </p:style>
-        <p:txBody>
-          <a:bodyPr rtlCol="0" anchor="ctr" anchorCtr="0"/>
-          <a:lstStyle/>
-          <a:p>
-            <a:pPr algn="ctr"/>
-            <a:r>
-              <a:rPr kumimoji="1" lang="en-US" altLang="ja-JP" sz="1200" dirty="0" smtClean="0"/>
-              <a:t>Depth Stream</a:t>
-            </a:r>
-            <a:endParaRPr kumimoji="1" lang="ja-JP" altLang="en-US" sz="1200"/>
-          </a:p>
-        </p:txBody>
-      </p:sp>
-      <p:sp>
-        <p:nvSpPr>
-          <p:cNvPr id="118" name="Rectangle 117"/>
-          <p:cNvSpPr/>
-          <p:nvPr/>
-        </p:nvSpPr>
-        <p:spPr>
-          <a:xfrm>
-            <a:off x="7848600" y="4648200"/>
-            <a:ext cx="914400" cy="457200"/>
-          </a:xfrm>
-          <a:prstGeom prst="rect">
-            <a:avLst/>
-          </a:prstGeom>
-          <a:ln>
-            <a:solidFill>
-              <a:schemeClr val="bg1">
-                <a:lumMod val="65000"/>
-              </a:schemeClr>
-            </a:solidFill>
-          </a:ln>
-        </p:spPr>
-        <p:style>
-          <a:lnRef idx="1">
-            <a:schemeClr val="dk1"/>
-          </a:lnRef>
-          <a:fillRef idx="2">
-            <a:schemeClr val="dk1"/>
-          </a:fillRef>
-          <a:effectRef idx="1">
-            <a:schemeClr val="dk1"/>
-          </a:effectRef>
-          <a:fontRef idx="minor">
-            <a:schemeClr val="dk1"/>
-          </a:fontRef>
-        </p:style>
-        <p:txBody>
-          <a:bodyPr rtlCol="0" anchor="ctr" anchorCtr="0"/>
-          <a:lstStyle/>
-          <a:p>
-            <a:pPr algn="ctr"/>
-            <a:r>
-              <a:rPr kumimoji="1" lang="en-US" altLang="ja-JP" sz="1200" dirty="0" smtClean="0"/>
-              <a:t>Skeleton Stream</a:t>
-            </a:r>
-            <a:endParaRPr kumimoji="1" lang="ja-JP" altLang="en-US" sz="1200"/>
-          </a:p>
-        </p:txBody>
-      </p:sp>
-      <p:sp>
-        <p:nvSpPr>
-          <p:cNvPr id="154" name="Folded Corner 153"/>
-          <p:cNvSpPr/>
-          <p:nvPr/>
-        </p:nvSpPr>
-        <p:spPr>
-          <a:xfrm>
-            <a:off x="609600" y="3505200"/>
-            <a:ext cx="609600" cy="609600"/>
-          </a:xfrm>
-          <a:prstGeom prst="foldedCorner">
-            <a:avLst/>
-          </a:prstGeom>
-          <a:ln>
-            <a:headEnd type="arrow" w="med" len="med"/>
-            <a:tailEnd type="none" w="med" len="med"/>
-          </a:ln>
-        </p:spPr>
-        <p:style>
-          <a:lnRef idx="1">
-            <a:schemeClr val="accent4"/>
-          </a:lnRef>
-          <a:fillRef idx="2">
-            <a:schemeClr val="accent4"/>
-          </a:fillRef>
-          <a:effectRef idx="1">
-            <a:schemeClr val="accent4"/>
-          </a:effectRef>
-          <a:fontRef idx="minor">
-            <a:schemeClr val="dk1"/>
-          </a:fontRef>
-        </p:style>
-        <p:txBody>
-          <a:bodyPr rtlCol="0" anchor="ctr"/>
-          <a:lstStyle/>
-          <a:p>
-            <a:pPr algn="ctr"/>
-            <a:r>
-              <a:rPr kumimoji="1" lang="en-US" altLang="ja-JP" sz="1200" dirty="0" smtClean="0"/>
-              <a:t>.</a:t>
-            </a:r>
-            <a:r>
-              <a:rPr kumimoji="1" lang="en-US" altLang="ja-JP" sz="1200" dirty="0" err="1" smtClean="0"/>
-              <a:t>oni</a:t>
-            </a:r>
-            <a:endParaRPr kumimoji="1" lang="ja-JP" altLang="en-US" sz="1200"/>
-          </a:p>
-        </p:txBody>
-      </p:sp>
-      <p:cxnSp>
-        <p:nvCxnSpPr>
-          <p:cNvPr id="155" name="Straight Arrow Connector 154"/>
-          <p:cNvCxnSpPr>
-            <a:stCxn id="144" idx="1"/>
-            <a:endCxn id="154" idx="3"/>
-          </p:cNvCxnSpPr>
-          <p:nvPr/>
-        </p:nvCxnSpPr>
-        <p:spPr>
-          <a:xfrm flipH="1">
-            <a:off x="1219200" y="3810000"/>
-            <a:ext cx="990600" cy="0"/>
-          </a:xfrm>
-          <a:prstGeom prst="straightConnector1">
-            <a:avLst/>
-          </a:prstGeom>
-          <a:ln>
-            <a:tailEnd type="arrow"/>
-          </a:ln>
-        </p:spPr>
-        <p:style>
-          <a:lnRef idx="2">
-            <a:schemeClr val="accent4"/>
-          </a:lnRef>
-          <a:fillRef idx="0">
-            <a:schemeClr val="accent4"/>
-          </a:fillRef>
-          <a:effectRef idx="1">
-            <a:schemeClr val="accent4"/>
-          </a:effectRef>
-          <a:fontRef idx="minor">
-            <a:schemeClr val="tx1"/>
-          </a:fontRef>
-        </p:style>
-      </p:cxnSp>
       <p:cxnSp>
         <p:nvCxnSpPr>
           <p:cNvPr id="159" name="Straight Arrow Connector 158"/>
@@ -10341,6 +10281,121 @@
           </a:p>
         </p:txBody>
       </p:sp>
+      <p:cxnSp>
+        <p:nvCxnSpPr>
+          <p:cNvPr id="59" name="Elbow Connector 58"/>
+          <p:cNvCxnSpPr>
+            <a:stCxn id="81" idx="0"/>
+          </p:cNvCxnSpPr>
+          <p:nvPr/>
+        </p:nvCxnSpPr>
+        <p:spPr>
+          <a:xfrm rot="16200000" flipV="1">
+            <a:off x="1583532" y="4326731"/>
+            <a:ext cx="800100" cy="300037"/>
+          </a:xfrm>
+          <a:prstGeom prst="bentConnector3">
+            <a:avLst>
+              <a:gd name="adj1" fmla="val 100000"/>
+            </a:avLst>
+          </a:prstGeom>
+          <a:ln>
+            <a:tailEnd type="arrow"/>
+          </a:ln>
+        </p:spPr>
+        <p:style>
+          <a:lnRef idx="2">
+            <a:schemeClr val="accent4"/>
+          </a:lnRef>
+          <a:fillRef idx="0">
+            <a:schemeClr val="accent4"/>
+          </a:fillRef>
+          <a:effectRef idx="1">
+            <a:schemeClr val="accent4"/>
+          </a:effectRef>
+          <a:fontRef idx="minor">
+            <a:schemeClr val="tx1"/>
+          </a:fontRef>
+        </p:style>
+      </p:cxnSp>
+      <p:sp>
+        <p:nvSpPr>
+          <p:cNvPr id="105" name="Rounded Rectangle 104"/>
+          <p:cNvSpPr/>
+          <p:nvPr/>
+        </p:nvSpPr>
+        <p:spPr>
+          <a:xfrm>
+            <a:off x="1600200" y="4343400"/>
+            <a:ext cx="685800" cy="228600"/>
+          </a:xfrm>
+          <a:prstGeom prst="roundRect">
+            <a:avLst/>
+          </a:prstGeom>
+          <a:ln/>
+        </p:spPr>
+        <p:style>
+          <a:lnRef idx="1">
+            <a:schemeClr val="accent4"/>
+          </a:lnRef>
+          <a:fillRef idx="2">
+            <a:schemeClr val="accent4"/>
+          </a:fillRef>
+          <a:effectRef idx="1">
+            <a:schemeClr val="accent4"/>
+          </a:effectRef>
+          <a:fontRef idx="minor">
+            <a:schemeClr val="dk1"/>
+          </a:fontRef>
+        </p:style>
+        <p:txBody>
+          <a:bodyPr rtlCol="0" anchor="ctr"/>
+          <a:lstStyle/>
+          <a:p>
+            <a:pPr algn="ctr"/>
+            <a:r>
+              <a:rPr kumimoji="1" lang="en-US" altLang="ja-JP" sz="1100" dirty="0" smtClean="0"/>
+              <a:t>Image</a:t>
+            </a:r>
+            <a:endParaRPr kumimoji="1" lang="ja-JP" altLang="en-US" sz="1100"/>
+          </a:p>
+        </p:txBody>
+      </p:sp>
+      <p:cxnSp>
+        <p:nvCxnSpPr>
+          <p:cNvPr id="62" name="Elbow Connector 61"/>
+          <p:cNvCxnSpPr>
+            <a:stCxn id="99" idx="0"/>
+          </p:cNvCxnSpPr>
+          <p:nvPr/>
+        </p:nvCxnSpPr>
+        <p:spPr>
+          <a:xfrm rot="16200000" flipV="1">
+            <a:off x="1930400" y="3759200"/>
+            <a:ext cx="1016000" cy="1219200"/>
+          </a:xfrm>
+          <a:prstGeom prst="bentConnector2">
+            <a:avLst/>
+          </a:prstGeom>
+          <a:ln>
+            <a:tailEnd type="arrow"/>
+          </a:ln>
+        </p:spPr>
+        <p:style>
+          <a:lnRef idx="2">
+            <a:schemeClr val="accent4"/>
+          </a:lnRef>
+          <a:fillRef idx="0">
+            <a:schemeClr val="accent4"/>
+          </a:fillRef>
+          <a:effectRef idx="1">
+            <a:schemeClr val="accent4"/>
+          </a:effectRef>
+          <a:fontRef idx="minor">
+            <a:schemeClr val="tx1"/>
+          </a:fontRef>
+        </p:style>
+      </p:cxnSp>
       <p:sp>
         <p:nvSpPr>
           <p:cNvPr id="108" name="Rounded Rectangle 107"/>
@@ -10349,7 +10404,7 @@
         </p:nvSpPr>
         <p:spPr>
           <a:xfrm>
-            <a:off x="2590800" y="2971800"/>
+            <a:off x="2438400" y="4038600"/>
             <a:ext cx="685800" cy="228600"/>
           </a:xfrm>
           <a:prstGeom prst="roundRect">
@@ -10386,19 +10441,22 @@
       </p:sp>
       <p:sp>
         <p:nvSpPr>
-          <p:cNvPr id="105" name="Rounded Rectangle 104"/>
+          <p:cNvPr id="154" name="Folded Corner 153"/>
           <p:cNvSpPr/>
           <p:nvPr/>
         </p:nvSpPr>
         <p:spPr>
           <a:xfrm>
-            <a:off x="1828800" y="2971800"/>
-            <a:ext cx="685800" cy="228600"/>
-          </a:xfrm>
-          <a:prstGeom prst="roundRect">
-            <a:avLst/>
-          </a:prstGeom>
-          <a:ln/>
+            <a:off x="838200" y="1905000"/>
+            <a:ext cx="609600" cy="609600"/>
+          </a:xfrm>
+          <a:prstGeom prst="foldedCorner">
+            <a:avLst/>
+          </a:prstGeom>
+          <a:ln>
+            <a:headEnd type="arrow" w="med" len="med"/>
+            <a:tailEnd type="none" w="med" len="med"/>
+          </a:ln>
         </p:spPr>
         <p:style>
           <a:lnRef idx="1">
@@ -10420,59 +10478,35 @@
           <a:p>
             <a:pPr algn="ctr"/>
             <a:r>
-              <a:rPr kumimoji="1" lang="en-US" altLang="ja-JP" sz="1100" dirty="0" smtClean="0"/>
-              <a:t>Image</a:t>
-            </a:r>
-            <a:endParaRPr kumimoji="1" lang="ja-JP" altLang="en-US" sz="1100"/>
+              <a:rPr kumimoji="1" lang="en-US" altLang="ja-JP" sz="1200" dirty="0" smtClean="0"/>
+              <a:t>.</a:t>
+            </a:r>
+            <a:r>
+              <a:rPr kumimoji="1" lang="en-US" altLang="ja-JP" sz="1200" dirty="0" err="1" smtClean="0"/>
+              <a:t>oni</a:t>
+            </a:r>
+            <a:endParaRPr kumimoji="1" lang="ja-JP" altLang="en-US" sz="1200"/>
           </a:p>
         </p:txBody>
       </p:sp>
       <p:cxnSp>
         <p:nvCxnSpPr>
-          <p:cNvPr id="58" name="Straight Arrow Connector 57"/>
-          <p:cNvCxnSpPr/>
+          <p:cNvPr id="86" name="Shape 85"/>
+          <p:cNvCxnSpPr>
+            <a:stCxn id="144" idx="0"/>
+            <a:endCxn id="154" idx="2"/>
+          </p:cNvCxnSpPr>
           <p:nvPr/>
         </p:nvCxnSpPr>
         <p:spPr>
-          <a:xfrm flipV="1">
-            <a:off x="2362200" y="4038600"/>
-            <a:ext cx="0" cy="838200"/>
-          </a:xfrm>
-          <a:prstGeom prst="straightConnector1">
-            <a:avLst/>
-          </a:prstGeom>
-          <a:ln>
-            <a:tailEnd type="arrow"/>
-          </a:ln>
-        </p:spPr>
-        <p:style>
-          <a:lnRef idx="2">
-            <a:schemeClr val="accent4"/>
-          </a:lnRef>
-          <a:fillRef idx="0">
-            <a:schemeClr val="accent4"/>
-          </a:fillRef>
-          <a:effectRef idx="1">
-            <a:schemeClr val="accent4"/>
-          </a:effectRef>
-          <a:fontRef idx="minor">
-            <a:schemeClr val="tx1"/>
-          </a:fontRef>
-        </p:style>
-      </p:cxnSp>
-      <p:cxnSp>
-        <p:nvCxnSpPr>
-          <p:cNvPr id="60" name="Straight Arrow Connector 59"/>
-          <p:cNvCxnSpPr/>
-          <p:nvPr/>
-        </p:nvCxnSpPr>
-        <p:spPr>
-          <a:xfrm flipV="1">
-            <a:off x="2819400" y="4038600"/>
-            <a:ext cx="0" cy="838200"/>
-          </a:xfrm>
-          <a:prstGeom prst="straightConnector1">
-            <a:avLst/>
+          <a:xfrm rot="16200000" flipV="1">
+            <a:off x="685800" y="2971800"/>
+            <a:ext cx="1219200" cy="304800"/>
+          </a:xfrm>
+          <a:prstGeom prst="bentConnector3">
+            <a:avLst>
+              <a:gd name="adj1" fmla="val 50000"/>
+            </a:avLst>
           </a:prstGeom>
           <a:ln>
             <a:tailEnd type="arrow"/>
@@ -10520,6 +10554,150 @@
       </p:grpSpPr>
       <p:sp>
         <p:nvSpPr>
+          <p:cNvPr id="172" name="Rectangle 171"/>
+          <p:cNvSpPr/>
+          <p:nvPr/>
+        </p:nvSpPr>
+        <p:spPr>
+          <a:xfrm>
+            <a:off x="7162800" y="4343400"/>
+            <a:ext cx="1752600" cy="1600200"/>
+          </a:xfrm>
+          <a:prstGeom prst="rect">
+            <a:avLst/>
+          </a:prstGeom>
+          <a:ln w="28575">
+            <a:prstDash val="sysDash"/>
+          </a:ln>
+        </p:spPr>
+        <p:style>
+          <a:lnRef idx="1">
+            <a:schemeClr val="accent6"/>
+          </a:lnRef>
+          <a:fillRef idx="2">
+            <a:schemeClr val="accent6"/>
+          </a:fillRef>
+          <a:effectRef idx="1">
+            <a:schemeClr val="accent6"/>
+          </a:effectRef>
+          <a:fontRef idx="minor">
+            <a:schemeClr val="dk1"/>
+          </a:fontRef>
+        </p:style>
+        <p:txBody>
+          <a:bodyPr rtlCol="0" anchor="t" anchorCtr="0"/>
+          <a:lstStyle/>
+          <a:p>
+            <a:pPr algn="ctr"/>
+            <a:r>
+              <a:rPr kumimoji="1" lang="en-US" altLang="ja-JP" sz="1200" dirty="0" smtClean="0"/>
+              <a:t>Kinect SDK</a:t>
+            </a:r>
+            <a:endParaRPr kumimoji="1" lang="ja-JP" altLang="en-US" sz="1200"/>
+          </a:p>
+        </p:txBody>
+      </p:sp>
+      <p:sp>
+        <p:nvSpPr>
+          <p:cNvPr id="166" name="Rectangle 165"/>
+          <p:cNvSpPr/>
+          <p:nvPr/>
+        </p:nvSpPr>
+        <p:spPr>
+          <a:xfrm>
+            <a:off x="1524000" y="3276600"/>
+            <a:ext cx="4724400" cy="2971800"/>
+          </a:xfrm>
+          <a:prstGeom prst="rect">
+            <a:avLst/>
+          </a:prstGeom>
+          <a:solidFill>
+            <a:schemeClr val="accent4">
+              <a:lumMod val="20000"/>
+              <a:lumOff val="80000"/>
+            </a:schemeClr>
+          </a:solidFill>
+          <a:ln>
+            <a:prstDash val="sysDash"/>
+          </a:ln>
+        </p:spPr>
+        <p:style>
+          <a:lnRef idx="2">
+            <a:schemeClr val="accent4"/>
+          </a:lnRef>
+          <a:fillRef idx="1">
+            <a:schemeClr val="lt1"/>
+          </a:fillRef>
+          <a:effectRef idx="0">
+            <a:schemeClr val="accent4"/>
+          </a:effectRef>
+          <a:fontRef idx="minor">
+            <a:schemeClr val="dk1"/>
+          </a:fontRef>
+        </p:style>
+        <p:txBody>
+          <a:bodyPr rtlCol="0" anchor="t" anchorCtr="0"/>
+          <a:lstStyle/>
+          <a:p>
+            <a:r>
+              <a:rPr kumimoji="1" lang="en-US" altLang="ja-JP" sz="1200" dirty="0" err="1" smtClean="0"/>
+              <a:t>OpenNI</a:t>
+            </a:r>
+            <a:r>
+              <a:rPr kumimoji="1" lang="en-US" altLang="ja-JP" sz="1200" dirty="0" smtClean="0"/>
+              <a:t> FW</a:t>
+            </a:r>
+            <a:endParaRPr kumimoji="1" lang="ja-JP" altLang="en-US" sz="1200"/>
+          </a:p>
+        </p:txBody>
+      </p:sp>
+      <p:sp>
+        <p:nvSpPr>
+          <p:cNvPr id="165" name="Rectangle 164"/>
+          <p:cNvSpPr/>
+          <p:nvPr/>
+        </p:nvSpPr>
+        <p:spPr>
+          <a:xfrm>
+            <a:off x="3352800" y="3429000"/>
+            <a:ext cx="914400" cy="838200"/>
+          </a:xfrm>
+          <a:prstGeom prst="rect">
+            <a:avLst/>
+          </a:prstGeom>
+          <a:ln w="28575">
+            <a:prstDash val="sysDash"/>
+          </a:ln>
+        </p:spPr>
+        <p:style>
+          <a:lnRef idx="1">
+            <a:schemeClr val="accent4"/>
+          </a:lnRef>
+          <a:fillRef idx="2">
+            <a:schemeClr val="accent4"/>
+          </a:fillRef>
+          <a:effectRef idx="1">
+            <a:schemeClr val="accent4"/>
+          </a:effectRef>
+          <a:fontRef idx="minor">
+            <a:schemeClr val="dk1"/>
+          </a:fontRef>
+        </p:style>
+        <p:txBody>
+          <a:bodyPr rtlCol="0" anchor="t" anchorCtr="0"/>
+          <a:lstStyle/>
+          <a:p>
+            <a:pPr algn="ctr"/>
+            <a:r>
+              <a:rPr kumimoji="1" lang="en-US" altLang="ja-JP" sz="1200" dirty="0" smtClean="0"/>
+              <a:t>NITE</a:t>
+            </a:r>
+            <a:endParaRPr kumimoji="1" lang="ja-JP" altLang="en-US" sz="1200"/>
+          </a:p>
+        </p:txBody>
+      </p:sp>
+      <p:sp>
+        <p:nvSpPr>
           <p:cNvPr id="3" name="Content Placeholder 2"/>
           <p:cNvSpPr>
             <a:spLocks noGrp="1"/>
@@ -10591,7 +10769,7 @@
         </p:nvSpPr>
         <p:spPr>
           <a:xfrm>
-            <a:off x="3048000" y="3733800"/>
+            <a:off x="3429000" y="3733800"/>
             <a:ext cx="762000" cy="457200"/>
           </a:xfrm>
           <a:prstGeom prst="rect">
@@ -10636,7 +10814,7 @@
         </p:nvSpPr>
         <p:spPr>
           <a:xfrm>
-            <a:off x="1143000" y="1905000"/>
+            <a:off x="1676400" y="1905000"/>
             <a:ext cx="2895600" cy="457200"/>
           </a:xfrm>
           <a:prstGeom prst="rect">
@@ -10684,29 +10862,25 @@
         </p:nvSpPr>
         <p:spPr>
           <a:xfrm>
-            <a:off x="3276600" y="4495800"/>
-            <a:ext cx="2819400" cy="1447800"/>
+            <a:off x="3962400" y="4495800"/>
+            <a:ext cx="2133600" cy="1447800"/>
           </a:xfrm>
           <a:prstGeom prst="rect">
             <a:avLst/>
           </a:prstGeom>
-          <a:noFill/>
-          <a:ln>
-            <a:solidFill>
-              <a:schemeClr val="accent1"/>
-            </a:solidFill>
+          <a:ln w="28575">
             <a:prstDash val="sysDash"/>
           </a:ln>
         </p:spPr>
         <p:style>
-          <a:lnRef idx="2">
-            <a:schemeClr val="accent4"/>
-          </a:lnRef>
-          <a:fillRef idx="1">
-            <a:schemeClr val="lt1"/>
-          </a:fillRef>
-          <a:effectRef idx="0">
-            <a:schemeClr val="accent4"/>
+          <a:lnRef idx="1">
+            <a:schemeClr val="accent1"/>
+          </a:lnRef>
+          <a:fillRef idx="2">
+            <a:schemeClr val="accent1"/>
+          </a:fillRef>
+          <a:effectRef idx="1">
+            <a:schemeClr val="accent1"/>
           </a:effectRef>
           <a:fontRef idx="minor">
             <a:schemeClr val="dk1"/>
@@ -10727,109 +10901,14 @@
       </p:sp>
       <p:sp>
         <p:nvSpPr>
-          <p:cNvPr id="165" name="Rectangle 164"/>
-          <p:cNvSpPr/>
-          <p:nvPr/>
-        </p:nvSpPr>
-        <p:spPr>
-          <a:xfrm>
-            <a:off x="2971800" y="3429000"/>
-            <a:ext cx="914400" cy="838200"/>
-          </a:xfrm>
-          <a:prstGeom prst="rect">
-            <a:avLst/>
-          </a:prstGeom>
-          <a:noFill/>
-          <a:ln>
-            <a:prstDash val="sysDash"/>
-          </a:ln>
-        </p:spPr>
-        <p:style>
-          <a:lnRef idx="2">
-            <a:schemeClr val="accent4"/>
-          </a:lnRef>
-          <a:fillRef idx="1">
-            <a:schemeClr val="lt1"/>
-          </a:fillRef>
-          <a:effectRef idx="0">
-            <a:schemeClr val="accent4"/>
-          </a:effectRef>
-          <a:fontRef idx="minor">
-            <a:schemeClr val="dk1"/>
-          </a:fontRef>
-        </p:style>
-        <p:txBody>
-          <a:bodyPr rtlCol="0" anchor="t" anchorCtr="0"/>
-          <a:lstStyle/>
-          <a:p>
-            <a:pPr algn="ctr"/>
-            <a:r>
-              <a:rPr kumimoji="1" lang="en-US" altLang="ja-JP" sz="1200" dirty="0" smtClean="0"/>
-              <a:t>NITE</a:t>
-            </a:r>
-            <a:endParaRPr kumimoji="1" lang="ja-JP" altLang="en-US" sz="1200"/>
-          </a:p>
-        </p:txBody>
-      </p:sp>
-      <p:sp>
-        <p:nvSpPr>
-          <p:cNvPr id="166" name="Rectangle 165"/>
-          <p:cNvSpPr/>
-          <p:nvPr/>
-        </p:nvSpPr>
-        <p:spPr>
-          <a:xfrm>
-            <a:off x="1143000" y="3276600"/>
-            <a:ext cx="5105400" cy="2819400"/>
-          </a:xfrm>
-          <a:prstGeom prst="rect">
-            <a:avLst/>
-          </a:prstGeom>
-          <a:noFill/>
-          <a:ln>
-            <a:prstDash val="sysDash"/>
-          </a:ln>
-        </p:spPr>
-        <p:style>
-          <a:lnRef idx="2">
-            <a:schemeClr val="accent4"/>
-          </a:lnRef>
-          <a:fillRef idx="1">
-            <a:schemeClr val="lt1"/>
-          </a:fillRef>
-          <a:effectRef idx="0">
-            <a:schemeClr val="accent4"/>
-          </a:effectRef>
-          <a:fontRef idx="minor">
-            <a:schemeClr val="dk1"/>
-          </a:fontRef>
-        </p:style>
-        <p:txBody>
-          <a:bodyPr rtlCol="0" anchor="t" anchorCtr="0"/>
-          <a:lstStyle/>
-          <a:p>
-            <a:r>
-              <a:rPr kumimoji="1" lang="en-US" altLang="ja-JP" sz="1200" dirty="0" err="1" smtClean="0"/>
-              <a:t>OpenNI</a:t>
-            </a:r>
-            <a:r>
-              <a:rPr kumimoji="1" lang="en-US" altLang="ja-JP" sz="1200" dirty="0" smtClean="0"/>
-              <a:t> FW</a:t>
-            </a:r>
-            <a:endParaRPr kumimoji="1" lang="ja-JP" altLang="en-US" sz="1200"/>
-          </a:p>
-        </p:txBody>
-      </p:sp>
-      <p:sp>
-        <p:nvSpPr>
           <p:cNvPr id="173" name="Rectangle 172"/>
           <p:cNvSpPr/>
           <p:nvPr/>
         </p:nvSpPr>
         <p:spPr>
           <a:xfrm>
-            <a:off x="5257800" y="4876800"/>
-            <a:ext cx="762000" cy="457200"/>
+            <a:off x="5410200" y="4876800"/>
+            <a:ext cx="609600" cy="457200"/>
           </a:xfrm>
           <a:prstGeom prst="rect">
             <a:avLst/>
@@ -10857,7 +10936,7 @@
           </a:fontRef>
         </p:style>
         <p:txBody>
-          <a:bodyPr rtlCol="0" anchor="ctr" anchorCtr="0"/>
+          <a:bodyPr lIns="0" rIns="0" rtlCol="0" anchor="ctr" anchorCtr="0"/>
           <a:lstStyle/>
           <a:p>
             <a:pPr algn="ctr"/>
@@ -10877,10 +10956,318 @@
         </p:nvCxnSpPr>
         <p:spPr>
           <a:xfrm flipV="1">
-            <a:off x="3810000" y="5334000"/>
+            <a:off x="4343400" y="5334000"/>
             <a:ext cx="0" cy="457200"/>
           </a:xfrm>
           <a:prstGeom prst="straightConnector1">
+            <a:avLst/>
+          </a:prstGeom>
+          <a:ln w="12700">
+            <a:solidFill>
+              <a:schemeClr val="bg1">
+                <a:lumMod val="65000"/>
+              </a:schemeClr>
+            </a:solidFill>
+            <a:tailEnd type="arrow"/>
+          </a:ln>
+        </p:spPr>
+        <p:style>
+          <a:lnRef idx="2">
+            <a:schemeClr val="accent6"/>
+          </a:lnRef>
+          <a:fillRef idx="0">
+            <a:schemeClr val="accent6"/>
+          </a:fillRef>
+          <a:effectRef idx="1">
+            <a:schemeClr val="accent6"/>
+          </a:effectRef>
+          <a:fontRef idx="minor">
+            <a:schemeClr val="tx1"/>
+          </a:fontRef>
+        </p:style>
+      </p:cxnSp>
+      <p:cxnSp>
+        <p:nvCxnSpPr>
+          <p:cNvPr id="177" name="Straight Arrow Connector 176"/>
+          <p:cNvCxnSpPr/>
+          <p:nvPr/>
+        </p:nvCxnSpPr>
+        <p:spPr>
+          <a:xfrm flipV="1">
+            <a:off x="5867400" y="5334000"/>
+            <a:ext cx="0" cy="152400"/>
+          </a:xfrm>
+          <a:prstGeom prst="straightConnector1">
+            <a:avLst/>
+          </a:prstGeom>
+          <a:ln w="12700">
+            <a:solidFill>
+              <a:schemeClr val="bg1">
+                <a:lumMod val="65000"/>
+              </a:schemeClr>
+            </a:solidFill>
+            <a:tailEnd type="arrow"/>
+          </a:ln>
+        </p:spPr>
+        <p:style>
+          <a:lnRef idx="2">
+            <a:schemeClr val="accent6"/>
+          </a:lnRef>
+          <a:fillRef idx="0">
+            <a:schemeClr val="accent6"/>
+          </a:fillRef>
+          <a:effectRef idx="1">
+            <a:schemeClr val="accent6"/>
+          </a:effectRef>
+          <a:fontRef idx="minor">
+            <a:schemeClr val="tx1"/>
+          </a:fontRef>
+        </p:style>
+      </p:cxnSp>
+      <p:cxnSp>
+        <p:nvCxnSpPr>
+          <p:cNvPr id="178" name="Elbow Connector 177"/>
+          <p:cNvCxnSpPr/>
+          <p:nvPr/>
+        </p:nvCxnSpPr>
+        <p:spPr>
+          <a:xfrm rot="10800000" flipV="1">
+            <a:off x="5867400" y="3200400"/>
+            <a:ext cx="2743200" cy="2286000"/>
+          </a:xfrm>
+          <a:prstGeom prst="bentConnector3">
+            <a:avLst>
+              <a:gd name="adj1" fmla="val 79730"/>
+            </a:avLst>
+          </a:prstGeom>
+          <a:ln w="12700">
+            <a:solidFill>
+              <a:schemeClr val="bg1">
+                <a:lumMod val="65000"/>
+              </a:schemeClr>
+            </a:solidFill>
+          </a:ln>
+        </p:spPr>
+        <p:style>
+          <a:lnRef idx="2">
+            <a:schemeClr val="accent6"/>
+          </a:lnRef>
+          <a:fillRef idx="0">
+            <a:schemeClr val="accent6"/>
+          </a:fillRef>
+          <a:effectRef idx="1">
+            <a:schemeClr val="accent6"/>
+          </a:effectRef>
+          <a:fontRef idx="minor">
+            <a:schemeClr val="tx1"/>
+          </a:fontRef>
+        </p:style>
+      </p:cxnSp>
+      <p:cxnSp>
+        <p:nvCxnSpPr>
+          <p:cNvPr id="180" name="Straight Arrow Connector 179"/>
+          <p:cNvCxnSpPr/>
+          <p:nvPr/>
+        </p:nvCxnSpPr>
+        <p:spPr>
+          <a:xfrm flipV="1">
+            <a:off x="5562600" y="5334000"/>
+            <a:ext cx="0" cy="228600"/>
+          </a:xfrm>
+          <a:prstGeom prst="straightConnector1">
+            <a:avLst/>
+          </a:prstGeom>
+          <a:ln w="12700">
+            <a:solidFill>
+              <a:schemeClr val="bg1">
+                <a:lumMod val="65000"/>
+              </a:schemeClr>
+            </a:solidFill>
+            <a:tailEnd type="arrow"/>
+          </a:ln>
+        </p:spPr>
+        <p:style>
+          <a:lnRef idx="2">
+            <a:schemeClr val="accent6"/>
+          </a:lnRef>
+          <a:fillRef idx="0">
+            <a:schemeClr val="accent6"/>
+          </a:fillRef>
+          <a:effectRef idx="1">
+            <a:schemeClr val="accent6"/>
+          </a:effectRef>
+          <a:fontRef idx="minor">
+            <a:schemeClr val="tx1"/>
+          </a:fontRef>
+        </p:style>
+      </p:cxnSp>
+      <p:cxnSp>
+        <p:nvCxnSpPr>
+          <p:cNvPr id="181" name="Elbow Connector 180"/>
+          <p:cNvCxnSpPr/>
+          <p:nvPr/>
+        </p:nvCxnSpPr>
+        <p:spPr>
+          <a:xfrm rot="10800000" flipV="1">
+            <a:off x="5562600" y="3429000"/>
+            <a:ext cx="2590800" cy="2133600"/>
+          </a:xfrm>
+          <a:prstGeom prst="bentConnector3">
+            <a:avLst>
+              <a:gd name="adj1" fmla="val 62401"/>
+            </a:avLst>
+          </a:prstGeom>
+          <a:ln w="12700">
+            <a:solidFill>
+              <a:schemeClr val="bg1">
+                <a:lumMod val="65000"/>
+              </a:schemeClr>
+            </a:solidFill>
+          </a:ln>
+        </p:spPr>
+        <p:style>
+          <a:lnRef idx="2">
+            <a:schemeClr val="accent6"/>
+          </a:lnRef>
+          <a:fillRef idx="0">
+            <a:schemeClr val="accent6"/>
+          </a:fillRef>
+          <a:effectRef idx="1">
+            <a:schemeClr val="accent6"/>
+          </a:effectRef>
+          <a:fontRef idx="minor">
+            <a:schemeClr val="tx1"/>
+          </a:fontRef>
+        </p:style>
+      </p:cxnSp>
+      <p:cxnSp>
+        <p:nvCxnSpPr>
+          <p:cNvPr id="182" name="Elbow Connector 181"/>
+          <p:cNvCxnSpPr/>
+          <p:nvPr/>
+        </p:nvCxnSpPr>
+        <p:spPr>
+          <a:xfrm rot="10800000" flipV="1">
+            <a:off x="4343400" y="4038600"/>
+            <a:ext cx="3200400" cy="1752600"/>
+          </a:xfrm>
+          <a:prstGeom prst="bentConnector3">
+            <a:avLst>
+              <a:gd name="adj1" fmla="val 22973"/>
+            </a:avLst>
+          </a:prstGeom>
+          <a:ln w="12700">
+            <a:solidFill>
+              <a:schemeClr val="bg1">
+                <a:lumMod val="65000"/>
+              </a:schemeClr>
+            </a:solidFill>
+          </a:ln>
+        </p:spPr>
+        <p:style>
+          <a:lnRef idx="2">
+            <a:schemeClr val="accent6"/>
+          </a:lnRef>
+          <a:fillRef idx="0">
+            <a:schemeClr val="accent6"/>
+          </a:fillRef>
+          <a:effectRef idx="1">
+            <a:schemeClr val="accent6"/>
+          </a:effectRef>
+          <a:fontRef idx="minor">
+            <a:schemeClr val="tx1"/>
+          </a:fontRef>
+        </p:style>
+      </p:cxnSp>
+      <p:cxnSp>
+        <p:nvCxnSpPr>
+          <p:cNvPr id="193" name="Straight Arrow Connector 192"/>
+          <p:cNvCxnSpPr/>
+          <p:nvPr/>
+        </p:nvCxnSpPr>
+        <p:spPr>
+          <a:xfrm flipV="1">
+            <a:off x="5029200" y="5334000"/>
+            <a:ext cx="0" cy="381000"/>
+          </a:xfrm>
+          <a:prstGeom prst="straightConnector1">
+            <a:avLst/>
+          </a:prstGeom>
+          <a:ln w="12700">
+            <a:solidFill>
+              <a:schemeClr val="bg1">
+                <a:lumMod val="65000"/>
+              </a:schemeClr>
+            </a:solidFill>
+            <a:tailEnd type="arrow"/>
+          </a:ln>
+        </p:spPr>
+        <p:style>
+          <a:lnRef idx="2">
+            <a:schemeClr val="accent6"/>
+          </a:lnRef>
+          <a:fillRef idx="0">
+            <a:schemeClr val="accent6"/>
+          </a:fillRef>
+          <a:effectRef idx="1">
+            <a:schemeClr val="accent6"/>
+          </a:effectRef>
+          <a:fontRef idx="minor">
+            <a:schemeClr val="tx1"/>
+          </a:fontRef>
+        </p:style>
+      </p:cxnSp>
+      <p:cxnSp>
+        <p:nvCxnSpPr>
+          <p:cNvPr id="194" name="Elbow Connector 193"/>
+          <p:cNvCxnSpPr/>
+          <p:nvPr/>
+        </p:nvCxnSpPr>
+        <p:spPr>
+          <a:xfrm rot="10800000" flipV="1">
+            <a:off x="5029200" y="3810000"/>
+            <a:ext cx="2895600" cy="1905000"/>
+          </a:xfrm>
+          <a:prstGeom prst="bentConnector3">
+            <a:avLst>
+              <a:gd name="adj1" fmla="val 42319"/>
+            </a:avLst>
+          </a:prstGeom>
+          <a:ln w="12700">
+            <a:solidFill>
+              <a:schemeClr val="bg1">
+                <a:lumMod val="65000"/>
+              </a:schemeClr>
+            </a:solidFill>
+          </a:ln>
+        </p:spPr>
+        <p:style>
+          <a:lnRef idx="2">
+            <a:schemeClr val="accent6"/>
+          </a:lnRef>
+          <a:fillRef idx="0">
+            <a:schemeClr val="accent6"/>
+          </a:fillRef>
+          <a:effectRef idx="1">
+            <a:schemeClr val="accent6"/>
+          </a:effectRef>
+          <a:fontRef idx="minor">
+            <a:schemeClr val="tx1"/>
+          </a:fontRef>
+        </p:style>
+      </p:cxnSp>
+      <p:sp>
+        <p:nvSpPr>
+          <p:cNvPr id="197" name="Rectangle 196"/>
+          <p:cNvSpPr/>
+          <p:nvPr/>
+        </p:nvSpPr>
+        <p:spPr>
+          <a:xfrm>
+            <a:off x="8382000" y="4648200"/>
+            <a:ext cx="381000" cy="457200"/>
+          </a:xfrm>
+          <a:prstGeom prst="rect">
             <a:avLst/>
           </a:prstGeom>
           <a:ln>
@@ -10889,36 +11276,180 @@
                 <a:lumMod val="65000"/>
               </a:schemeClr>
             </a:solidFill>
-            <a:tailEnd type="arrow"/>
-          </a:ln>
+          </a:ln>
+        </p:spPr>
+        <p:style>
+          <a:lnRef idx="1">
+            <a:schemeClr val="dk1"/>
+          </a:lnRef>
+          <a:fillRef idx="2">
+            <a:schemeClr val="dk1"/>
+          </a:fillRef>
+          <a:effectRef idx="1">
+            <a:schemeClr val="dk1"/>
+          </a:effectRef>
+          <a:fontRef idx="minor">
+            <a:schemeClr val="dk1"/>
+          </a:fontRef>
+        </p:style>
+        <p:txBody>
+          <a:bodyPr lIns="0" rIns="0" rtlCol="0" anchor="ctr" anchorCtr="0"/>
+          <a:lstStyle/>
+          <a:p>
+            <a:pPr algn="ctr"/>
+            <a:r>
+              <a:rPr kumimoji="1" lang="en-US" altLang="ja-JP" sz="1200" dirty="0" smtClean="0"/>
+              <a:t>ST</a:t>
+            </a:r>
+            <a:endParaRPr kumimoji="1" lang="ja-JP" altLang="en-US" sz="1200"/>
+          </a:p>
+        </p:txBody>
+      </p:sp>
+      <p:sp>
+        <p:nvSpPr>
+          <p:cNvPr id="203" name="Rectangle 202"/>
+          <p:cNvSpPr/>
+          <p:nvPr/>
+        </p:nvSpPr>
+        <p:spPr>
+          <a:xfrm>
+            <a:off x="1676400" y="4495800"/>
+            <a:ext cx="1828800" cy="914400"/>
+          </a:xfrm>
+          <a:prstGeom prst="rect">
+            <a:avLst/>
+          </a:prstGeom>
+          <a:ln w="28575">
+            <a:prstDash val="sysDash"/>
+          </a:ln>
+        </p:spPr>
+        <p:style>
+          <a:lnRef idx="1">
+            <a:schemeClr val="accent4"/>
+          </a:lnRef>
+          <a:fillRef idx="2">
+            <a:schemeClr val="accent4"/>
+          </a:fillRef>
+          <a:effectRef idx="1">
+            <a:schemeClr val="accent4"/>
+          </a:effectRef>
+          <a:fontRef idx="minor">
+            <a:schemeClr val="dk1"/>
+          </a:fontRef>
+        </p:style>
+        <p:txBody>
+          <a:bodyPr rtlCol="0" anchor="t" anchorCtr="0"/>
+          <a:lstStyle/>
+          <a:p>
+            <a:pPr algn="ctr"/>
+            <a:r>
+              <a:rPr kumimoji="1" lang="en-US" altLang="ja-JP" sz="1200" dirty="0" smtClean="0"/>
+              <a:t>Mocks</a:t>
+            </a:r>
+            <a:endParaRPr kumimoji="1" lang="ja-JP" altLang="en-US" sz="1200"/>
+          </a:p>
+        </p:txBody>
+      </p:sp>
+      <p:sp>
+        <p:nvSpPr>
+          <p:cNvPr id="205" name="Rectangle 204"/>
+          <p:cNvSpPr/>
+          <p:nvPr/>
+        </p:nvSpPr>
+        <p:spPr>
+          <a:xfrm>
+            <a:off x="2667000" y="4876800"/>
+            <a:ext cx="762000" cy="457200"/>
+          </a:xfrm>
+          <a:prstGeom prst="rect">
+            <a:avLst/>
+          </a:prstGeom>
         </p:spPr>
         <p:style>
           <a:lnRef idx="2">
-            <a:schemeClr val="accent6"/>
-          </a:lnRef>
-          <a:fillRef idx="0">
-            <a:schemeClr val="accent6"/>
-          </a:fillRef>
-          <a:effectRef idx="1">
-            <a:schemeClr val="accent6"/>
-          </a:effectRef>
-          <a:fontRef idx="minor">
-            <a:schemeClr val="tx1"/>
-          </a:fontRef>
-        </p:style>
-      </p:cxnSp>
-      <p:cxnSp>
-        <p:nvCxnSpPr>
-          <p:cNvPr id="177" name="Straight Arrow Connector 176"/>
-          <p:cNvCxnSpPr/>
-          <p:nvPr/>
-        </p:nvCxnSpPr>
-        <p:spPr>
-          <a:xfrm flipV="1">
-            <a:off x="5791200" y="5334000"/>
-            <a:ext cx="0" cy="152400"/>
-          </a:xfrm>
-          <a:prstGeom prst="straightConnector1">
+            <a:schemeClr val="accent4">
+              <a:shade val="50000"/>
+            </a:schemeClr>
+          </a:lnRef>
+          <a:fillRef idx="1">
+            <a:schemeClr val="accent4"/>
+          </a:fillRef>
+          <a:effectRef idx="0">
+            <a:schemeClr val="accent4"/>
+          </a:effectRef>
+          <a:fontRef idx="minor">
+            <a:schemeClr val="lt1"/>
+          </a:fontRef>
+        </p:style>
+        <p:txBody>
+          <a:bodyPr lIns="0" rIns="0" rtlCol="0" anchor="ctr" anchorCtr="0"/>
+          <a:lstStyle/>
+          <a:p>
+            <a:pPr algn="ctr"/>
+            <a:r>
+              <a:rPr kumimoji="1" lang="en-US" altLang="ja-JP" sz="1200" dirty="0" smtClean="0"/>
+              <a:t>Depth Node</a:t>
+            </a:r>
+            <a:endParaRPr kumimoji="1" lang="ja-JP" altLang="en-US" sz="1200"/>
+          </a:p>
+        </p:txBody>
+      </p:sp>
+      <p:sp>
+        <p:nvSpPr>
+          <p:cNvPr id="206" name="Rectangle 205"/>
+          <p:cNvSpPr/>
+          <p:nvPr/>
+        </p:nvSpPr>
+        <p:spPr>
+          <a:xfrm>
+            <a:off x="1752600" y="4876800"/>
+            <a:ext cx="762000" cy="457200"/>
+          </a:xfrm>
+          <a:prstGeom prst="rect">
+            <a:avLst/>
+          </a:prstGeom>
+        </p:spPr>
+        <p:style>
+          <a:lnRef idx="2">
+            <a:schemeClr val="accent4">
+              <a:shade val="50000"/>
+            </a:schemeClr>
+          </a:lnRef>
+          <a:fillRef idx="1">
+            <a:schemeClr val="accent4"/>
+          </a:fillRef>
+          <a:effectRef idx="0">
+            <a:schemeClr val="accent4"/>
+          </a:effectRef>
+          <a:fontRef idx="minor">
+            <a:schemeClr val="lt1"/>
+          </a:fontRef>
+        </p:style>
+        <p:txBody>
+          <a:bodyPr lIns="0" rIns="0" rtlCol="0" anchor="ctr" anchorCtr="0"/>
+          <a:lstStyle/>
+          <a:p>
+            <a:pPr algn="ctr"/>
+            <a:r>
+              <a:rPr kumimoji="1" lang="en-US" altLang="ja-JP" sz="1200" dirty="0" smtClean="0"/>
+              <a:t>Image Node</a:t>
+            </a:r>
+            <a:endParaRPr kumimoji="1" lang="ja-JP" altLang="en-US" sz="1200"/>
+          </a:p>
+        </p:txBody>
+      </p:sp>
+      <p:sp>
+        <p:nvSpPr>
+          <p:cNvPr id="209" name="Rectangle 208"/>
+          <p:cNvSpPr/>
+          <p:nvPr/>
+        </p:nvSpPr>
+        <p:spPr>
+          <a:xfrm>
+            <a:off x="4724400" y="4876800"/>
+            <a:ext cx="609600" cy="457200"/>
+          </a:xfrm>
+          <a:prstGeom prst="rect">
             <a:avLst/>
           </a:prstGeom>
           <a:ln>
@@ -10927,39 +11458,48 @@
                 <a:lumMod val="65000"/>
               </a:schemeClr>
             </a:solidFill>
-            <a:tailEnd type="arrow"/>
-          </a:ln>
-        </p:spPr>
-        <p:style>
-          <a:lnRef idx="2">
-            <a:schemeClr val="accent6"/>
-          </a:lnRef>
-          <a:fillRef idx="0">
-            <a:schemeClr val="accent6"/>
-          </a:fillRef>
-          <a:effectRef idx="1">
-            <a:schemeClr val="accent6"/>
-          </a:effectRef>
-          <a:fontRef idx="minor">
-            <a:schemeClr val="tx1"/>
-          </a:fontRef>
-        </p:style>
-      </p:cxnSp>
-      <p:cxnSp>
-        <p:nvCxnSpPr>
-          <p:cNvPr id="178" name="Elbow Connector 177"/>
-          <p:cNvCxnSpPr/>
-          <p:nvPr/>
-        </p:nvCxnSpPr>
-        <p:spPr>
-          <a:xfrm rot="10800000" flipV="1">
-            <a:off x="5791200" y="3200400"/>
-            <a:ext cx="2819400" cy="2286000"/>
-          </a:xfrm>
-          <a:prstGeom prst="bentConnector3">
-            <a:avLst>
-              <a:gd name="adj1" fmla="val 77758"/>
-            </a:avLst>
+          </a:ln>
+        </p:spPr>
+        <p:style>
+          <a:lnRef idx="1">
+            <a:schemeClr val="dk1"/>
+          </a:lnRef>
+          <a:fillRef idx="2">
+            <a:schemeClr val="dk1"/>
+          </a:fillRef>
+          <a:effectRef idx="1">
+            <a:schemeClr val="dk1"/>
+          </a:effectRef>
+          <a:fontRef idx="minor">
+            <a:schemeClr val="dk1"/>
+          </a:fontRef>
+        </p:style>
+        <p:txBody>
+          <a:bodyPr lIns="0" rIns="0" rtlCol="0" anchor="ctr" anchorCtr="0"/>
+          <a:lstStyle/>
+          <a:p>
+            <a:pPr algn="ctr"/>
+            <a:r>
+              <a:rPr kumimoji="1" lang="en-US" altLang="ja-JP" sz="1200" dirty="0" smtClean="0"/>
+              <a:t>Depth Node</a:t>
+            </a:r>
+            <a:endParaRPr kumimoji="1" lang="ja-JP" altLang="en-US" sz="1200"/>
+          </a:p>
+        </p:txBody>
+      </p:sp>
+      <p:sp>
+        <p:nvSpPr>
+          <p:cNvPr id="210" name="Rectangle 209"/>
+          <p:cNvSpPr/>
+          <p:nvPr/>
+        </p:nvSpPr>
+        <p:spPr>
+          <a:xfrm>
+            <a:off x="4038600" y="4876800"/>
+            <a:ext cx="609600" cy="457200"/>
+          </a:xfrm>
+          <a:prstGeom prst="rect">
+            <a:avLst/>
           </a:prstGeom>
           <a:ln>
             <a:solidFill>
@@ -10970,32 +11510,44 @@
           </a:ln>
         </p:spPr>
         <p:style>
-          <a:lnRef idx="2">
-            <a:schemeClr val="accent6"/>
-          </a:lnRef>
-          <a:fillRef idx="0">
-            <a:schemeClr val="accent6"/>
-          </a:fillRef>
-          <a:effectRef idx="1">
-            <a:schemeClr val="accent6"/>
-          </a:effectRef>
-          <a:fontRef idx="minor">
-            <a:schemeClr val="tx1"/>
-          </a:fontRef>
-        </p:style>
-      </p:cxnSp>
-      <p:cxnSp>
-        <p:nvCxnSpPr>
-          <p:cNvPr id="180" name="Straight Arrow Connector 179"/>
-          <p:cNvCxnSpPr/>
-          <p:nvPr/>
-        </p:nvCxnSpPr>
-        <p:spPr>
-          <a:xfrm flipV="1">
-            <a:off x="5486400" y="5334000"/>
-            <a:ext cx="0" cy="228600"/>
-          </a:xfrm>
-          <a:prstGeom prst="straightConnector1">
+          <a:lnRef idx="1">
+            <a:schemeClr val="dk1"/>
+          </a:lnRef>
+          <a:fillRef idx="2">
+            <a:schemeClr val="dk1"/>
+          </a:fillRef>
+          <a:effectRef idx="1">
+            <a:schemeClr val="dk1"/>
+          </a:effectRef>
+          <a:fontRef idx="minor">
+            <a:schemeClr val="dk1"/>
+          </a:fontRef>
+        </p:style>
+        <p:txBody>
+          <a:bodyPr lIns="0" rIns="0" rtlCol="0" anchor="ctr" anchorCtr="0"/>
+          <a:lstStyle/>
+          <a:p>
+            <a:pPr algn="ctr"/>
+            <a:r>
+              <a:rPr kumimoji="1" lang="en-US" altLang="ja-JP" sz="1200" dirty="0" smtClean="0"/>
+              <a:t>Image Node</a:t>
+            </a:r>
+            <a:endParaRPr kumimoji="1" lang="ja-JP" altLang="en-US" sz="1200"/>
+          </a:p>
+        </p:txBody>
+      </p:sp>
+      <p:sp>
+        <p:nvSpPr>
+          <p:cNvPr id="212" name="Rectangle 211"/>
+          <p:cNvSpPr/>
+          <p:nvPr/>
+        </p:nvSpPr>
+        <p:spPr>
+          <a:xfrm>
+            <a:off x="7848600" y="4648200"/>
+            <a:ext cx="381000" cy="457200"/>
+          </a:xfrm>
+          <a:prstGeom prst="rect">
             <a:avLst/>
           </a:prstGeom>
           <a:ln>
@@ -11004,39 +11556,48 @@
                 <a:lumMod val="65000"/>
               </a:schemeClr>
             </a:solidFill>
-            <a:tailEnd type="arrow"/>
-          </a:ln>
-        </p:spPr>
-        <p:style>
-          <a:lnRef idx="2">
-            <a:schemeClr val="accent6"/>
-          </a:lnRef>
-          <a:fillRef idx="0">
-            <a:schemeClr val="accent6"/>
-          </a:fillRef>
-          <a:effectRef idx="1">
-            <a:schemeClr val="accent6"/>
-          </a:effectRef>
-          <a:fontRef idx="minor">
-            <a:schemeClr val="tx1"/>
-          </a:fontRef>
-        </p:style>
-      </p:cxnSp>
-      <p:cxnSp>
-        <p:nvCxnSpPr>
-          <p:cNvPr id="181" name="Elbow Connector 180"/>
-          <p:cNvCxnSpPr/>
-          <p:nvPr/>
-        </p:nvCxnSpPr>
-        <p:spPr>
-          <a:xfrm rot="10800000" flipV="1">
-            <a:off x="5486400" y="3429000"/>
-            <a:ext cx="2667000" cy="2133600"/>
-          </a:xfrm>
-          <a:prstGeom prst="bentConnector3">
-            <a:avLst>
-              <a:gd name="adj1" fmla="val 61737"/>
-            </a:avLst>
+          </a:ln>
+        </p:spPr>
+        <p:style>
+          <a:lnRef idx="1">
+            <a:schemeClr val="dk1"/>
+          </a:lnRef>
+          <a:fillRef idx="2">
+            <a:schemeClr val="dk1"/>
+          </a:fillRef>
+          <a:effectRef idx="1">
+            <a:schemeClr val="dk1"/>
+          </a:effectRef>
+          <a:fontRef idx="minor">
+            <a:schemeClr val="dk1"/>
+          </a:fontRef>
+        </p:style>
+        <p:txBody>
+          <a:bodyPr lIns="0" rIns="0" rtlCol="0" anchor="ctr" anchorCtr="0"/>
+          <a:lstStyle/>
+          <a:p>
+            <a:pPr algn="ctr"/>
+            <a:r>
+              <a:rPr kumimoji="1" lang="en-US" altLang="ja-JP" sz="1200" dirty="0" smtClean="0"/>
+              <a:t>DS</a:t>
+            </a:r>
+            <a:endParaRPr kumimoji="1" lang="ja-JP" altLang="en-US" sz="1200"/>
+          </a:p>
+        </p:txBody>
+      </p:sp>
+      <p:sp>
+        <p:nvSpPr>
+          <p:cNvPr id="213" name="Rectangle 212"/>
+          <p:cNvSpPr/>
+          <p:nvPr/>
+        </p:nvSpPr>
+        <p:spPr>
+          <a:xfrm>
+            <a:off x="7315200" y="4648200"/>
+            <a:ext cx="381000" cy="457200"/>
+          </a:xfrm>
+          <a:prstGeom prst="rect">
+            <a:avLst/>
           </a:prstGeom>
           <a:ln>
             <a:solidFill>
@@ -11047,35 +11608,45 @@
           </a:ln>
         </p:spPr>
         <p:style>
-          <a:lnRef idx="2">
-            <a:schemeClr val="accent6"/>
-          </a:lnRef>
-          <a:fillRef idx="0">
-            <a:schemeClr val="accent6"/>
-          </a:fillRef>
-          <a:effectRef idx="1">
-            <a:schemeClr val="accent6"/>
-          </a:effectRef>
-          <a:fontRef idx="minor">
-            <a:schemeClr val="tx1"/>
-          </a:fontRef>
-        </p:style>
-      </p:cxnSp>
-      <p:cxnSp>
-        <p:nvCxnSpPr>
-          <p:cNvPr id="182" name="Elbow Connector 181"/>
-          <p:cNvCxnSpPr/>
-          <p:nvPr/>
-        </p:nvCxnSpPr>
-        <p:spPr>
-          <a:xfrm rot="10800000" flipV="1">
-            <a:off x="3810000" y="3962400"/>
-            <a:ext cx="3733800" cy="1828800"/>
-          </a:xfrm>
-          <a:prstGeom prst="bentConnector3">
-            <a:avLst>
-              <a:gd name="adj1" fmla="val 18450"/>
-            </a:avLst>
+          <a:lnRef idx="1">
+            <a:schemeClr val="dk1"/>
+          </a:lnRef>
+          <a:fillRef idx="2">
+            <a:schemeClr val="dk1"/>
+          </a:fillRef>
+          <a:effectRef idx="1">
+            <a:schemeClr val="dk1"/>
+          </a:effectRef>
+          <a:fontRef idx="minor">
+            <a:schemeClr val="dk1"/>
+          </a:fontRef>
+        </p:style>
+        <p:txBody>
+          <a:bodyPr lIns="0" rIns="0" rtlCol="0" anchor="ctr" anchorCtr="0"/>
+          <a:lstStyle/>
+          <a:p>
+            <a:pPr algn="ctr"/>
+            <a:r>
+              <a:rPr kumimoji="1" lang="en-US" altLang="ja-JP" sz="1200" dirty="0" smtClean="0"/>
+              <a:t>IS</a:t>
+            </a:r>
+            <a:endParaRPr kumimoji="1" lang="ja-JP" altLang="en-US" sz="1200"/>
+          </a:p>
+        </p:txBody>
+      </p:sp>
+      <p:sp>
+        <p:nvSpPr>
+          <p:cNvPr id="214" name="Rectangle 213"/>
+          <p:cNvSpPr/>
+          <p:nvPr/>
+        </p:nvSpPr>
+        <p:spPr>
+          <a:xfrm>
+            <a:off x="7315200" y="5334000"/>
+            <a:ext cx="1447800" cy="457200"/>
+          </a:xfrm>
+          <a:prstGeom prst="rect">
+            <a:avLst/>
           </a:prstGeom>
           <a:ln>
             <a:solidFill>
@@ -11086,32 +11657,44 @@
           </a:ln>
         </p:spPr>
         <p:style>
-          <a:lnRef idx="2">
-            <a:schemeClr val="accent6"/>
-          </a:lnRef>
-          <a:fillRef idx="0">
-            <a:schemeClr val="accent6"/>
-          </a:fillRef>
-          <a:effectRef idx="1">
-            <a:schemeClr val="accent6"/>
-          </a:effectRef>
-          <a:fontRef idx="minor">
-            <a:schemeClr val="tx1"/>
-          </a:fontRef>
-        </p:style>
-      </p:cxnSp>
-      <p:cxnSp>
-        <p:nvCxnSpPr>
-          <p:cNvPr id="193" name="Straight Arrow Connector 192"/>
-          <p:cNvCxnSpPr/>
-          <p:nvPr/>
-        </p:nvCxnSpPr>
-        <p:spPr>
-          <a:xfrm flipV="1">
-            <a:off x="4724400" y="5334000"/>
-            <a:ext cx="0" cy="381000"/>
-          </a:xfrm>
-          <a:prstGeom prst="straightConnector1">
+          <a:lnRef idx="1">
+            <a:schemeClr val="dk1"/>
+          </a:lnRef>
+          <a:fillRef idx="2">
+            <a:schemeClr val="dk1"/>
+          </a:fillRef>
+          <a:effectRef idx="1">
+            <a:schemeClr val="dk1"/>
+          </a:effectRef>
+          <a:fontRef idx="minor">
+            <a:schemeClr val="dk1"/>
+          </a:fontRef>
+        </p:style>
+        <p:txBody>
+          <a:bodyPr rtlCol="0" anchor="ctr" anchorCtr="0"/>
+          <a:lstStyle/>
+          <a:p>
+            <a:pPr algn="ctr"/>
+            <a:r>
+              <a:rPr kumimoji="1" lang="en-US" altLang="ja-JP" sz="1200" dirty="0" smtClean="0"/>
+              <a:t>K4W Driver</a:t>
+            </a:r>
+            <a:endParaRPr kumimoji="1" lang="ja-JP" altLang="en-US" sz="1200"/>
+          </a:p>
+        </p:txBody>
+      </p:sp>
+      <p:sp>
+        <p:nvSpPr>
+          <p:cNvPr id="215" name="Rounded Rectangle 214"/>
+          <p:cNvSpPr/>
+          <p:nvPr/>
+        </p:nvSpPr>
+        <p:spPr>
+          <a:xfrm>
+            <a:off x="7315200" y="3048000"/>
+            <a:ext cx="838200" cy="228600"/>
+          </a:xfrm>
+          <a:prstGeom prst="roundRect">
             <a:avLst/>
           </a:prstGeom>
           <a:ln>
@@ -11120,39 +11703,48 @@
                 <a:lumMod val="65000"/>
               </a:schemeClr>
             </a:solidFill>
-            <a:tailEnd type="arrow"/>
-          </a:ln>
-        </p:spPr>
-        <p:style>
-          <a:lnRef idx="2">
-            <a:schemeClr val="accent6"/>
-          </a:lnRef>
-          <a:fillRef idx="0">
-            <a:schemeClr val="accent6"/>
-          </a:fillRef>
-          <a:effectRef idx="1">
-            <a:schemeClr val="accent6"/>
-          </a:effectRef>
-          <a:fontRef idx="minor">
-            <a:schemeClr val="tx1"/>
-          </a:fontRef>
-        </p:style>
-      </p:cxnSp>
-      <p:cxnSp>
-        <p:nvCxnSpPr>
-          <p:cNvPr id="194" name="Elbow Connector 193"/>
-          <p:cNvCxnSpPr/>
-          <p:nvPr/>
-        </p:nvCxnSpPr>
-        <p:spPr>
-          <a:xfrm rot="10800000" flipV="1">
-            <a:off x="4724400" y="3810000"/>
-            <a:ext cx="3200400" cy="1905000"/>
-          </a:xfrm>
-          <a:prstGeom prst="bentConnector3">
-            <a:avLst>
-              <a:gd name="adj1" fmla="val 36873"/>
-            </a:avLst>
+          </a:ln>
+        </p:spPr>
+        <p:style>
+          <a:lnRef idx="1">
+            <a:schemeClr val="dk1"/>
+          </a:lnRef>
+          <a:fillRef idx="2">
+            <a:schemeClr val="dk1"/>
+          </a:fillRef>
+          <a:effectRef idx="1">
+            <a:schemeClr val="dk1"/>
+          </a:effectRef>
+          <a:fontRef idx="minor">
+            <a:schemeClr val="dk1"/>
+          </a:fontRef>
+        </p:style>
+        <p:txBody>
+          <a:bodyPr rtlCol="0" anchor="ctr"/>
+          <a:lstStyle/>
+          <a:p>
+            <a:pPr algn="ctr"/>
+            <a:r>
+              <a:rPr kumimoji="1" lang="en-US" altLang="ja-JP" sz="1100" dirty="0" smtClean="0"/>
+              <a:t>Skeleton</a:t>
+            </a:r>
+            <a:endParaRPr kumimoji="1" lang="ja-JP" altLang="en-US" sz="1100"/>
+          </a:p>
+        </p:txBody>
+      </p:sp>
+      <p:sp>
+        <p:nvSpPr>
+          <p:cNvPr id="216" name="Rounded Rectangle 215"/>
+          <p:cNvSpPr/>
+          <p:nvPr/>
+        </p:nvSpPr>
+        <p:spPr>
+          <a:xfrm>
+            <a:off x="7239000" y="3352800"/>
+            <a:ext cx="762000" cy="228600"/>
+          </a:xfrm>
+          <a:prstGeom prst="roundRect">
+            <a:avLst/>
           </a:prstGeom>
           <a:ln>
             <a:solidFill>
@@ -11163,606 +11755,6 @@
           </a:ln>
         </p:spPr>
         <p:style>
-          <a:lnRef idx="2">
-            <a:schemeClr val="accent6"/>
-          </a:lnRef>
-          <a:fillRef idx="0">
-            <a:schemeClr val="accent6"/>
-          </a:fillRef>
-          <a:effectRef idx="1">
-            <a:schemeClr val="accent6"/>
-          </a:effectRef>
-          <a:fontRef idx="minor">
-            <a:schemeClr val="tx1"/>
-          </a:fontRef>
-        </p:style>
-      </p:cxnSp>
-      <p:sp>
-        <p:nvSpPr>
-          <p:cNvPr id="197" name="Rectangle 196"/>
-          <p:cNvSpPr/>
-          <p:nvPr/>
-        </p:nvSpPr>
-        <p:spPr>
-          <a:xfrm>
-            <a:off x="8382000" y="4648200"/>
-            <a:ext cx="381000" cy="457200"/>
-          </a:xfrm>
-          <a:prstGeom prst="rect">
-            <a:avLst/>
-          </a:prstGeom>
-          <a:ln>
-            <a:solidFill>
-              <a:schemeClr val="bg1">
-                <a:lumMod val="65000"/>
-              </a:schemeClr>
-            </a:solidFill>
-          </a:ln>
-        </p:spPr>
-        <p:style>
-          <a:lnRef idx="1">
-            <a:schemeClr val="dk1"/>
-          </a:lnRef>
-          <a:fillRef idx="2">
-            <a:schemeClr val="dk1"/>
-          </a:fillRef>
-          <a:effectRef idx="1">
-            <a:schemeClr val="dk1"/>
-          </a:effectRef>
-          <a:fontRef idx="minor">
-            <a:schemeClr val="dk1"/>
-          </a:fontRef>
-        </p:style>
-        <p:txBody>
-          <a:bodyPr rtlCol="0" anchor="ctr" anchorCtr="0"/>
-          <a:lstStyle/>
-          <a:p>
-            <a:pPr algn="ctr"/>
-            <a:r>
-              <a:rPr kumimoji="1" lang="en-US" altLang="ja-JP" sz="1200" dirty="0" smtClean="0"/>
-              <a:t>S</a:t>
-            </a:r>
-            <a:endParaRPr kumimoji="1" lang="ja-JP" altLang="en-US" sz="1200"/>
-          </a:p>
-        </p:txBody>
-      </p:sp>
-      <p:sp>
-        <p:nvSpPr>
-          <p:cNvPr id="198" name="Folded Corner 197"/>
-          <p:cNvSpPr/>
-          <p:nvPr/>
-        </p:nvSpPr>
-        <p:spPr>
-          <a:xfrm>
-            <a:off x="304800" y="4724400"/>
-            <a:ext cx="609600" cy="609600"/>
-          </a:xfrm>
-          <a:prstGeom prst="foldedCorner">
-            <a:avLst/>
-          </a:prstGeom>
-          <a:ln>
-            <a:headEnd type="arrow" w="med" len="med"/>
-            <a:tailEnd type="none" w="med" len="med"/>
-          </a:ln>
-        </p:spPr>
-        <p:style>
-          <a:lnRef idx="1">
-            <a:schemeClr val="accent4"/>
-          </a:lnRef>
-          <a:fillRef idx="2">
-            <a:schemeClr val="accent4"/>
-          </a:fillRef>
-          <a:effectRef idx="1">
-            <a:schemeClr val="accent4"/>
-          </a:effectRef>
-          <a:fontRef idx="minor">
-            <a:schemeClr val="dk1"/>
-          </a:fontRef>
-        </p:style>
-        <p:txBody>
-          <a:bodyPr rtlCol="0" anchor="ctr"/>
-          <a:lstStyle/>
-          <a:p>
-            <a:pPr algn="ctr"/>
-            <a:r>
-              <a:rPr kumimoji="1" lang="en-US" altLang="ja-JP" sz="1200" dirty="0" smtClean="0"/>
-              <a:t>.</a:t>
-            </a:r>
-            <a:r>
-              <a:rPr kumimoji="1" lang="en-US" altLang="ja-JP" sz="1200" dirty="0" err="1" smtClean="0"/>
-              <a:t>oni</a:t>
-            </a:r>
-            <a:endParaRPr kumimoji="1" lang="ja-JP" altLang="en-US" sz="1200"/>
-          </a:p>
-        </p:txBody>
-      </p:sp>
-      <p:cxnSp>
-        <p:nvCxnSpPr>
-          <p:cNvPr id="199" name="Straight Arrow Connector 198"/>
-          <p:cNvCxnSpPr>
-            <a:stCxn id="198" idx="3"/>
-            <a:endCxn id="203" idx="1"/>
-          </p:cNvCxnSpPr>
-          <p:nvPr/>
-        </p:nvCxnSpPr>
-        <p:spPr>
-          <a:xfrm>
-            <a:off x="914400" y="5029200"/>
-            <a:ext cx="381000" cy="0"/>
-          </a:xfrm>
-          <a:prstGeom prst="straightConnector1">
-            <a:avLst/>
-          </a:prstGeom>
-          <a:ln>
-            <a:tailEnd type="arrow"/>
-          </a:ln>
-        </p:spPr>
-        <p:style>
-          <a:lnRef idx="2">
-            <a:schemeClr val="accent4"/>
-          </a:lnRef>
-          <a:fillRef idx="0">
-            <a:schemeClr val="accent4"/>
-          </a:fillRef>
-          <a:effectRef idx="1">
-            <a:schemeClr val="accent4"/>
-          </a:effectRef>
-          <a:fontRef idx="minor">
-            <a:schemeClr val="tx1"/>
-          </a:fontRef>
-        </p:style>
-      </p:cxnSp>
-      <p:sp>
-        <p:nvSpPr>
-          <p:cNvPr id="203" name="Rectangle 202"/>
-          <p:cNvSpPr/>
-          <p:nvPr/>
-        </p:nvSpPr>
-        <p:spPr>
-          <a:xfrm>
-            <a:off x="1295400" y="4495800"/>
-            <a:ext cx="1828800" cy="1066800"/>
-          </a:xfrm>
-          <a:prstGeom prst="rect">
-            <a:avLst/>
-          </a:prstGeom>
-          <a:noFill/>
-          <a:ln>
-            <a:prstDash val="sysDash"/>
-          </a:ln>
-        </p:spPr>
-        <p:style>
-          <a:lnRef idx="2">
-            <a:schemeClr val="accent4"/>
-          </a:lnRef>
-          <a:fillRef idx="1">
-            <a:schemeClr val="lt1"/>
-          </a:fillRef>
-          <a:effectRef idx="0">
-            <a:schemeClr val="accent4"/>
-          </a:effectRef>
-          <a:fontRef idx="minor">
-            <a:schemeClr val="dk1"/>
-          </a:fontRef>
-        </p:style>
-        <p:txBody>
-          <a:bodyPr rtlCol="0" anchor="t" anchorCtr="0"/>
-          <a:lstStyle/>
-          <a:p>
-            <a:pPr algn="ctr"/>
-            <a:r>
-              <a:rPr kumimoji="1" lang="en-US" altLang="ja-JP" sz="1200" dirty="0" smtClean="0"/>
-              <a:t>Mocks</a:t>
-            </a:r>
-            <a:endParaRPr kumimoji="1" lang="ja-JP" altLang="en-US" sz="1200"/>
-          </a:p>
-        </p:txBody>
-      </p:sp>
-      <p:sp>
-        <p:nvSpPr>
-          <p:cNvPr id="205" name="Rectangle 204"/>
-          <p:cNvSpPr/>
-          <p:nvPr/>
-        </p:nvSpPr>
-        <p:spPr>
-          <a:xfrm>
-            <a:off x="2286000" y="4876800"/>
-            <a:ext cx="762000" cy="457200"/>
-          </a:xfrm>
-          <a:prstGeom prst="rect">
-            <a:avLst/>
-          </a:prstGeom>
-        </p:spPr>
-        <p:style>
-          <a:lnRef idx="2">
-            <a:schemeClr val="accent4">
-              <a:shade val="50000"/>
-            </a:schemeClr>
-          </a:lnRef>
-          <a:fillRef idx="1">
-            <a:schemeClr val="accent4"/>
-          </a:fillRef>
-          <a:effectRef idx="0">
-            <a:schemeClr val="accent4"/>
-          </a:effectRef>
-          <a:fontRef idx="minor">
-            <a:schemeClr val="lt1"/>
-          </a:fontRef>
-        </p:style>
-        <p:txBody>
-          <a:bodyPr lIns="0" rIns="0" rtlCol="0" anchor="ctr" anchorCtr="0"/>
-          <a:lstStyle/>
-          <a:p>
-            <a:pPr algn="ctr"/>
-            <a:r>
-              <a:rPr kumimoji="1" lang="en-US" altLang="ja-JP" sz="1200" dirty="0" smtClean="0"/>
-              <a:t>Depth Node</a:t>
-            </a:r>
-            <a:endParaRPr kumimoji="1" lang="ja-JP" altLang="en-US" sz="1200"/>
-          </a:p>
-        </p:txBody>
-      </p:sp>
-      <p:sp>
-        <p:nvSpPr>
-          <p:cNvPr id="206" name="Rectangle 205"/>
-          <p:cNvSpPr/>
-          <p:nvPr/>
-        </p:nvSpPr>
-        <p:spPr>
-          <a:xfrm>
-            <a:off x="1371600" y="4876800"/>
-            <a:ext cx="762000" cy="457200"/>
-          </a:xfrm>
-          <a:prstGeom prst="rect">
-            <a:avLst/>
-          </a:prstGeom>
-        </p:spPr>
-        <p:style>
-          <a:lnRef idx="2">
-            <a:schemeClr val="accent4">
-              <a:shade val="50000"/>
-            </a:schemeClr>
-          </a:lnRef>
-          <a:fillRef idx="1">
-            <a:schemeClr val="accent4"/>
-          </a:fillRef>
-          <a:effectRef idx="0">
-            <a:schemeClr val="accent4"/>
-          </a:effectRef>
-          <a:fontRef idx="minor">
-            <a:schemeClr val="lt1"/>
-          </a:fontRef>
-        </p:style>
-        <p:txBody>
-          <a:bodyPr lIns="0" rIns="0" rtlCol="0" anchor="ctr" anchorCtr="0"/>
-          <a:lstStyle/>
-          <a:p>
-            <a:pPr algn="ctr"/>
-            <a:r>
-              <a:rPr kumimoji="1" lang="en-US" altLang="ja-JP" sz="1200" dirty="0" smtClean="0"/>
-              <a:t>Image Node</a:t>
-            </a:r>
-            <a:endParaRPr kumimoji="1" lang="ja-JP" altLang="en-US" sz="1200"/>
-          </a:p>
-        </p:txBody>
-      </p:sp>
-      <p:sp>
-        <p:nvSpPr>
-          <p:cNvPr id="209" name="Rectangle 208"/>
-          <p:cNvSpPr/>
-          <p:nvPr/>
-        </p:nvSpPr>
-        <p:spPr>
-          <a:xfrm>
-            <a:off x="4343400" y="4876800"/>
-            <a:ext cx="762000" cy="457200"/>
-          </a:xfrm>
-          <a:prstGeom prst="rect">
-            <a:avLst/>
-          </a:prstGeom>
-          <a:ln>
-            <a:solidFill>
-              <a:schemeClr val="bg1">
-                <a:lumMod val="65000"/>
-              </a:schemeClr>
-            </a:solidFill>
-          </a:ln>
-        </p:spPr>
-        <p:style>
-          <a:lnRef idx="1">
-            <a:schemeClr val="dk1"/>
-          </a:lnRef>
-          <a:fillRef idx="2">
-            <a:schemeClr val="dk1"/>
-          </a:fillRef>
-          <a:effectRef idx="1">
-            <a:schemeClr val="dk1"/>
-          </a:effectRef>
-          <a:fontRef idx="minor">
-            <a:schemeClr val="dk1"/>
-          </a:fontRef>
-        </p:style>
-        <p:txBody>
-          <a:bodyPr rtlCol="0" anchor="ctr" anchorCtr="0"/>
-          <a:lstStyle/>
-          <a:p>
-            <a:pPr algn="ctr"/>
-            <a:r>
-              <a:rPr kumimoji="1" lang="en-US" altLang="ja-JP" sz="1200" dirty="0" smtClean="0"/>
-              <a:t>Depth Node</a:t>
-            </a:r>
-            <a:endParaRPr kumimoji="1" lang="ja-JP" altLang="en-US" sz="1200"/>
-          </a:p>
-        </p:txBody>
-      </p:sp>
-      <p:sp>
-        <p:nvSpPr>
-          <p:cNvPr id="210" name="Rectangle 209"/>
-          <p:cNvSpPr/>
-          <p:nvPr/>
-        </p:nvSpPr>
-        <p:spPr>
-          <a:xfrm>
-            <a:off x="3429000" y="4876800"/>
-            <a:ext cx="762000" cy="457200"/>
-          </a:xfrm>
-          <a:prstGeom prst="rect">
-            <a:avLst/>
-          </a:prstGeom>
-          <a:ln>
-            <a:solidFill>
-              <a:schemeClr val="bg1">
-                <a:lumMod val="65000"/>
-              </a:schemeClr>
-            </a:solidFill>
-          </a:ln>
-        </p:spPr>
-        <p:style>
-          <a:lnRef idx="1">
-            <a:schemeClr val="dk1"/>
-          </a:lnRef>
-          <a:fillRef idx="2">
-            <a:schemeClr val="dk1"/>
-          </a:fillRef>
-          <a:effectRef idx="1">
-            <a:schemeClr val="dk1"/>
-          </a:effectRef>
-          <a:fontRef idx="minor">
-            <a:schemeClr val="dk1"/>
-          </a:fontRef>
-        </p:style>
-        <p:txBody>
-          <a:bodyPr rtlCol="0" anchor="ctr" anchorCtr="0"/>
-          <a:lstStyle/>
-          <a:p>
-            <a:pPr algn="ctr"/>
-            <a:r>
-              <a:rPr kumimoji="1" lang="en-US" altLang="ja-JP" sz="1200" dirty="0" err="1" smtClean="0"/>
-              <a:t>ImageNode</a:t>
-            </a:r>
-            <a:endParaRPr kumimoji="1" lang="ja-JP" altLang="en-US" sz="1200"/>
-          </a:p>
-        </p:txBody>
-      </p:sp>
-      <p:sp>
-        <p:nvSpPr>
-          <p:cNvPr id="212" name="Rectangle 211"/>
-          <p:cNvSpPr/>
-          <p:nvPr/>
-        </p:nvSpPr>
-        <p:spPr>
-          <a:xfrm>
-            <a:off x="7848600" y="4648200"/>
-            <a:ext cx="381000" cy="457200"/>
-          </a:xfrm>
-          <a:prstGeom prst="rect">
-            <a:avLst/>
-          </a:prstGeom>
-          <a:ln>
-            <a:solidFill>
-              <a:schemeClr val="bg1">
-                <a:lumMod val="65000"/>
-              </a:schemeClr>
-            </a:solidFill>
-          </a:ln>
-        </p:spPr>
-        <p:style>
-          <a:lnRef idx="1">
-            <a:schemeClr val="dk1"/>
-          </a:lnRef>
-          <a:fillRef idx="2">
-            <a:schemeClr val="dk1"/>
-          </a:fillRef>
-          <a:effectRef idx="1">
-            <a:schemeClr val="dk1"/>
-          </a:effectRef>
-          <a:fontRef idx="minor">
-            <a:schemeClr val="dk1"/>
-          </a:fontRef>
-        </p:style>
-        <p:txBody>
-          <a:bodyPr rtlCol="0" anchor="ctr" anchorCtr="0"/>
-          <a:lstStyle/>
-          <a:p>
-            <a:pPr algn="ctr"/>
-            <a:r>
-              <a:rPr kumimoji="1" lang="en-US" altLang="ja-JP" sz="1200" dirty="0" smtClean="0"/>
-              <a:t>D</a:t>
-            </a:r>
-            <a:endParaRPr kumimoji="1" lang="ja-JP" altLang="en-US" sz="1200"/>
-          </a:p>
-        </p:txBody>
-      </p:sp>
-      <p:sp>
-        <p:nvSpPr>
-          <p:cNvPr id="213" name="Rectangle 212"/>
-          <p:cNvSpPr/>
-          <p:nvPr/>
-        </p:nvSpPr>
-        <p:spPr>
-          <a:xfrm>
-            <a:off x="7315200" y="4648200"/>
-            <a:ext cx="381000" cy="457200"/>
-          </a:xfrm>
-          <a:prstGeom prst="rect">
-            <a:avLst/>
-          </a:prstGeom>
-          <a:ln>
-            <a:solidFill>
-              <a:schemeClr val="bg1">
-                <a:lumMod val="65000"/>
-              </a:schemeClr>
-            </a:solidFill>
-          </a:ln>
-        </p:spPr>
-        <p:style>
-          <a:lnRef idx="1">
-            <a:schemeClr val="dk1"/>
-          </a:lnRef>
-          <a:fillRef idx="2">
-            <a:schemeClr val="dk1"/>
-          </a:fillRef>
-          <a:effectRef idx="1">
-            <a:schemeClr val="dk1"/>
-          </a:effectRef>
-          <a:fontRef idx="minor">
-            <a:schemeClr val="dk1"/>
-          </a:fontRef>
-        </p:style>
-        <p:txBody>
-          <a:bodyPr rtlCol="0" anchor="ctr" anchorCtr="0"/>
-          <a:lstStyle/>
-          <a:p>
-            <a:pPr algn="ctr"/>
-            <a:r>
-              <a:rPr kumimoji="1" lang="en-US" altLang="ja-JP" sz="1200" dirty="0" smtClean="0"/>
-              <a:t>I</a:t>
-            </a:r>
-            <a:endParaRPr kumimoji="1" lang="ja-JP" altLang="en-US" sz="1200"/>
-          </a:p>
-        </p:txBody>
-      </p:sp>
-      <p:sp>
-        <p:nvSpPr>
-          <p:cNvPr id="214" name="Rectangle 213"/>
-          <p:cNvSpPr/>
-          <p:nvPr/>
-        </p:nvSpPr>
-        <p:spPr>
-          <a:xfrm>
-            <a:off x="7315200" y="5334000"/>
-            <a:ext cx="1447800" cy="457200"/>
-          </a:xfrm>
-          <a:prstGeom prst="rect">
-            <a:avLst/>
-          </a:prstGeom>
-          <a:ln>
-            <a:solidFill>
-              <a:schemeClr val="bg1">
-                <a:lumMod val="65000"/>
-              </a:schemeClr>
-            </a:solidFill>
-          </a:ln>
-        </p:spPr>
-        <p:style>
-          <a:lnRef idx="1">
-            <a:schemeClr val="dk1"/>
-          </a:lnRef>
-          <a:fillRef idx="2">
-            <a:schemeClr val="dk1"/>
-          </a:fillRef>
-          <a:effectRef idx="1">
-            <a:schemeClr val="dk1"/>
-          </a:effectRef>
-          <a:fontRef idx="minor">
-            <a:schemeClr val="dk1"/>
-          </a:fontRef>
-        </p:style>
-        <p:txBody>
-          <a:bodyPr rtlCol="0" anchor="ctr" anchorCtr="0"/>
-          <a:lstStyle/>
-          <a:p>
-            <a:pPr algn="ctr"/>
-            <a:r>
-              <a:rPr kumimoji="1" lang="en-US" altLang="ja-JP" sz="1200" dirty="0" smtClean="0"/>
-              <a:t>K4W Driver</a:t>
-            </a:r>
-            <a:endParaRPr kumimoji="1" lang="ja-JP" altLang="en-US" sz="1200"/>
-          </a:p>
-        </p:txBody>
-      </p:sp>
-      <p:sp>
-        <p:nvSpPr>
-          <p:cNvPr id="215" name="Rounded Rectangle 214"/>
-          <p:cNvSpPr/>
-          <p:nvPr/>
-        </p:nvSpPr>
-        <p:spPr>
-          <a:xfrm>
-            <a:off x="7315200" y="3048000"/>
-            <a:ext cx="838200" cy="228600"/>
-          </a:xfrm>
-          <a:prstGeom prst="roundRect">
-            <a:avLst/>
-          </a:prstGeom>
-          <a:ln>
-            <a:solidFill>
-              <a:schemeClr val="bg1">
-                <a:lumMod val="65000"/>
-              </a:schemeClr>
-            </a:solidFill>
-          </a:ln>
-        </p:spPr>
-        <p:style>
-          <a:lnRef idx="1">
-            <a:schemeClr val="dk1"/>
-          </a:lnRef>
-          <a:fillRef idx="2">
-            <a:schemeClr val="dk1"/>
-          </a:fillRef>
-          <a:effectRef idx="1">
-            <a:schemeClr val="dk1"/>
-          </a:effectRef>
-          <a:fontRef idx="minor">
-            <a:schemeClr val="dk1"/>
-          </a:fontRef>
-        </p:style>
-        <p:txBody>
-          <a:bodyPr rtlCol="0" anchor="ctr"/>
-          <a:lstStyle/>
-          <a:p>
-            <a:pPr algn="ctr"/>
-            <a:r>
-              <a:rPr kumimoji="1" lang="en-US" altLang="ja-JP" sz="1100" dirty="0" smtClean="0"/>
-              <a:t>Skeleton</a:t>
-            </a:r>
-            <a:endParaRPr kumimoji="1" lang="ja-JP" altLang="en-US" sz="1100"/>
-          </a:p>
-        </p:txBody>
-      </p:sp>
-      <p:sp>
-        <p:nvSpPr>
-          <p:cNvPr id="216" name="Rounded Rectangle 215"/>
-          <p:cNvSpPr/>
-          <p:nvPr/>
-        </p:nvSpPr>
-        <p:spPr>
-          <a:xfrm>
-            <a:off x="7239000" y="3352800"/>
-            <a:ext cx="762000" cy="228600"/>
-          </a:xfrm>
-          <a:prstGeom prst="roundRect">
-            <a:avLst/>
-          </a:prstGeom>
-          <a:ln>
-            <a:solidFill>
-              <a:schemeClr val="bg1">
-                <a:lumMod val="65000"/>
-              </a:schemeClr>
-            </a:solidFill>
-          </a:ln>
-        </p:spPr>
-        <p:style>
           <a:lnRef idx="1">
             <a:schemeClr val="dk1"/>
           </a:lnRef>
@@ -11803,7 +11795,7 @@
           <a:prstGeom prst="straightConnector1">
             <a:avLst/>
           </a:prstGeom>
-          <a:ln>
+          <a:ln w="12700">
             <a:solidFill>
               <a:schemeClr val="bg1">
                 <a:lumMod val="65000"/>
@@ -11842,7 +11834,7 @@
           <a:prstGeom prst="straightConnector1">
             <a:avLst/>
           </a:prstGeom>
-          <a:ln>
+          <a:ln w="12700">
             <a:solidFill>
               <a:schemeClr val="bg1">
                 <a:lumMod val="65000"/>
@@ -11881,7 +11873,7 @@
           <a:prstGeom prst="straightConnector1">
             <a:avLst/>
           </a:prstGeom>
-          <a:ln>
+          <a:ln w="12700">
             <a:solidFill>
               <a:schemeClr val="bg1">
                 <a:lumMod val="65000"/>
@@ -11914,13 +11906,13 @@
         </p:nvCxnSpPr>
         <p:spPr>
           <a:xfrm flipV="1">
-            <a:off x="7543800" y="3962400"/>
-            <a:ext cx="0" cy="685800"/>
+            <a:off x="7543800" y="4038600"/>
+            <a:ext cx="0" cy="609600"/>
           </a:xfrm>
           <a:prstGeom prst="straightConnector1">
             <a:avLst/>
           </a:prstGeom>
-          <a:ln>
+          <a:ln w="12700">
             <a:solidFill>
               <a:schemeClr val="bg1">
                 <a:lumMod val="65000"/>
@@ -12002,7 +11994,7 @@
         </p:nvSpPr>
         <p:spPr>
           <a:xfrm>
-            <a:off x="7010400" y="4038600"/>
+            <a:off x="7086600" y="3962400"/>
             <a:ext cx="685800" cy="228600"/>
           </a:xfrm>
           <a:prstGeom prst="roundRect">
@@ -12043,52 +12035,6 @@
           </a:p>
         </p:txBody>
       </p:sp>
-      <p:sp>
-        <p:nvSpPr>
-          <p:cNvPr id="172" name="Rectangle 171"/>
-          <p:cNvSpPr/>
-          <p:nvPr/>
-        </p:nvSpPr>
-        <p:spPr>
-          <a:xfrm>
-            <a:off x="7162800" y="4343400"/>
-            <a:ext cx="1752600" cy="1600200"/>
-          </a:xfrm>
-          <a:prstGeom prst="rect">
-            <a:avLst/>
-          </a:prstGeom>
-          <a:noFill/>
-          <a:ln>
-            <a:prstDash val="sysDash"/>
-          </a:ln>
-        </p:spPr>
-        <p:style>
-          <a:lnRef idx="2">
-            <a:schemeClr val="accent6"/>
-          </a:lnRef>
-          <a:fillRef idx="1">
-            <a:schemeClr val="lt1"/>
-          </a:fillRef>
-          <a:effectRef idx="0">
-            <a:schemeClr val="accent6"/>
-          </a:effectRef>
-          <a:fontRef idx="minor">
-            <a:schemeClr val="dk1"/>
-          </a:fontRef>
-        </p:style>
-        <p:txBody>
-          <a:bodyPr rtlCol="0" anchor="t" anchorCtr="0"/>
-          <a:lstStyle/>
-          <a:p>
-            <a:pPr algn="ctr"/>
-            <a:r>
-              <a:rPr kumimoji="1" lang="en-US" altLang="ja-JP" sz="1200" dirty="0" smtClean="0"/>
-              <a:t>Kinect SDK</a:t>
-            </a:r>
-            <a:endParaRPr kumimoji="1" lang="ja-JP" altLang="en-US" sz="1200"/>
-          </a:p>
-        </p:txBody>
-      </p:sp>
       <p:cxnSp>
         <p:nvCxnSpPr>
           <p:cNvPr id="259" name="Straight Arrow Connector 258"/>
@@ -12097,7 +12043,7 @@
         </p:nvCxnSpPr>
         <p:spPr>
           <a:xfrm flipV="1">
-            <a:off x="1752600" y="2362200"/>
+            <a:off x="2133600" y="2362200"/>
             <a:ext cx="0" cy="2514600"/>
           </a:xfrm>
           <a:prstGeom prst="straightConnector1">
@@ -12130,7 +12076,7 @@
         </p:nvCxnSpPr>
         <p:spPr>
           <a:xfrm flipV="1">
-            <a:off x="2667000" y="2362200"/>
+            <a:off x="3048000" y="2362200"/>
             <a:ext cx="0" cy="2514600"/>
           </a:xfrm>
           <a:prstGeom prst="straightConnector1">
@@ -12155,90 +12101,6 @@
           </a:fontRef>
         </p:style>
       </p:cxnSp>
-      <p:sp>
-        <p:nvSpPr>
-          <p:cNvPr id="261" name="Rounded Rectangle 260"/>
-          <p:cNvSpPr/>
-          <p:nvPr/>
-        </p:nvSpPr>
-        <p:spPr>
-          <a:xfrm>
-            <a:off x="1219200" y="2895600"/>
-            <a:ext cx="685800" cy="228600"/>
-          </a:xfrm>
-          <a:prstGeom prst="roundRect">
-            <a:avLst/>
-          </a:prstGeom>
-        </p:spPr>
-        <p:style>
-          <a:lnRef idx="1">
-            <a:schemeClr val="accent4"/>
-          </a:lnRef>
-          <a:fillRef idx="2">
-            <a:schemeClr val="accent4"/>
-          </a:fillRef>
-          <a:effectRef idx="1">
-            <a:schemeClr val="accent4"/>
-          </a:effectRef>
-          <a:fontRef idx="minor">
-            <a:schemeClr val="dk1"/>
-          </a:fontRef>
-        </p:style>
-        <p:txBody>
-          <a:bodyPr rtlCol="0" anchor="ctr"/>
-          <a:lstStyle/>
-          <a:p>
-            <a:pPr algn="ctr"/>
-            <a:r>
-              <a:rPr kumimoji="1" lang="en-US" altLang="ja-JP" sz="1100" dirty="0" smtClean="0"/>
-              <a:t>Image</a:t>
-            </a:r>
-            <a:endParaRPr kumimoji="1" lang="ja-JP" altLang="en-US" sz="1100"/>
-          </a:p>
-        </p:txBody>
-      </p:sp>
-      <p:sp>
-        <p:nvSpPr>
-          <p:cNvPr id="262" name="Rounded Rectangle 261"/>
-          <p:cNvSpPr/>
-          <p:nvPr/>
-        </p:nvSpPr>
-        <p:spPr>
-          <a:xfrm>
-            <a:off x="2133600" y="2895600"/>
-            <a:ext cx="685800" cy="228600"/>
-          </a:xfrm>
-          <a:prstGeom prst="roundRect">
-            <a:avLst/>
-          </a:prstGeom>
-        </p:spPr>
-        <p:style>
-          <a:lnRef idx="1">
-            <a:schemeClr val="accent4"/>
-          </a:lnRef>
-          <a:fillRef idx="2">
-            <a:schemeClr val="accent4"/>
-          </a:fillRef>
-          <a:effectRef idx="1">
-            <a:schemeClr val="accent4"/>
-          </a:effectRef>
-          <a:fontRef idx="minor">
-            <a:schemeClr val="dk1"/>
-          </a:fontRef>
-        </p:style>
-        <p:txBody>
-          <a:bodyPr rtlCol="0" anchor="ctr"/>
-          <a:lstStyle/>
-          <a:p>
-            <a:pPr algn="ctr"/>
-            <a:r>
-              <a:rPr kumimoji="1" lang="en-US" altLang="ja-JP" sz="1100" dirty="0" smtClean="0"/>
-              <a:t>Depth</a:t>
-            </a:r>
-            <a:endParaRPr kumimoji="1" lang="ja-JP" altLang="en-US" sz="1100"/>
-          </a:p>
-        </p:txBody>
-      </p:sp>
       <p:cxnSp>
         <p:nvCxnSpPr>
           <p:cNvPr id="263" name="Elbow Connector 262"/>
@@ -12250,12 +12112,12 @@
         </p:nvCxnSpPr>
         <p:spPr>
           <a:xfrm rot="5400000" flipH="1" flipV="1">
-            <a:off x="2705100" y="4152900"/>
+            <a:off x="3086100" y="4152900"/>
             <a:ext cx="685800" cy="762000"/>
           </a:xfrm>
           <a:prstGeom prst="bentConnector3">
             <a:avLst>
-              <a:gd name="adj1" fmla="val 70420"/>
+              <a:gd name="adj1" fmla="val 69219"/>
             </a:avLst>
           </a:prstGeom>
           <a:ln>
@@ -12285,7 +12147,7 @@
         </p:nvCxnSpPr>
         <p:spPr>
           <a:xfrm flipV="1">
-            <a:off x="3429000" y="2362200"/>
+            <a:off x="3810000" y="2362200"/>
             <a:ext cx="0" cy="1371600"/>
           </a:xfrm>
           <a:prstGeom prst="straightConnector1">
@@ -12310,16 +12172,210 @@
           </a:fontRef>
         </p:style>
       </p:cxnSp>
-      <p:sp>
-        <p:nvSpPr>
-          <p:cNvPr id="265" name="Rounded Rectangle 264"/>
+      <p:cxnSp>
+        <p:nvCxnSpPr>
+          <p:cNvPr id="60" name="Straight Arrow Connector 59"/>
+          <p:cNvCxnSpPr/>
+          <p:nvPr/>
+        </p:nvCxnSpPr>
+        <p:spPr>
+          <a:xfrm flipV="1">
+            <a:off x="7543800" y="5105400"/>
+            <a:ext cx="0" cy="228600"/>
+          </a:xfrm>
+          <a:prstGeom prst="straightConnector1">
+            <a:avLst/>
+          </a:prstGeom>
+          <a:ln w="12700">
+            <a:solidFill>
+              <a:schemeClr val="bg1">
+                <a:lumMod val="65000"/>
+              </a:schemeClr>
+            </a:solidFill>
+            <a:tailEnd type="arrow"/>
+          </a:ln>
+        </p:spPr>
+        <p:style>
+          <a:lnRef idx="2">
+            <a:schemeClr val="accent6"/>
+          </a:lnRef>
+          <a:fillRef idx="0">
+            <a:schemeClr val="accent6"/>
+          </a:fillRef>
+          <a:effectRef idx="1">
+            <a:schemeClr val="accent6"/>
+          </a:effectRef>
+          <a:fontRef idx="minor">
+            <a:schemeClr val="tx1"/>
+          </a:fontRef>
+        </p:style>
+      </p:cxnSp>
+      <p:cxnSp>
+        <p:nvCxnSpPr>
+          <p:cNvPr id="65" name="Straight Arrow Connector 64"/>
+          <p:cNvCxnSpPr/>
+          <p:nvPr/>
+        </p:nvCxnSpPr>
+        <p:spPr>
+          <a:xfrm flipV="1">
+            <a:off x="8077200" y="5105400"/>
+            <a:ext cx="0" cy="228600"/>
+          </a:xfrm>
+          <a:prstGeom prst="straightConnector1">
+            <a:avLst/>
+          </a:prstGeom>
+          <a:ln w="12700">
+            <a:solidFill>
+              <a:schemeClr val="bg1">
+                <a:lumMod val="65000"/>
+              </a:schemeClr>
+            </a:solidFill>
+            <a:tailEnd type="arrow"/>
+          </a:ln>
+        </p:spPr>
+        <p:style>
+          <a:lnRef idx="2">
+            <a:schemeClr val="accent6"/>
+          </a:lnRef>
+          <a:fillRef idx="0">
+            <a:schemeClr val="accent6"/>
+          </a:fillRef>
+          <a:effectRef idx="1">
+            <a:schemeClr val="accent6"/>
+          </a:effectRef>
+          <a:fontRef idx="minor">
+            <a:schemeClr val="tx1"/>
+          </a:fontRef>
+        </p:style>
+      </p:cxnSp>
+      <p:cxnSp>
+        <p:nvCxnSpPr>
+          <p:cNvPr id="66" name="Straight Arrow Connector 65"/>
+          <p:cNvCxnSpPr/>
+          <p:nvPr/>
+        </p:nvCxnSpPr>
+        <p:spPr>
+          <a:xfrm>
+            <a:off x="8229600" y="4876800"/>
+            <a:ext cx="152400" cy="0"/>
+          </a:xfrm>
+          <a:prstGeom prst="straightConnector1">
+            <a:avLst/>
+          </a:prstGeom>
+          <a:ln w="12700">
+            <a:solidFill>
+              <a:schemeClr val="bg1">
+                <a:lumMod val="65000"/>
+              </a:schemeClr>
+            </a:solidFill>
+            <a:tailEnd type="arrow"/>
+          </a:ln>
+        </p:spPr>
+        <p:style>
+          <a:lnRef idx="2">
+            <a:schemeClr val="accent6"/>
+          </a:lnRef>
+          <a:fillRef idx="0">
+            <a:schemeClr val="accent6"/>
+          </a:fillRef>
+          <a:effectRef idx="1">
+            <a:schemeClr val="accent6"/>
+          </a:effectRef>
+          <a:fontRef idx="minor">
+            <a:schemeClr val="tx1"/>
+          </a:fontRef>
+        </p:style>
+      </p:cxnSp>
+      <p:sp>
+        <p:nvSpPr>
+          <p:cNvPr id="73" name="Rectangle 72"/>
           <p:cNvSpPr/>
           <p:nvPr/>
         </p:nvSpPr>
         <p:spPr>
           <a:xfrm>
-            <a:off x="3048000" y="2514600"/>
-            <a:ext cx="838200" cy="304800"/>
+            <a:off x="2209800" y="5638800"/>
+            <a:ext cx="762000" cy="457200"/>
+          </a:xfrm>
+          <a:prstGeom prst="rect">
+            <a:avLst/>
+          </a:prstGeom>
+        </p:spPr>
+        <p:style>
+          <a:lnRef idx="2">
+            <a:schemeClr val="accent4">
+              <a:shade val="50000"/>
+            </a:schemeClr>
+          </a:lnRef>
+          <a:fillRef idx="1">
+            <a:schemeClr val="accent4"/>
+          </a:fillRef>
+          <a:effectRef idx="0">
+            <a:schemeClr val="accent4"/>
+          </a:effectRef>
+          <a:fontRef idx="minor">
+            <a:schemeClr val="lt1"/>
+          </a:fontRef>
+        </p:style>
+        <p:txBody>
+          <a:bodyPr lIns="0" rIns="0" rtlCol="0" anchor="ctr" anchorCtr="0"/>
+          <a:lstStyle/>
+          <a:p>
+            <a:pPr algn="ctr"/>
+            <a:r>
+              <a:rPr kumimoji="1" lang="en-US" altLang="ja-JP" sz="1200" dirty="0" smtClean="0"/>
+              <a:t>Player</a:t>
+            </a:r>
+            <a:endParaRPr kumimoji="1" lang="ja-JP" altLang="en-US" sz="1200"/>
+          </a:p>
+        </p:txBody>
+      </p:sp>
+      <p:cxnSp>
+        <p:nvCxnSpPr>
+          <p:cNvPr id="80" name="Straight Arrow Connector 79"/>
+          <p:cNvCxnSpPr>
+            <a:stCxn id="73" idx="0"/>
+            <a:endCxn id="203" idx="2"/>
+          </p:cNvCxnSpPr>
+          <p:nvPr/>
+        </p:nvCxnSpPr>
+        <p:spPr>
+          <a:xfrm flipV="1">
+            <a:off x="2590800" y="5410200"/>
+            <a:ext cx="0" cy="228600"/>
+          </a:xfrm>
+          <a:prstGeom prst="straightConnector1">
+            <a:avLst/>
+          </a:prstGeom>
+          <a:ln>
+            <a:tailEnd type="arrow"/>
+          </a:ln>
+        </p:spPr>
+        <p:style>
+          <a:lnRef idx="2">
+            <a:schemeClr val="accent4"/>
+          </a:lnRef>
+          <a:fillRef idx="0">
+            <a:schemeClr val="accent4"/>
+          </a:fillRef>
+          <a:effectRef idx="1">
+            <a:schemeClr val="accent4"/>
+          </a:effectRef>
+          <a:fontRef idx="minor">
+            <a:schemeClr val="tx1"/>
+          </a:fontRef>
+        </p:style>
+      </p:cxnSp>
+      <p:sp>
+        <p:nvSpPr>
+          <p:cNvPr id="84" name="Rounded Rectangle 83"/>
+          <p:cNvSpPr/>
+          <p:nvPr/>
+        </p:nvSpPr>
+        <p:spPr>
+          <a:xfrm>
+            <a:off x="1600200" y="2667000"/>
+            <a:ext cx="685800" cy="228600"/>
           </a:xfrm>
           <a:prstGeom prst="roundRect">
             <a:avLst/>
@@ -12345,8 +12401,50 @@
           <a:p>
             <a:pPr algn="ctr"/>
             <a:r>
-              <a:rPr kumimoji="1" lang="en-US" altLang="ja-JP" sz="1100" dirty="0" err="1" smtClean="0"/>
-              <a:t>UserID</a:t>
+              <a:rPr kumimoji="1" lang="en-US" altLang="ja-JP" sz="1100" dirty="0" smtClean="0"/>
+              <a:t>Image</a:t>
+            </a:r>
+            <a:endParaRPr kumimoji="1" lang="ja-JP" altLang="en-US" sz="1100"/>
+          </a:p>
+        </p:txBody>
+      </p:sp>
+      <p:sp>
+        <p:nvSpPr>
+          <p:cNvPr id="85" name="Rounded Rectangle 84"/>
+          <p:cNvSpPr/>
+          <p:nvPr/>
+        </p:nvSpPr>
+        <p:spPr>
+          <a:xfrm>
+            <a:off x="3429000" y="2667000"/>
+            <a:ext cx="990600" cy="304800"/>
+          </a:xfrm>
+          <a:prstGeom prst="roundRect">
+            <a:avLst/>
+          </a:prstGeom>
+        </p:spPr>
+        <p:style>
+          <a:lnRef idx="1">
+            <a:schemeClr val="accent4"/>
+          </a:lnRef>
+          <a:fillRef idx="2">
+            <a:schemeClr val="accent4"/>
+          </a:fillRef>
+          <a:effectRef idx="1">
+            <a:schemeClr val="accent4"/>
+          </a:effectRef>
+          <a:fontRef idx="minor">
+            <a:schemeClr val="dk1"/>
+          </a:fontRef>
+        </p:style>
+        <p:txBody>
+          <a:bodyPr rtlCol="0" anchor="ctr"/>
+          <a:lstStyle/>
+          <a:p>
+            <a:pPr algn="ctr"/>
+            <a:r>
+              <a:rPr kumimoji="1" lang="en-US" altLang="ja-JP" sz="1100" dirty="0" smtClean="0"/>
+              <a:t>User ID</a:t>
             </a:r>
             <a:r>
               <a:rPr kumimoji="1" lang="en-US" altLang="ja-JP" sz="1100" dirty="0" smtClean="0"/>
@@ -12356,6 +12454,280 @@
           </a:p>
         </p:txBody>
       </p:sp>
+      <p:sp>
+        <p:nvSpPr>
+          <p:cNvPr id="86" name="Rounded Rectangle 85"/>
+          <p:cNvSpPr/>
+          <p:nvPr/>
+        </p:nvSpPr>
+        <p:spPr>
+          <a:xfrm>
+            <a:off x="2514600" y="2667000"/>
+            <a:ext cx="685800" cy="228600"/>
+          </a:xfrm>
+          <a:prstGeom prst="roundRect">
+            <a:avLst/>
+          </a:prstGeom>
+        </p:spPr>
+        <p:style>
+          <a:lnRef idx="1">
+            <a:schemeClr val="accent4"/>
+          </a:lnRef>
+          <a:fillRef idx="2">
+            <a:schemeClr val="accent4"/>
+          </a:fillRef>
+          <a:effectRef idx="1">
+            <a:schemeClr val="accent4"/>
+          </a:effectRef>
+          <a:fontRef idx="minor">
+            <a:schemeClr val="dk1"/>
+          </a:fontRef>
+        </p:style>
+        <p:txBody>
+          <a:bodyPr rtlCol="0" anchor="ctr"/>
+          <a:lstStyle/>
+          <a:p>
+            <a:pPr algn="ctr"/>
+            <a:r>
+              <a:rPr kumimoji="1" lang="en-US" altLang="ja-JP" sz="1100" dirty="0" smtClean="0"/>
+              <a:t>Depth</a:t>
+            </a:r>
+            <a:endParaRPr kumimoji="1" lang="ja-JP" altLang="en-US" sz="1100"/>
+          </a:p>
+        </p:txBody>
+      </p:sp>
+      <p:grpSp>
+        <p:nvGrpSpPr>
+          <p:cNvPr id="87" name="Group 10"/>
+          <p:cNvGrpSpPr/>
+          <p:nvPr/>
+        </p:nvGrpSpPr>
+        <p:grpSpPr>
+          <a:xfrm>
+            <a:off x="7391400" y="6172200"/>
+            <a:ext cx="1295400" cy="304800"/>
+            <a:chOff x="3124200" y="6172200"/>
+            <a:chExt cx="1295400" cy="304800"/>
+          </a:xfrm>
+        </p:grpSpPr>
+        <p:sp>
+          <p:nvSpPr>
+            <p:cNvPr id="88" name="Rounded Rectangle 87"/>
+            <p:cNvSpPr/>
+            <p:nvPr/>
+          </p:nvSpPr>
+          <p:spPr>
+            <a:xfrm>
+              <a:off x="3124200" y="6172200"/>
+              <a:ext cx="1295400" cy="152400"/>
+            </a:xfrm>
+            <a:prstGeom prst="roundRect">
+              <a:avLst/>
+            </a:prstGeom>
+            <a:ln>
+              <a:solidFill>
+                <a:schemeClr val="bg1">
+                  <a:lumMod val="65000"/>
+                </a:schemeClr>
+              </a:solidFill>
+            </a:ln>
+          </p:spPr>
+          <p:style>
+            <a:lnRef idx="1">
+              <a:schemeClr val="dk1"/>
+            </a:lnRef>
+            <a:fillRef idx="2">
+              <a:schemeClr val="dk1"/>
+            </a:fillRef>
+            <a:effectRef idx="1">
+              <a:schemeClr val="dk1"/>
+            </a:effectRef>
+            <a:fontRef idx="minor">
+              <a:schemeClr val="dk1"/>
+            </a:fontRef>
+          </p:style>
+          <p:txBody>
+            <a:bodyPr rtlCol="0" anchor="ctr"/>
+            <a:lstStyle/>
+            <a:p>
+              <a:pPr algn="ctr"/>
+              <a:endParaRPr kumimoji="1" lang="ja-JP" altLang="en-US"/>
+            </a:p>
+          </p:txBody>
+        </p:sp>
+        <p:sp>
+          <p:nvSpPr>
+            <p:cNvPr id="89" name="Isosceles Triangle 88"/>
+            <p:cNvSpPr/>
+            <p:nvPr/>
+          </p:nvSpPr>
+          <p:spPr>
+            <a:xfrm>
+              <a:off x="3505200" y="6324600"/>
+              <a:ext cx="533400" cy="152400"/>
+            </a:xfrm>
+            <a:prstGeom prst="triangle">
+              <a:avLst/>
+            </a:prstGeom>
+            <a:ln>
+              <a:solidFill>
+                <a:schemeClr val="bg1">
+                  <a:lumMod val="65000"/>
+                </a:schemeClr>
+              </a:solidFill>
+            </a:ln>
+          </p:spPr>
+          <p:style>
+            <a:lnRef idx="1">
+              <a:schemeClr val="dk1"/>
+            </a:lnRef>
+            <a:fillRef idx="2">
+              <a:schemeClr val="dk1"/>
+            </a:fillRef>
+            <a:effectRef idx="1">
+              <a:schemeClr val="dk1"/>
+            </a:effectRef>
+            <a:fontRef idx="minor">
+              <a:schemeClr val="dk1"/>
+            </a:fontRef>
+          </p:style>
+          <p:txBody>
+            <a:bodyPr rtlCol="0" anchor="ctr"/>
+            <a:lstStyle/>
+            <a:p>
+              <a:pPr algn="ctr"/>
+              <a:endParaRPr kumimoji="1" lang="ja-JP" altLang="en-US"/>
+            </a:p>
+          </p:txBody>
+        </p:sp>
+      </p:grpSp>
+      <p:cxnSp>
+        <p:nvCxnSpPr>
+          <p:cNvPr id="90" name="Straight Arrow Connector 89"/>
+          <p:cNvCxnSpPr>
+            <a:stCxn id="88" idx="0"/>
+            <a:endCxn id="214" idx="2"/>
+          </p:cNvCxnSpPr>
+          <p:nvPr/>
+        </p:nvCxnSpPr>
+        <p:spPr>
+          <a:xfrm flipV="1">
+            <a:off x="8039100" y="5791200"/>
+            <a:ext cx="0" cy="381000"/>
+          </a:xfrm>
+          <a:prstGeom prst="straightConnector1">
+            <a:avLst/>
+          </a:prstGeom>
+          <a:ln w="12700">
+            <a:solidFill>
+              <a:schemeClr val="bg1">
+                <a:lumMod val="65000"/>
+              </a:schemeClr>
+            </a:solidFill>
+            <a:tailEnd type="arrow"/>
+          </a:ln>
+        </p:spPr>
+        <p:style>
+          <a:lnRef idx="2">
+            <a:schemeClr val="accent6"/>
+          </a:lnRef>
+          <a:fillRef idx="0">
+            <a:schemeClr val="accent6"/>
+          </a:fillRef>
+          <a:effectRef idx="1">
+            <a:schemeClr val="accent6"/>
+          </a:effectRef>
+          <a:fontRef idx="minor">
+            <a:schemeClr val="tx1"/>
+          </a:fontRef>
+        </p:style>
+      </p:cxnSp>
+      <p:sp>
+        <p:nvSpPr>
+          <p:cNvPr id="96" name="Folded Corner 95"/>
+          <p:cNvSpPr/>
+          <p:nvPr/>
+        </p:nvSpPr>
+        <p:spPr>
+          <a:xfrm>
+            <a:off x="838200" y="1905000"/>
+            <a:ext cx="609600" cy="609600"/>
+          </a:xfrm>
+          <a:prstGeom prst="foldedCorner">
+            <a:avLst/>
+          </a:prstGeom>
+          <a:ln>
+            <a:headEnd type="arrow" w="med" len="med"/>
+            <a:tailEnd type="none" w="med" len="med"/>
+          </a:ln>
+        </p:spPr>
+        <p:style>
+          <a:lnRef idx="1">
+            <a:schemeClr val="accent4"/>
+          </a:lnRef>
+          <a:fillRef idx="2">
+            <a:schemeClr val="accent4"/>
+          </a:fillRef>
+          <a:effectRef idx="1">
+            <a:schemeClr val="accent4"/>
+          </a:effectRef>
+          <a:fontRef idx="minor">
+            <a:schemeClr val="dk1"/>
+          </a:fontRef>
+        </p:style>
+        <p:txBody>
+          <a:bodyPr rtlCol="0" anchor="ctr"/>
+          <a:lstStyle/>
+          <a:p>
+            <a:pPr algn="ctr"/>
+            <a:r>
+              <a:rPr kumimoji="1" lang="en-US" altLang="ja-JP" sz="1200" dirty="0" smtClean="0"/>
+              <a:t>.</a:t>
+            </a:r>
+            <a:r>
+              <a:rPr kumimoji="1" lang="en-US" altLang="ja-JP" sz="1200" dirty="0" err="1" smtClean="0"/>
+              <a:t>oni</a:t>
+            </a:r>
+            <a:endParaRPr kumimoji="1" lang="ja-JP" altLang="en-US" sz="1200"/>
+          </a:p>
+        </p:txBody>
+      </p:sp>
+      <p:cxnSp>
+        <p:nvCxnSpPr>
+          <p:cNvPr id="97" name="Elbow Connector 96"/>
+          <p:cNvCxnSpPr>
+            <a:stCxn id="96" idx="2"/>
+            <a:endCxn id="73" idx="1"/>
+          </p:cNvCxnSpPr>
+          <p:nvPr/>
+        </p:nvCxnSpPr>
+        <p:spPr>
+          <a:xfrm rot="16200000" flipH="1">
+            <a:off x="0" y="3657600"/>
+            <a:ext cx="3352800" cy="1066800"/>
+          </a:xfrm>
+          <a:prstGeom prst="bentConnector2">
+            <a:avLst/>
+          </a:prstGeom>
+          <a:ln>
+            <a:tailEnd type="arrow"/>
+          </a:ln>
+        </p:spPr>
+        <p:style>
+          <a:lnRef idx="2">
+            <a:schemeClr val="accent4"/>
+          </a:lnRef>
+          <a:fillRef idx="0">
+            <a:schemeClr val="accent4"/>
+          </a:fillRef>
+          <a:effectRef idx="1">
+            <a:schemeClr val="accent4"/>
+          </a:effectRef>
+          <a:fontRef idx="minor">
+            <a:schemeClr val="tx1"/>
+          </a:fontRef>
+        </p:style>
+      </p:cxnSp>
     </p:spTree>
   </p:cSld>
   <p:clrMapOvr>
@@ -12452,22 +12824,12 @@
             <a:pPr lvl="1"/>
             <a:r>
               <a:rPr lang="en-US" altLang="ja-JP" dirty="0" smtClean="0"/>
-              <a:t>Kind of hack, not perfect at all</a:t>
-            </a:r>
-          </a:p>
-          <a:p>
+              <a:t>Kind of hack, not </a:t>
+            </a:r>
             <a:r>
               <a:rPr lang="en-US" altLang="ja-JP" dirty="0" smtClean="0"/>
-              <a:t>Design policy</a:t>
-            </a:r>
-          </a:p>
-          <a:p>
-            <a:pPr lvl="1"/>
-            <a:r>
-              <a:rPr kumimoji="1" lang="en-US" altLang="ja-JP" dirty="0" smtClean="0"/>
-              <a:t>Stay upon Kinect SDK as possible rather than working around it</a:t>
-            </a:r>
-            <a:endParaRPr kumimoji="1" lang="ja-JP" altLang="en-US"/>
+              <a:t>perfect</a:t>
+            </a:r>
           </a:p>
         </p:txBody>
       </p:sp>
